--- a/channel_efficiency_models.pptx
+++ b/channel_efficiency_models.pptx
@@ -8,6 +8,7 @@
     <p:sldId id="264" r:id="rId2"/>
     <p:sldId id="265" r:id="rId3"/>
     <p:sldId id="266" r:id="rId4"/>
+    <p:sldId id="267" r:id="rId5"/>
   </p:sldIdLst>
   <p:sldSz cx="12192000" cy="6858000"/>
   <p:notesSz cx="6858000" cy="9144000"/>
@@ -106,13 +107,18 @@
       </a:defRPr>
     </a:lvl9pPr>
   </p:defaultTextStyle>
+  <p:extLst>
+    <p:ext uri="{EFAFB233-063F-42B5-8137-9DF3F51BA10A}">
+      <p15:sldGuideLst xmlns:p15="http://schemas.microsoft.com/office/powerpoint/2012/main"/>
+    </p:ext>
+  </p:extLst>
 </p:presentation>
 </file>
 
 <file path=ppt/revisionInfo.xml><?xml version="1.0" encoding="utf-8"?>
 <p1510:revInfo xmlns:a="http://schemas.openxmlformats.org/drawingml/2006/main" xmlns:r="http://schemas.openxmlformats.org/officeDocument/2006/relationships" xmlns:p1510="http://schemas.microsoft.com/office/powerpoint/2015/10/main">
   <p1510:revLst>
-    <p1510:client id="{88BD76D7-F885-4460-A7C5-49F0EB38694C}" v="2" dt="2021-09-09T19:52:48.627"/>
+    <p1510:client id="{88BD76D7-F885-4460-A7C5-49F0EB38694C}" v="130" dt="2021-09-10T17:02:51.366"/>
   </p1510:revLst>
 </p1510:revInfo>
 </file>
@@ -122,7 +128,7 @@
   <pc:docChgLst>
     <pc:chgData name="Craig Brinkerhoff" userId="4ca67c74-3213-4250-9c32-077ebf257a4d" providerId="ADAL" clId="{88BD76D7-F885-4460-A7C5-49F0EB38694C}"/>
     <pc:docChg chg="undo custSel addSld modSld sldOrd">
-      <pc:chgData name="Craig Brinkerhoff" userId="4ca67c74-3213-4250-9c32-077ebf257a4d" providerId="ADAL" clId="{88BD76D7-F885-4460-A7C5-49F0EB38694C}" dt="2021-09-09T20:31:06.734" v="102"/>
+      <pc:chgData name="Craig Brinkerhoff" userId="4ca67c74-3213-4250-9c32-077ebf257a4d" providerId="ADAL" clId="{88BD76D7-F885-4460-A7C5-49F0EB38694C}" dt="2021-09-10T17:02:58.776" v="811" actId="1076"/>
       <pc:docMkLst>
         <pc:docMk/>
       </pc:docMkLst>
@@ -203,6 +209,861 @@
           </ac:spMkLst>
         </pc:spChg>
       </pc:sldChg>
+      <pc:sldChg chg="addSp delSp modSp new mod ord">
+        <pc:chgData name="Craig Brinkerhoff" userId="4ca67c74-3213-4250-9c32-077ebf257a4d" providerId="ADAL" clId="{88BD76D7-F885-4460-A7C5-49F0EB38694C}" dt="2021-09-10T17:02:58.776" v="811" actId="1076"/>
+        <pc:sldMkLst>
+          <pc:docMk/>
+          <pc:sldMk cId="2783147980" sldId="267"/>
+        </pc:sldMkLst>
+        <pc:spChg chg="add mod">
+          <ac:chgData name="Craig Brinkerhoff" userId="4ca67c74-3213-4250-9c32-077ebf257a4d" providerId="ADAL" clId="{88BD76D7-F885-4460-A7C5-49F0EB38694C}" dt="2021-09-10T17:01:43.236" v="803" actId="1076"/>
+          <ac:spMkLst>
+            <pc:docMk/>
+            <pc:sldMk cId="2783147980" sldId="267"/>
+            <ac:spMk id="2" creationId="{AC846389-A142-4413-8FF0-C85785CDD765}"/>
+          </ac:spMkLst>
+        </pc:spChg>
+        <pc:spChg chg="add mod">
+          <ac:chgData name="Craig Brinkerhoff" userId="4ca67c74-3213-4250-9c32-077ebf257a4d" providerId="ADAL" clId="{88BD76D7-F885-4460-A7C5-49F0EB38694C}" dt="2021-09-10T17:01:43.236" v="803" actId="1076"/>
+          <ac:spMkLst>
+            <pc:docMk/>
+            <pc:sldMk cId="2783147980" sldId="267"/>
+            <ac:spMk id="3" creationId="{0183C9F1-10AF-438E-B5EE-E548CCAE8689}"/>
+          </ac:spMkLst>
+        </pc:spChg>
+        <pc:spChg chg="add mod">
+          <ac:chgData name="Craig Brinkerhoff" userId="4ca67c74-3213-4250-9c32-077ebf257a4d" providerId="ADAL" clId="{88BD76D7-F885-4460-A7C5-49F0EB38694C}" dt="2021-09-10T17:01:43.236" v="803" actId="1076"/>
+          <ac:spMkLst>
+            <pc:docMk/>
+            <pc:sldMk cId="2783147980" sldId="267"/>
+            <ac:spMk id="4" creationId="{E20A637B-F31A-4897-99A5-92FC3C33ACC4}"/>
+          </ac:spMkLst>
+        </pc:spChg>
+        <pc:spChg chg="add del mod">
+          <ac:chgData name="Craig Brinkerhoff" userId="4ca67c74-3213-4250-9c32-077ebf257a4d" providerId="ADAL" clId="{88BD76D7-F885-4460-A7C5-49F0EB38694C}" dt="2021-09-10T16:07:17.354" v="160" actId="478"/>
+          <ac:spMkLst>
+            <pc:docMk/>
+            <pc:sldMk cId="2783147980" sldId="267"/>
+            <ac:spMk id="6" creationId="{EF02BF17-9877-4DB4-ACE3-B6D224F31E7A}"/>
+          </ac:spMkLst>
+        </pc:spChg>
+        <pc:spChg chg="add del mod">
+          <ac:chgData name="Craig Brinkerhoff" userId="4ca67c74-3213-4250-9c32-077ebf257a4d" providerId="ADAL" clId="{88BD76D7-F885-4460-A7C5-49F0EB38694C}" dt="2021-09-10T16:07:18.512" v="161" actId="478"/>
+          <ac:spMkLst>
+            <pc:docMk/>
+            <pc:sldMk cId="2783147980" sldId="267"/>
+            <ac:spMk id="7" creationId="{022B412B-8292-4342-B079-A3EA2C05CA85}"/>
+          </ac:spMkLst>
+        </pc:spChg>
+        <pc:spChg chg="add del mod">
+          <ac:chgData name="Craig Brinkerhoff" userId="4ca67c74-3213-4250-9c32-077ebf257a4d" providerId="ADAL" clId="{88BD76D7-F885-4460-A7C5-49F0EB38694C}" dt="2021-09-10T16:31:25.572" v="529" actId="478"/>
+          <ac:spMkLst>
+            <pc:docMk/>
+            <pc:sldMk cId="2783147980" sldId="267"/>
+            <ac:spMk id="8" creationId="{72E1F95B-F439-4B62-BB8B-89045842D1DA}"/>
+          </ac:spMkLst>
+        </pc:spChg>
+        <pc:spChg chg="add mod">
+          <ac:chgData name="Craig Brinkerhoff" userId="4ca67c74-3213-4250-9c32-077ebf257a4d" providerId="ADAL" clId="{88BD76D7-F885-4460-A7C5-49F0EB38694C}" dt="2021-09-10T16:58:22.554" v="765" actId="1076"/>
+          <ac:spMkLst>
+            <pc:docMk/>
+            <pc:sldMk cId="2783147980" sldId="267"/>
+            <ac:spMk id="9" creationId="{2BDC048E-E65A-4BC1-B80C-A2DF61EB7852}"/>
+          </ac:spMkLst>
+        </pc:spChg>
+        <pc:spChg chg="add mod">
+          <ac:chgData name="Craig Brinkerhoff" userId="4ca67c74-3213-4250-9c32-077ebf257a4d" providerId="ADAL" clId="{88BD76D7-F885-4460-A7C5-49F0EB38694C}" dt="2021-09-10T16:58:22.554" v="765" actId="1076"/>
+          <ac:spMkLst>
+            <pc:docMk/>
+            <pc:sldMk cId="2783147980" sldId="267"/>
+            <ac:spMk id="10" creationId="{DC4FF99B-B030-4082-BEE4-3E9A2B7296F7}"/>
+          </ac:spMkLst>
+        </pc:spChg>
+        <pc:spChg chg="add del mod">
+          <ac:chgData name="Craig Brinkerhoff" userId="4ca67c74-3213-4250-9c32-077ebf257a4d" providerId="ADAL" clId="{88BD76D7-F885-4460-A7C5-49F0EB38694C}" dt="2021-09-10T16:11:38.882" v="205" actId="478"/>
+          <ac:spMkLst>
+            <pc:docMk/>
+            <pc:sldMk cId="2783147980" sldId="267"/>
+            <ac:spMk id="12" creationId="{B74B927E-CEB8-4F09-BCCD-A25C0A53F3FC}"/>
+          </ac:spMkLst>
+        </pc:spChg>
+        <pc:spChg chg="add mod ord">
+          <ac:chgData name="Craig Brinkerhoff" userId="4ca67c74-3213-4250-9c32-077ebf257a4d" providerId="ADAL" clId="{88BD76D7-F885-4460-A7C5-49F0EB38694C}" dt="2021-09-10T16:58:22.554" v="765" actId="1076"/>
+          <ac:spMkLst>
+            <pc:docMk/>
+            <pc:sldMk cId="2783147980" sldId="267"/>
+            <ac:spMk id="13" creationId="{C569C12B-34A2-412B-A5C0-2DE95D043B57}"/>
+          </ac:spMkLst>
+        </pc:spChg>
+        <pc:spChg chg="add del mod">
+          <ac:chgData name="Craig Brinkerhoff" userId="4ca67c74-3213-4250-9c32-077ebf257a4d" providerId="ADAL" clId="{88BD76D7-F885-4460-A7C5-49F0EB38694C}" dt="2021-09-10T16:07:16.080" v="159" actId="478"/>
+          <ac:spMkLst>
+            <pc:docMk/>
+            <pc:sldMk cId="2783147980" sldId="267"/>
+            <ac:spMk id="14" creationId="{4F2472D9-1BFE-48A6-9802-23A4B76F02F4}"/>
+          </ac:spMkLst>
+        </pc:spChg>
+        <pc:spChg chg="add del mod">
+          <ac:chgData name="Craig Brinkerhoff" userId="4ca67c74-3213-4250-9c32-077ebf257a4d" providerId="ADAL" clId="{88BD76D7-F885-4460-A7C5-49F0EB38694C}" dt="2021-09-10T17:00:30.770" v="790" actId="478"/>
+          <ac:spMkLst>
+            <pc:docMk/>
+            <pc:sldMk cId="2783147980" sldId="267"/>
+            <ac:spMk id="15" creationId="{66170781-1EE1-401F-A247-E5D43CE19A11}"/>
+          </ac:spMkLst>
+        </pc:spChg>
+        <pc:spChg chg="add mod">
+          <ac:chgData name="Craig Brinkerhoff" userId="4ca67c74-3213-4250-9c32-077ebf257a4d" providerId="ADAL" clId="{88BD76D7-F885-4460-A7C5-49F0EB38694C}" dt="2021-09-10T16:07:08.025" v="157" actId="571"/>
+          <ac:spMkLst>
+            <pc:docMk/>
+            <pc:sldMk cId="2783147980" sldId="267"/>
+            <ac:spMk id="16" creationId="{3444A10D-2BAF-4F35-8A51-5FAEEBE232F3}"/>
+          </ac:spMkLst>
+        </pc:spChg>
+        <pc:spChg chg="add mod">
+          <ac:chgData name="Craig Brinkerhoff" userId="4ca67c74-3213-4250-9c32-077ebf257a4d" providerId="ADAL" clId="{88BD76D7-F885-4460-A7C5-49F0EB38694C}" dt="2021-09-10T16:07:08.025" v="157" actId="571"/>
+          <ac:spMkLst>
+            <pc:docMk/>
+            <pc:sldMk cId="2783147980" sldId="267"/>
+            <ac:spMk id="17" creationId="{AA5DD01B-2242-42B9-A80F-D0D0C12C356A}"/>
+          </ac:spMkLst>
+        </pc:spChg>
+        <pc:spChg chg="add mod">
+          <ac:chgData name="Craig Brinkerhoff" userId="4ca67c74-3213-4250-9c32-077ebf257a4d" providerId="ADAL" clId="{88BD76D7-F885-4460-A7C5-49F0EB38694C}" dt="2021-09-10T16:07:08.025" v="157" actId="571"/>
+          <ac:spMkLst>
+            <pc:docMk/>
+            <pc:sldMk cId="2783147980" sldId="267"/>
+            <ac:spMk id="18" creationId="{96741295-F3A2-468F-BA9A-97B52DF0417B}"/>
+          </ac:spMkLst>
+        </pc:spChg>
+        <pc:spChg chg="add del mod">
+          <ac:chgData name="Craig Brinkerhoff" userId="4ca67c74-3213-4250-9c32-077ebf257a4d" providerId="ADAL" clId="{88BD76D7-F885-4460-A7C5-49F0EB38694C}" dt="2021-09-10T16:09:21.664" v="178" actId="478"/>
+          <ac:spMkLst>
+            <pc:docMk/>
+            <pc:sldMk cId="2783147980" sldId="267"/>
+            <ac:spMk id="26" creationId="{F1F05B1C-3D03-431B-841F-DAEFE4FC4EE6}"/>
+          </ac:spMkLst>
+        </pc:spChg>
+        <pc:spChg chg="add mod ord">
+          <ac:chgData name="Craig Brinkerhoff" userId="4ca67c74-3213-4250-9c32-077ebf257a4d" providerId="ADAL" clId="{88BD76D7-F885-4460-A7C5-49F0EB38694C}" dt="2021-09-10T17:01:43.236" v="803" actId="1076"/>
+          <ac:spMkLst>
+            <pc:docMk/>
+            <pc:sldMk cId="2783147980" sldId="267"/>
+            <ac:spMk id="27" creationId="{8A6C58A5-BDBC-41BB-AD50-5CEB197935A6}"/>
+          </ac:spMkLst>
+        </pc:spChg>
+        <pc:spChg chg="add del mod">
+          <ac:chgData name="Craig Brinkerhoff" userId="4ca67c74-3213-4250-9c32-077ebf257a4d" providerId="ADAL" clId="{88BD76D7-F885-4460-A7C5-49F0EB38694C}" dt="2021-09-10T16:10:50.039" v="192" actId="478"/>
+          <ac:spMkLst>
+            <pc:docMk/>
+            <pc:sldMk cId="2783147980" sldId="267"/>
+            <ac:spMk id="30" creationId="{005D41D9-233E-4670-B601-2420BE95DF74}"/>
+          </ac:spMkLst>
+        </pc:spChg>
+        <pc:spChg chg="add del mod">
+          <ac:chgData name="Craig Brinkerhoff" userId="4ca67c74-3213-4250-9c32-077ebf257a4d" providerId="ADAL" clId="{88BD76D7-F885-4460-A7C5-49F0EB38694C}" dt="2021-09-10T16:21:57.603" v="329" actId="478"/>
+          <ac:spMkLst>
+            <pc:docMk/>
+            <pc:sldMk cId="2783147980" sldId="267"/>
+            <ac:spMk id="31" creationId="{0FB18DA2-3798-4DBE-9161-D1BE87B403DA}"/>
+          </ac:spMkLst>
+        </pc:spChg>
+        <pc:spChg chg="add mod">
+          <ac:chgData name="Craig Brinkerhoff" userId="4ca67c74-3213-4250-9c32-077ebf257a4d" providerId="ADAL" clId="{88BD76D7-F885-4460-A7C5-49F0EB38694C}" dt="2021-09-10T17:01:43.236" v="803" actId="1076"/>
+          <ac:spMkLst>
+            <pc:docMk/>
+            <pc:sldMk cId="2783147980" sldId="267"/>
+            <ac:spMk id="32" creationId="{239F8CEC-AFCA-4ECD-9BDC-88F2AFFFDA40}"/>
+          </ac:spMkLst>
+        </pc:spChg>
+        <pc:spChg chg="add mod">
+          <ac:chgData name="Craig Brinkerhoff" userId="4ca67c74-3213-4250-9c32-077ebf257a4d" providerId="ADAL" clId="{88BD76D7-F885-4460-A7C5-49F0EB38694C}" dt="2021-09-10T17:01:43.236" v="803" actId="1076"/>
+          <ac:spMkLst>
+            <pc:docMk/>
+            <pc:sldMk cId="2783147980" sldId="267"/>
+            <ac:spMk id="33" creationId="{E92E2DC2-58F9-4A60-ADEA-A97EF0A04781}"/>
+          </ac:spMkLst>
+        </pc:spChg>
+        <pc:spChg chg="add mod">
+          <ac:chgData name="Craig Brinkerhoff" userId="4ca67c74-3213-4250-9c32-077ebf257a4d" providerId="ADAL" clId="{88BD76D7-F885-4460-A7C5-49F0EB38694C}" dt="2021-09-10T17:01:43.236" v="803" actId="1076"/>
+          <ac:spMkLst>
+            <pc:docMk/>
+            <pc:sldMk cId="2783147980" sldId="267"/>
+            <ac:spMk id="34" creationId="{9AB83542-D6E0-4FE6-90FE-B2AFA38EBA63}"/>
+          </ac:spMkLst>
+        </pc:spChg>
+        <pc:spChg chg="add del mod">
+          <ac:chgData name="Craig Brinkerhoff" userId="4ca67c74-3213-4250-9c32-077ebf257a4d" providerId="ADAL" clId="{88BD76D7-F885-4460-A7C5-49F0EB38694C}" dt="2021-09-10T17:00:33.235" v="792" actId="478"/>
+          <ac:spMkLst>
+            <pc:docMk/>
+            <pc:sldMk cId="2783147980" sldId="267"/>
+            <ac:spMk id="35" creationId="{EDEF8D4B-EF5A-45B9-BDC4-92CEA266A5F1}"/>
+          </ac:spMkLst>
+        </pc:spChg>
+        <pc:spChg chg="add del mod">
+          <ac:chgData name="Craig Brinkerhoff" userId="4ca67c74-3213-4250-9c32-077ebf257a4d" providerId="ADAL" clId="{88BD76D7-F885-4460-A7C5-49F0EB38694C}" dt="2021-09-10T16:55:20.950" v="722" actId="478"/>
+          <ac:spMkLst>
+            <pc:docMk/>
+            <pc:sldMk cId="2783147980" sldId="267"/>
+            <ac:spMk id="42" creationId="{1EA1678A-93CB-449E-9E86-81B21AB6DE37}"/>
+          </ac:spMkLst>
+        </pc:spChg>
+        <pc:spChg chg="add del mod">
+          <ac:chgData name="Craig Brinkerhoff" userId="4ca67c74-3213-4250-9c32-077ebf257a4d" providerId="ADAL" clId="{88BD76D7-F885-4460-A7C5-49F0EB38694C}" dt="2021-09-10T16:12:20.768" v="224"/>
+          <ac:spMkLst>
+            <pc:docMk/>
+            <pc:sldMk cId="2783147980" sldId="267"/>
+            <ac:spMk id="43" creationId="{298130C5-4B64-4B62-B2C5-7D0B065303B2}"/>
+          </ac:spMkLst>
+        </pc:spChg>
+        <pc:spChg chg="add mod">
+          <ac:chgData name="Craig Brinkerhoff" userId="4ca67c74-3213-4250-9c32-077ebf257a4d" providerId="ADAL" clId="{88BD76D7-F885-4460-A7C5-49F0EB38694C}" dt="2021-09-10T16:58:22.554" v="765" actId="1076"/>
+          <ac:spMkLst>
+            <pc:docMk/>
+            <pc:sldMk cId="2783147980" sldId="267"/>
+            <ac:spMk id="44" creationId="{6D248CAE-C845-4A00-89E9-974376731A1A}"/>
+          </ac:spMkLst>
+        </pc:spChg>
+        <pc:spChg chg="add del mod">
+          <ac:chgData name="Craig Brinkerhoff" userId="4ca67c74-3213-4250-9c32-077ebf257a4d" providerId="ADAL" clId="{88BD76D7-F885-4460-A7C5-49F0EB38694C}" dt="2021-09-10T16:55:26.991" v="724" actId="478"/>
+          <ac:spMkLst>
+            <pc:docMk/>
+            <pc:sldMk cId="2783147980" sldId="267"/>
+            <ac:spMk id="45" creationId="{8669558C-BE5A-4D8E-BD0D-446FAADFB094}"/>
+          </ac:spMkLst>
+        </pc:spChg>
+        <pc:spChg chg="add mod">
+          <ac:chgData name="Craig Brinkerhoff" userId="4ca67c74-3213-4250-9c32-077ebf257a4d" providerId="ADAL" clId="{88BD76D7-F885-4460-A7C5-49F0EB38694C}" dt="2021-09-10T16:58:22.554" v="765" actId="1076"/>
+          <ac:spMkLst>
+            <pc:docMk/>
+            <pc:sldMk cId="2783147980" sldId="267"/>
+            <ac:spMk id="46" creationId="{F7A3E249-61B3-42D5-81B4-856DEA9E6307}"/>
+          </ac:spMkLst>
+        </pc:spChg>
+        <pc:spChg chg="add mod">
+          <ac:chgData name="Craig Brinkerhoff" userId="4ca67c74-3213-4250-9c32-077ebf257a4d" providerId="ADAL" clId="{88BD76D7-F885-4460-A7C5-49F0EB38694C}" dt="2021-09-10T16:58:22.554" v="765" actId="1076"/>
+          <ac:spMkLst>
+            <pc:docMk/>
+            <pc:sldMk cId="2783147980" sldId="267"/>
+            <ac:spMk id="47" creationId="{C1B742F9-8C27-4787-9168-A7E5FF6A1F02}"/>
+          </ac:spMkLst>
+        </pc:spChg>
+        <pc:spChg chg="add mod">
+          <ac:chgData name="Craig Brinkerhoff" userId="4ca67c74-3213-4250-9c32-077ebf257a4d" providerId="ADAL" clId="{88BD76D7-F885-4460-A7C5-49F0EB38694C}" dt="2021-09-10T16:58:22.554" v="765" actId="1076"/>
+          <ac:spMkLst>
+            <pc:docMk/>
+            <pc:sldMk cId="2783147980" sldId="267"/>
+            <ac:spMk id="48" creationId="{32D50F2C-D602-45D0-AE7E-DF76FC809976}"/>
+          </ac:spMkLst>
+        </pc:spChg>
+        <pc:spChg chg="add del mod">
+          <ac:chgData name="Craig Brinkerhoff" userId="4ca67c74-3213-4250-9c32-077ebf257a4d" providerId="ADAL" clId="{88BD76D7-F885-4460-A7C5-49F0EB38694C}" dt="2021-09-10T16:55:59.752" v="732" actId="478"/>
+          <ac:spMkLst>
+            <pc:docMk/>
+            <pc:sldMk cId="2783147980" sldId="267"/>
+            <ac:spMk id="49" creationId="{2339C161-D19C-4737-84D8-01046AE674BB}"/>
+          </ac:spMkLst>
+        </pc:spChg>
+        <pc:spChg chg="add del mod">
+          <ac:chgData name="Craig Brinkerhoff" userId="4ca67c74-3213-4250-9c32-077ebf257a4d" providerId="ADAL" clId="{88BD76D7-F885-4460-A7C5-49F0EB38694C}" dt="2021-09-10T16:13:28.179" v="248" actId="478"/>
+          <ac:spMkLst>
+            <pc:docMk/>
+            <pc:sldMk cId="2783147980" sldId="267"/>
+            <ac:spMk id="50" creationId="{F1365DDA-1600-4357-82AF-ED867383191A}"/>
+          </ac:spMkLst>
+        </pc:spChg>
+        <pc:spChg chg="add mod">
+          <ac:chgData name="Craig Brinkerhoff" userId="4ca67c74-3213-4250-9c32-077ebf257a4d" providerId="ADAL" clId="{88BD76D7-F885-4460-A7C5-49F0EB38694C}" dt="2021-09-10T16:58:22.554" v="765" actId="1076"/>
+          <ac:spMkLst>
+            <pc:docMk/>
+            <pc:sldMk cId="2783147980" sldId="267"/>
+            <ac:spMk id="51" creationId="{D69C5733-AD96-478A-B61D-DEEC8B670D92}"/>
+          </ac:spMkLst>
+        </pc:spChg>
+        <pc:spChg chg="add del mod ord">
+          <ac:chgData name="Craig Brinkerhoff" userId="4ca67c74-3213-4250-9c32-077ebf257a4d" providerId="ADAL" clId="{88BD76D7-F885-4460-A7C5-49F0EB38694C}" dt="2021-09-10T16:20:28.378" v="308" actId="478"/>
+          <ac:spMkLst>
+            <pc:docMk/>
+            <pc:sldMk cId="2783147980" sldId="267"/>
+            <ac:spMk id="52" creationId="{7D3E5C42-F381-4801-B285-1BCE3F5DC0CA}"/>
+          </ac:spMkLst>
+        </pc:spChg>
+        <pc:spChg chg="add del mod">
+          <ac:chgData name="Craig Brinkerhoff" userId="4ca67c74-3213-4250-9c32-077ebf257a4d" providerId="ADAL" clId="{88BD76D7-F885-4460-A7C5-49F0EB38694C}" dt="2021-09-10T16:15:16.313" v="266" actId="478"/>
+          <ac:spMkLst>
+            <pc:docMk/>
+            <pc:sldMk cId="2783147980" sldId="267"/>
+            <ac:spMk id="53" creationId="{3EB07C58-9611-4996-9C51-AA9A0E446E1A}"/>
+          </ac:spMkLst>
+        </pc:spChg>
+        <pc:spChg chg="add del mod">
+          <ac:chgData name="Craig Brinkerhoff" userId="4ca67c74-3213-4250-9c32-077ebf257a4d" providerId="ADAL" clId="{88BD76D7-F885-4460-A7C5-49F0EB38694C}" dt="2021-09-10T16:14:27.373" v="256" actId="478"/>
+          <ac:spMkLst>
+            <pc:docMk/>
+            <pc:sldMk cId="2783147980" sldId="267"/>
+            <ac:spMk id="54" creationId="{EDE1889F-CE04-4212-A8E3-659E462C3C4D}"/>
+          </ac:spMkLst>
+        </pc:spChg>
+        <pc:spChg chg="add del mod">
+          <ac:chgData name="Craig Brinkerhoff" userId="4ca67c74-3213-4250-9c32-077ebf257a4d" providerId="ADAL" clId="{88BD76D7-F885-4460-A7C5-49F0EB38694C}" dt="2021-09-10T16:58:22.554" v="765" actId="1076"/>
+          <ac:spMkLst>
+            <pc:docMk/>
+            <pc:sldMk cId="2783147980" sldId="267"/>
+            <ac:spMk id="55" creationId="{CC2B31BB-8D95-4B87-9F78-14E9C773EF3F}"/>
+          </ac:spMkLst>
+        </pc:spChg>
+        <pc:spChg chg="add del">
+          <ac:chgData name="Craig Brinkerhoff" userId="4ca67c74-3213-4250-9c32-077ebf257a4d" providerId="ADAL" clId="{88BD76D7-F885-4460-A7C5-49F0EB38694C}" dt="2021-09-10T16:20:41.857" v="310" actId="11529"/>
+          <ac:spMkLst>
+            <pc:docMk/>
+            <pc:sldMk cId="2783147980" sldId="267"/>
+            <ac:spMk id="72" creationId="{F4FDBBD2-89C7-4AA0-9BDF-A611122A0B3A}"/>
+          </ac:spMkLst>
+        </pc:spChg>
+        <pc:spChg chg="add mod">
+          <ac:chgData name="Craig Brinkerhoff" userId="4ca67c74-3213-4250-9c32-077ebf257a4d" providerId="ADAL" clId="{88BD76D7-F885-4460-A7C5-49F0EB38694C}" dt="2021-09-10T17:01:43.236" v="803" actId="1076"/>
+          <ac:spMkLst>
+            <pc:docMk/>
+            <pc:sldMk cId="2783147980" sldId="267"/>
+            <ac:spMk id="73" creationId="{93C331E8-25F7-41B1-8C2A-8F76C5A9D48D}"/>
+          </ac:spMkLst>
+        </pc:spChg>
+        <pc:spChg chg="add del mod">
+          <ac:chgData name="Craig Brinkerhoff" userId="4ca67c74-3213-4250-9c32-077ebf257a4d" providerId="ADAL" clId="{88BD76D7-F885-4460-A7C5-49F0EB38694C}" dt="2021-09-10T16:22:23.623" v="341"/>
+          <ac:spMkLst>
+            <pc:docMk/>
+            <pc:sldMk cId="2783147980" sldId="267"/>
+            <ac:spMk id="74" creationId="{CCA8EEC4-E5E4-44EB-B390-7B89F44C597C}"/>
+          </ac:spMkLst>
+        </pc:spChg>
+        <pc:spChg chg="add mod">
+          <ac:chgData name="Craig Brinkerhoff" userId="4ca67c74-3213-4250-9c32-077ebf257a4d" providerId="ADAL" clId="{88BD76D7-F885-4460-A7C5-49F0EB38694C}" dt="2021-09-10T16:58:22.554" v="765" actId="1076"/>
+          <ac:spMkLst>
+            <pc:docMk/>
+            <pc:sldMk cId="2783147980" sldId="267"/>
+            <ac:spMk id="75" creationId="{EFD4DDD6-E401-4428-886B-52650BED7F6F}"/>
+          </ac:spMkLst>
+        </pc:spChg>
+        <pc:spChg chg="add del mod">
+          <ac:chgData name="Craig Brinkerhoff" userId="4ca67c74-3213-4250-9c32-077ebf257a4d" providerId="ADAL" clId="{88BD76D7-F885-4460-A7C5-49F0EB38694C}" dt="2021-09-10T16:27:24.358" v="394"/>
+          <ac:spMkLst>
+            <pc:docMk/>
+            <pc:sldMk cId="2783147980" sldId="267"/>
+            <ac:spMk id="102" creationId="{DC92EF52-5228-4E42-BCF5-6F2274F47443}"/>
+          </ac:spMkLst>
+        </pc:spChg>
+        <pc:spChg chg="add mod">
+          <ac:chgData name="Craig Brinkerhoff" userId="4ca67c74-3213-4250-9c32-077ebf257a4d" providerId="ADAL" clId="{88BD76D7-F885-4460-A7C5-49F0EB38694C}" dt="2021-09-10T17:01:43.236" v="803" actId="1076"/>
+          <ac:spMkLst>
+            <pc:docMk/>
+            <pc:sldMk cId="2783147980" sldId="267"/>
+            <ac:spMk id="103" creationId="{4B9951FB-9403-456D-801C-2E9A875FDB7D}"/>
+          </ac:spMkLst>
+        </pc:spChg>
+        <pc:spChg chg="add mod">
+          <ac:chgData name="Craig Brinkerhoff" userId="4ca67c74-3213-4250-9c32-077ebf257a4d" providerId="ADAL" clId="{88BD76D7-F885-4460-A7C5-49F0EB38694C}" dt="2021-09-10T16:58:50.838" v="769" actId="1076"/>
+          <ac:spMkLst>
+            <pc:docMk/>
+            <pc:sldMk cId="2783147980" sldId="267"/>
+            <ac:spMk id="105" creationId="{31510FBA-C121-4774-AAF0-1D1698499CA9}"/>
+          </ac:spMkLst>
+        </pc:spChg>
+        <pc:spChg chg="add del mod">
+          <ac:chgData name="Craig Brinkerhoff" userId="4ca67c74-3213-4250-9c32-077ebf257a4d" providerId="ADAL" clId="{88BD76D7-F885-4460-A7C5-49F0EB38694C}" dt="2021-09-10T17:00:29.734" v="789" actId="478"/>
+          <ac:spMkLst>
+            <pc:docMk/>
+            <pc:sldMk cId="2783147980" sldId="267"/>
+            <ac:spMk id="106" creationId="{393C82E4-C7E8-4E0D-AF9A-B8C750758A0E}"/>
+          </ac:spMkLst>
+        </pc:spChg>
+        <pc:spChg chg="add del mod">
+          <ac:chgData name="Craig Brinkerhoff" userId="4ca67c74-3213-4250-9c32-077ebf257a4d" providerId="ADAL" clId="{88BD76D7-F885-4460-A7C5-49F0EB38694C}" dt="2021-09-10T17:00:31.792" v="791" actId="478"/>
+          <ac:spMkLst>
+            <pc:docMk/>
+            <pc:sldMk cId="2783147980" sldId="267"/>
+            <ac:spMk id="107" creationId="{389E58B6-3755-43D0-BF8B-CBBBA29E7995}"/>
+          </ac:spMkLst>
+        </pc:spChg>
+        <pc:spChg chg="add mod ord">
+          <ac:chgData name="Craig Brinkerhoff" userId="4ca67c74-3213-4250-9c32-077ebf257a4d" providerId="ADAL" clId="{88BD76D7-F885-4460-A7C5-49F0EB38694C}" dt="2021-09-10T17:02:44.855" v="807" actId="2085"/>
+          <ac:spMkLst>
+            <pc:docMk/>
+            <pc:sldMk cId="2783147980" sldId="267"/>
+            <ac:spMk id="108" creationId="{4337A961-85F3-46AE-A074-49F76F2604F7}"/>
+          </ac:spMkLst>
+        </pc:spChg>
+        <pc:spChg chg="add mod">
+          <ac:chgData name="Craig Brinkerhoff" userId="4ca67c74-3213-4250-9c32-077ebf257a4d" providerId="ADAL" clId="{88BD76D7-F885-4460-A7C5-49F0EB38694C}" dt="2021-09-10T16:58:22.554" v="765" actId="1076"/>
+          <ac:spMkLst>
+            <pc:docMk/>
+            <pc:sldMk cId="2783147980" sldId="267"/>
+            <ac:spMk id="127" creationId="{A9D96082-5DF0-42A2-B315-0A24E2DCE3A9}"/>
+          </ac:spMkLst>
+        </pc:spChg>
+        <pc:spChg chg="add mod">
+          <ac:chgData name="Craig Brinkerhoff" userId="4ca67c74-3213-4250-9c32-077ebf257a4d" providerId="ADAL" clId="{88BD76D7-F885-4460-A7C5-49F0EB38694C}" dt="2021-09-10T17:01:43.236" v="803" actId="1076"/>
+          <ac:spMkLst>
+            <pc:docMk/>
+            <pc:sldMk cId="2783147980" sldId="267"/>
+            <ac:spMk id="129" creationId="{0A0F74FD-DAC0-4A6E-AC34-AB007545E342}"/>
+          </ac:spMkLst>
+        </pc:spChg>
+        <pc:spChg chg="add del mod">
+          <ac:chgData name="Craig Brinkerhoff" userId="4ca67c74-3213-4250-9c32-077ebf257a4d" providerId="ADAL" clId="{88BD76D7-F885-4460-A7C5-49F0EB38694C}" dt="2021-09-10T16:39:19.299" v="599" actId="478"/>
+          <ac:spMkLst>
+            <pc:docMk/>
+            <pc:sldMk cId="2783147980" sldId="267"/>
+            <ac:spMk id="130" creationId="{C9D23A86-9DD9-4797-A839-91D3ADA04471}"/>
+          </ac:spMkLst>
+        </pc:spChg>
+        <pc:spChg chg="add del mod ord">
+          <ac:chgData name="Craig Brinkerhoff" userId="4ca67c74-3213-4250-9c32-077ebf257a4d" providerId="ADAL" clId="{88BD76D7-F885-4460-A7C5-49F0EB38694C}" dt="2021-09-10T16:40:46.673" v="621" actId="11529"/>
+          <ac:spMkLst>
+            <pc:docMk/>
+            <pc:sldMk cId="2783147980" sldId="267"/>
+            <ac:spMk id="131" creationId="{E5C006C1-BA01-4340-A1BB-232B2472E35F}"/>
+          </ac:spMkLst>
+        </pc:spChg>
+        <pc:spChg chg="add del">
+          <ac:chgData name="Craig Brinkerhoff" userId="4ca67c74-3213-4250-9c32-077ebf257a4d" providerId="ADAL" clId="{88BD76D7-F885-4460-A7C5-49F0EB38694C}" dt="2021-09-10T16:41:32.541" v="627" actId="478"/>
+          <ac:spMkLst>
+            <pc:docMk/>
+            <pc:sldMk cId="2783147980" sldId="267"/>
+            <ac:spMk id="132" creationId="{32BC4F84-2F0F-4CF4-9BAA-626553CFAD64}"/>
+          </ac:spMkLst>
+        </pc:spChg>
+        <pc:spChg chg="add del mod">
+          <ac:chgData name="Craig Brinkerhoff" userId="4ca67c74-3213-4250-9c32-077ebf257a4d" providerId="ADAL" clId="{88BD76D7-F885-4460-A7C5-49F0EB38694C}" dt="2021-09-10T16:42:04.879" v="635" actId="478"/>
+          <ac:spMkLst>
+            <pc:docMk/>
+            <pc:sldMk cId="2783147980" sldId="267"/>
+            <ac:spMk id="133" creationId="{466D4D01-60BC-489F-9E7C-82C67AC1A0DB}"/>
+          </ac:spMkLst>
+        </pc:spChg>
+        <pc:spChg chg="add mod">
+          <ac:chgData name="Craig Brinkerhoff" userId="4ca67c74-3213-4250-9c32-077ebf257a4d" providerId="ADAL" clId="{88BD76D7-F885-4460-A7C5-49F0EB38694C}" dt="2021-09-10T16:50:00.691" v="685" actId="1076"/>
+          <ac:spMkLst>
+            <pc:docMk/>
+            <pc:sldMk cId="2783147980" sldId="267"/>
+            <ac:spMk id="134" creationId="{738E065F-E0A8-4EF6-917B-27F99B187A0C}"/>
+          </ac:spMkLst>
+        </pc:spChg>
+        <pc:spChg chg="add del mod">
+          <ac:chgData name="Craig Brinkerhoff" userId="4ca67c74-3213-4250-9c32-077ebf257a4d" providerId="ADAL" clId="{88BD76D7-F885-4460-A7C5-49F0EB38694C}" dt="2021-09-10T16:44:48.568" v="647" actId="478"/>
+          <ac:spMkLst>
+            <pc:docMk/>
+            <pc:sldMk cId="2783147980" sldId="267"/>
+            <ac:spMk id="135" creationId="{20DF6D61-773C-4DF4-B67F-AA083961534A}"/>
+          </ac:spMkLst>
+        </pc:spChg>
+        <pc:spChg chg="add del mod">
+          <ac:chgData name="Craig Brinkerhoff" userId="4ca67c74-3213-4250-9c32-077ebf257a4d" providerId="ADAL" clId="{88BD76D7-F885-4460-A7C5-49F0EB38694C}" dt="2021-09-10T16:44:45.760" v="646" actId="478"/>
+          <ac:spMkLst>
+            <pc:docMk/>
+            <pc:sldMk cId="2783147980" sldId="267"/>
+            <ac:spMk id="136" creationId="{EE728ECA-4445-45E0-A62B-F175217D3BF4}"/>
+          </ac:spMkLst>
+        </pc:spChg>
+        <pc:spChg chg="add del mod">
+          <ac:chgData name="Craig Brinkerhoff" userId="4ca67c74-3213-4250-9c32-077ebf257a4d" providerId="ADAL" clId="{88BD76D7-F885-4460-A7C5-49F0EB38694C}" dt="2021-09-10T16:44:40.331" v="644" actId="478"/>
+          <ac:spMkLst>
+            <pc:docMk/>
+            <pc:sldMk cId="2783147980" sldId="267"/>
+            <ac:spMk id="137" creationId="{735CF141-6746-4D67-A66A-063CB88B8CDC}"/>
+          </ac:spMkLst>
+        </pc:spChg>
+        <pc:spChg chg="add del">
+          <ac:chgData name="Craig Brinkerhoff" userId="4ca67c74-3213-4250-9c32-077ebf257a4d" providerId="ADAL" clId="{88BD76D7-F885-4460-A7C5-49F0EB38694C}" dt="2021-09-10T16:43:57.876" v="642" actId="478"/>
+          <ac:spMkLst>
+            <pc:docMk/>
+            <pc:sldMk cId="2783147980" sldId="267"/>
+            <ac:spMk id="138" creationId="{90F0585D-F914-45AB-A488-239FE84740E4}"/>
+          </ac:spMkLst>
+        </pc:spChg>
+        <pc:spChg chg="add del">
+          <ac:chgData name="Craig Brinkerhoff" userId="4ca67c74-3213-4250-9c32-077ebf257a4d" providerId="ADAL" clId="{88BD76D7-F885-4460-A7C5-49F0EB38694C}" dt="2021-09-10T16:45:41.007" v="651" actId="478"/>
+          <ac:spMkLst>
+            <pc:docMk/>
+            <pc:sldMk cId="2783147980" sldId="267"/>
+            <ac:spMk id="139" creationId="{724D78FD-26E7-4C39-85E2-3C192C008E88}"/>
+          </ac:spMkLst>
+        </pc:spChg>
+        <pc:spChg chg="add del mod">
+          <ac:chgData name="Craig Brinkerhoff" userId="4ca67c74-3213-4250-9c32-077ebf257a4d" providerId="ADAL" clId="{88BD76D7-F885-4460-A7C5-49F0EB38694C}" dt="2021-09-10T16:45:41.622" v="652" actId="478"/>
+          <ac:spMkLst>
+            <pc:docMk/>
+            <pc:sldMk cId="2783147980" sldId="267"/>
+            <ac:spMk id="140" creationId="{6D5DFEBB-51C8-4BA2-A94C-2A70E95D4AD0}"/>
+          </ac:spMkLst>
+        </pc:spChg>
+        <pc:spChg chg="add del">
+          <ac:chgData name="Craig Brinkerhoff" userId="4ca67c74-3213-4250-9c32-077ebf257a4d" providerId="ADAL" clId="{88BD76D7-F885-4460-A7C5-49F0EB38694C}" dt="2021-09-10T16:45:52.681" v="654" actId="478"/>
+          <ac:spMkLst>
+            <pc:docMk/>
+            <pc:sldMk cId="2783147980" sldId="267"/>
+            <ac:spMk id="141" creationId="{EE701CB3-C073-4770-8235-F194177D4746}"/>
+          </ac:spMkLst>
+        </pc:spChg>
+        <pc:spChg chg="add mod">
+          <ac:chgData name="Craig Brinkerhoff" userId="4ca67c74-3213-4250-9c32-077ebf257a4d" providerId="ADAL" clId="{88BD76D7-F885-4460-A7C5-49F0EB38694C}" dt="2021-09-10T16:50:00.691" v="685" actId="1076"/>
+          <ac:spMkLst>
+            <pc:docMk/>
+            <pc:sldMk cId="2783147980" sldId="267"/>
+            <ac:spMk id="142" creationId="{8115D634-024F-45B5-A0AB-02BFEFCC0FFE}"/>
+          </ac:spMkLst>
+        </pc:spChg>
+        <pc:spChg chg="add mod">
+          <ac:chgData name="Craig Brinkerhoff" userId="4ca67c74-3213-4250-9c32-077ebf257a4d" providerId="ADAL" clId="{88BD76D7-F885-4460-A7C5-49F0EB38694C}" dt="2021-09-10T16:50:00.691" v="685" actId="1076"/>
+          <ac:spMkLst>
+            <pc:docMk/>
+            <pc:sldMk cId="2783147980" sldId="267"/>
+            <ac:spMk id="143" creationId="{358ADD2A-D36E-4F1C-A569-1B4054484F43}"/>
+          </ac:spMkLst>
+        </pc:spChg>
+        <pc:spChg chg="add mod">
+          <ac:chgData name="Craig Brinkerhoff" userId="4ca67c74-3213-4250-9c32-077ebf257a4d" providerId="ADAL" clId="{88BD76D7-F885-4460-A7C5-49F0EB38694C}" dt="2021-09-10T17:02:58.776" v="811" actId="1076"/>
+          <ac:spMkLst>
+            <pc:docMk/>
+            <pc:sldMk cId="2783147980" sldId="267"/>
+            <ac:spMk id="144" creationId="{A2003994-C81E-4C25-998E-98DC7263BF93}"/>
+          </ac:spMkLst>
+        </pc:spChg>
+        <pc:spChg chg="add mod ord">
+          <ac:chgData name="Craig Brinkerhoff" userId="4ca67c74-3213-4250-9c32-077ebf257a4d" providerId="ADAL" clId="{88BD76D7-F885-4460-A7C5-49F0EB38694C}" dt="2021-09-10T16:50:00.691" v="685" actId="1076"/>
+          <ac:spMkLst>
+            <pc:docMk/>
+            <pc:sldMk cId="2783147980" sldId="267"/>
+            <ac:spMk id="145" creationId="{1DF02490-0FC2-4578-8A21-63ECE624BA62}"/>
+          </ac:spMkLst>
+        </pc:spChg>
+        <pc:spChg chg="add del mod">
+          <ac:chgData name="Craig Brinkerhoff" userId="4ca67c74-3213-4250-9c32-077ebf257a4d" providerId="ADAL" clId="{88BD76D7-F885-4460-A7C5-49F0EB38694C}" dt="2021-09-10T16:49:09.754" v="679" actId="478"/>
+          <ac:spMkLst>
+            <pc:docMk/>
+            <pc:sldMk cId="2783147980" sldId="267"/>
+            <ac:spMk id="146" creationId="{6EF34DC7-C0E3-4BDB-AD0B-B74E1147CB4A}"/>
+          </ac:spMkLst>
+        </pc:spChg>
+        <pc:spChg chg="add mod ord">
+          <ac:chgData name="Craig Brinkerhoff" userId="4ca67c74-3213-4250-9c32-077ebf257a4d" providerId="ADAL" clId="{88BD76D7-F885-4460-A7C5-49F0EB38694C}" dt="2021-09-10T16:50:00.691" v="685" actId="1076"/>
+          <ac:spMkLst>
+            <pc:docMk/>
+            <pc:sldMk cId="2783147980" sldId="267"/>
+            <ac:spMk id="147" creationId="{DA58C699-47C3-480E-9EE3-46669D6DBF3E}"/>
+          </ac:spMkLst>
+        </pc:spChg>
+        <pc:spChg chg="add mod">
+          <ac:chgData name="Craig Brinkerhoff" userId="4ca67c74-3213-4250-9c32-077ebf257a4d" providerId="ADAL" clId="{88BD76D7-F885-4460-A7C5-49F0EB38694C}" dt="2021-09-10T17:01:43.236" v="803" actId="1076"/>
+          <ac:spMkLst>
+            <pc:docMk/>
+            <pc:sldMk cId="2783147980" sldId="267"/>
+            <ac:spMk id="160" creationId="{96DE6908-0E6C-4A94-B88E-8A00337FA60C}"/>
+          </ac:spMkLst>
+        </pc:spChg>
+        <pc:spChg chg="add mod">
+          <ac:chgData name="Craig Brinkerhoff" userId="4ca67c74-3213-4250-9c32-077ebf257a4d" providerId="ADAL" clId="{88BD76D7-F885-4460-A7C5-49F0EB38694C}" dt="2021-09-10T17:01:43.236" v="803" actId="1076"/>
+          <ac:spMkLst>
+            <pc:docMk/>
+            <pc:sldMk cId="2783147980" sldId="267"/>
+            <ac:spMk id="161" creationId="{AD9C2769-C0CB-46ED-87BF-C5CB5658D7B3}"/>
+          </ac:spMkLst>
+        </pc:spChg>
+        <pc:spChg chg="add mod">
+          <ac:chgData name="Craig Brinkerhoff" userId="4ca67c74-3213-4250-9c32-077ebf257a4d" providerId="ADAL" clId="{88BD76D7-F885-4460-A7C5-49F0EB38694C}" dt="2021-09-10T17:01:43.236" v="803" actId="1076"/>
+          <ac:spMkLst>
+            <pc:docMk/>
+            <pc:sldMk cId="2783147980" sldId="267"/>
+            <ac:spMk id="167" creationId="{6E0654C1-1858-430A-8453-4F24532FDA7C}"/>
+          </ac:spMkLst>
+        </pc:spChg>
+        <pc:spChg chg="add mod">
+          <ac:chgData name="Craig Brinkerhoff" userId="4ca67c74-3213-4250-9c32-077ebf257a4d" providerId="ADAL" clId="{88BD76D7-F885-4460-A7C5-49F0EB38694C}" dt="2021-09-10T16:58:22.554" v="765" actId="1076"/>
+          <ac:spMkLst>
+            <pc:docMk/>
+            <pc:sldMk cId="2783147980" sldId="267"/>
+            <ac:spMk id="172" creationId="{E3337E59-9ABB-4873-A721-E1C11F0677BD}"/>
+          </ac:spMkLst>
+        </pc:spChg>
+        <pc:spChg chg="add mod">
+          <ac:chgData name="Craig Brinkerhoff" userId="4ca67c74-3213-4250-9c32-077ebf257a4d" providerId="ADAL" clId="{88BD76D7-F885-4460-A7C5-49F0EB38694C}" dt="2021-09-10T17:01:38.465" v="802" actId="14100"/>
+          <ac:spMkLst>
+            <pc:docMk/>
+            <pc:sldMk cId="2783147980" sldId="267"/>
+            <ac:spMk id="180" creationId="{86908028-5DC9-473F-8748-6FC770B4D3BF}"/>
+          </ac:spMkLst>
+        </pc:spChg>
+        <pc:spChg chg="add mod">
+          <ac:chgData name="Craig Brinkerhoff" userId="4ca67c74-3213-4250-9c32-077ebf257a4d" providerId="ADAL" clId="{88BD76D7-F885-4460-A7C5-49F0EB38694C}" dt="2021-09-10T17:01:43.236" v="803" actId="1076"/>
+          <ac:spMkLst>
+            <pc:docMk/>
+            <pc:sldMk cId="2783147980" sldId="267"/>
+            <ac:spMk id="182" creationId="{2FC61F30-D78D-4343-8876-CB040AEB779B}"/>
+          </ac:spMkLst>
+        </pc:spChg>
+        <pc:spChg chg="add mod ord">
+          <ac:chgData name="Craig Brinkerhoff" userId="4ca67c74-3213-4250-9c32-077ebf257a4d" providerId="ADAL" clId="{88BD76D7-F885-4460-A7C5-49F0EB38694C}" dt="2021-09-10T17:01:29.183" v="801" actId="207"/>
+          <ac:spMkLst>
+            <pc:docMk/>
+            <pc:sldMk cId="2783147980" sldId="267"/>
+            <ac:spMk id="185" creationId="{8DD92C36-57A8-4883-A758-93707AB60537}"/>
+          </ac:spMkLst>
+        </pc:spChg>
+        <pc:cxnChg chg="add mod">
+          <ac:chgData name="Craig Brinkerhoff" userId="4ca67c74-3213-4250-9c32-077ebf257a4d" providerId="ADAL" clId="{88BD76D7-F885-4460-A7C5-49F0EB38694C}" dt="2021-09-10T17:01:43.236" v="803" actId="1076"/>
+          <ac:cxnSpMkLst>
+            <pc:docMk/>
+            <pc:sldMk cId="2783147980" sldId="267"/>
+            <ac:cxnSpMk id="5" creationId="{027AB4B1-E686-49F8-A26C-207FBF5680D5}"/>
+          </ac:cxnSpMkLst>
+        </pc:cxnChg>
+        <pc:cxnChg chg="add del mod">
+          <ac:chgData name="Craig Brinkerhoff" userId="4ca67c74-3213-4250-9c32-077ebf257a4d" providerId="ADAL" clId="{88BD76D7-F885-4460-A7C5-49F0EB38694C}" dt="2021-09-10T16:58:22.554" v="765" actId="1076"/>
+          <ac:cxnSpMkLst>
+            <pc:docMk/>
+            <pc:sldMk cId="2783147980" sldId="267"/>
+            <ac:cxnSpMk id="11" creationId="{069EA353-72B9-45B0-BB4C-CEE09E03217A}"/>
+          </ac:cxnSpMkLst>
+        </pc:cxnChg>
+        <pc:cxnChg chg="add del mod">
+          <ac:chgData name="Craig Brinkerhoff" userId="4ca67c74-3213-4250-9c32-077ebf257a4d" providerId="ADAL" clId="{88BD76D7-F885-4460-A7C5-49F0EB38694C}" dt="2021-09-10T16:20:27.686" v="307" actId="478"/>
+          <ac:cxnSpMkLst>
+            <pc:docMk/>
+            <pc:sldMk cId="2783147980" sldId="267"/>
+            <ac:cxnSpMk id="20" creationId="{40D01469-51E2-4E81-A40E-BE33FA190DFA}"/>
+          </ac:cxnSpMkLst>
+        </pc:cxnChg>
+        <pc:cxnChg chg="add mod">
+          <ac:chgData name="Craig Brinkerhoff" userId="4ca67c74-3213-4250-9c32-077ebf257a4d" providerId="ADAL" clId="{88BD76D7-F885-4460-A7C5-49F0EB38694C}" dt="2021-09-10T17:01:43.236" v="803" actId="1076"/>
+          <ac:cxnSpMkLst>
+            <pc:docMk/>
+            <pc:sldMk cId="2783147980" sldId="267"/>
+            <ac:cxnSpMk id="22" creationId="{74BEB8B3-B15E-43EC-A7D0-26163A0A8341}"/>
+          </ac:cxnSpMkLst>
+        </pc:cxnChg>
+        <pc:cxnChg chg="add mod">
+          <ac:chgData name="Craig Brinkerhoff" userId="4ca67c74-3213-4250-9c32-077ebf257a4d" providerId="ADAL" clId="{88BD76D7-F885-4460-A7C5-49F0EB38694C}" dt="2021-09-10T17:01:43.236" v="803" actId="1076"/>
+          <ac:cxnSpMkLst>
+            <pc:docMk/>
+            <pc:sldMk cId="2783147980" sldId="267"/>
+            <ac:cxnSpMk id="25" creationId="{0D591040-CBEA-4293-8F66-94A68D1788C4}"/>
+          </ac:cxnSpMkLst>
+        </pc:cxnChg>
+        <pc:cxnChg chg="add del">
+          <ac:chgData name="Craig Brinkerhoff" userId="4ca67c74-3213-4250-9c32-077ebf257a4d" providerId="ADAL" clId="{88BD76D7-F885-4460-A7C5-49F0EB38694C}" dt="2021-09-10T16:09:55.853" v="185" actId="11529"/>
+          <ac:cxnSpMkLst>
+            <pc:docMk/>
+            <pc:sldMk cId="2783147980" sldId="267"/>
+            <ac:cxnSpMk id="29" creationId="{CDB0D8C8-A47A-4BA9-AE87-F68D13C5C1BC}"/>
+          </ac:cxnSpMkLst>
+        </pc:cxnChg>
+        <pc:cxnChg chg="add mod">
+          <ac:chgData name="Craig Brinkerhoff" userId="4ca67c74-3213-4250-9c32-077ebf257a4d" providerId="ADAL" clId="{88BD76D7-F885-4460-A7C5-49F0EB38694C}" dt="2021-09-10T16:58:22.554" v="765" actId="1076"/>
+          <ac:cxnSpMkLst>
+            <pc:docMk/>
+            <pc:sldMk cId="2783147980" sldId="267"/>
+            <ac:cxnSpMk id="36" creationId="{A2FA4D48-7FAF-40EA-8BBE-C52BBA0514E5}"/>
+          </ac:cxnSpMkLst>
+        </pc:cxnChg>
+        <pc:cxnChg chg="add mod">
+          <ac:chgData name="Craig Brinkerhoff" userId="4ca67c74-3213-4250-9c32-077ebf257a4d" providerId="ADAL" clId="{88BD76D7-F885-4460-A7C5-49F0EB38694C}" dt="2021-09-10T16:58:22.554" v="765" actId="1076"/>
+          <ac:cxnSpMkLst>
+            <pc:docMk/>
+            <pc:sldMk cId="2783147980" sldId="267"/>
+            <ac:cxnSpMk id="38" creationId="{DC1937BC-0BCA-4455-A2A0-EAB8C95083AF}"/>
+          </ac:cxnSpMkLst>
+        </pc:cxnChg>
+        <pc:cxnChg chg="add del mod">
+          <ac:chgData name="Craig Brinkerhoff" userId="4ca67c74-3213-4250-9c32-077ebf257a4d" providerId="ADAL" clId="{88BD76D7-F885-4460-A7C5-49F0EB38694C}" dt="2021-09-10T16:58:22.554" v="765" actId="1076"/>
+          <ac:cxnSpMkLst>
+            <pc:docMk/>
+            <pc:sldMk cId="2783147980" sldId="267"/>
+            <ac:cxnSpMk id="40" creationId="{590B9AC5-3A39-4A89-8F76-2C4B080CFB43}"/>
+          </ac:cxnSpMkLst>
+        </pc:cxnChg>
+        <pc:cxnChg chg="add del mod">
+          <ac:chgData name="Craig Brinkerhoff" userId="4ca67c74-3213-4250-9c32-077ebf257a4d" providerId="ADAL" clId="{88BD76D7-F885-4460-A7C5-49F0EB38694C}" dt="2021-09-10T16:20:26.626" v="306" actId="478"/>
+          <ac:cxnSpMkLst>
+            <pc:docMk/>
+            <pc:sldMk cId="2783147980" sldId="267"/>
+            <ac:cxnSpMk id="59" creationId="{7F73356B-F2C9-4C2B-83AD-A3E560F4DBA3}"/>
+          </ac:cxnSpMkLst>
+        </pc:cxnChg>
+        <pc:cxnChg chg="add mod">
+          <ac:chgData name="Craig Brinkerhoff" userId="4ca67c74-3213-4250-9c32-077ebf257a4d" providerId="ADAL" clId="{88BD76D7-F885-4460-A7C5-49F0EB38694C}" dt="2021-09-10T17:01:43.236" v="803" actId="1076"/>
+          <ac:cxnSpMkLst>
+            <pc:docMk/>
+            <pc:sldMk cId="2783147980" sldId="267"/>
+            <ac:cxnSpMk id="77" creationId="{739D69F8-A96A-4ED4-80A8-A5B4DF73EDE4}"/>
+          </ac:cxnSpMkLst>
+        </pc:cxnChg>
+        <pc:cxnChg chg="add mod">
+          <ac:chgData name="Craig Brinkerhoff" userId="4ca67c74-3213-4250-9c32-077ebf257a4d" providerId="ADAL" clId="{88BD76D7-F885-4460-A7C5-49F0EB38694C}" dt="2021-09-10T17:01:43.236" v="803" actId="1076"/>
+          <ac:cxnSpMkLst>
+            <pc:docMk/>
+            <pc:sldMk cId="2783147980" sldId="267"/>
+            <ac:cxnSpMk id="78" creationId="{EF107DE9-EF66-4E68-AC62-44B1D3D104DD}"/>
+          </ac:cxnSpMkLst>
+        </pc:cxnChg>
+        <pc:cxnChg chg="add mod">
+          <ac:chgData name="Craig Brinkerhoff" userId="4ca67c74-3213-4250-9c32-077ebf257a4d" providerId="ADAL" clId="{88BD76D7-F885-4460-A7C5-49F0EB38694C}" dt="2021-09-10T17:01:43.236" v="803" actId="1076"/>
+          <ac:cxnSpMkLst>
+            <pc:docMk/>
+            <pc:sldMk cId="2783147980" sldId="267"/>
+            <ac:cxnSpMk id="80" creationId="{48EECE0B-0FE7-403B-A9B7-48B6CE2B2E70}"/>
+          </ac:cxnSpMkLst>
+        </pc:cxnChg>
+        <pc:cxnChg chg="add mod">
+          <ac:chgData name="Craig Brinkerhoff" userId="4ca67c74-3213-4250-9c32-077ebf257a4d" providerId="ADAL" clId="{88BD76D7-F885-4460-A7C5-49F0EB38694C}" dt="2021-09-10T16:58:22.554" v="765" actId="1076"/>
+          <ac:cxnSpMkLst>
+            <pc:docMk/>
+            <pc:sldMk cId="2783147980" sldId="267"/>
+            <ac:cxnSpMk id="82" creationId="{6E4EBD94-244A-4534-9ABC-E318D5612CDB}"/>
+          </ac:cxnSpMkLst>
+        </pc:cxnChg>
+        <pc:cxnChg chg="add del mod">
+          <ac:chgData name="Craig Brinkerhoff" userId="4ca67c74-3213-4250-9c32-077ebf257a4d" providerId="ADAL" clId="{88BD76D7-F885-4460-A7C5-49F0EB38694C}" dt="2021-09-10T16:25:29.259" v="363"/>
+          <ac:cxnSpMkLst>
+            <pc:docMk/>
+            <pc:sldMk cId="2783147980" sldId="267"/>
+            <ac:cxnSpMk id="84" creationId="{A3A7A69E-0EA9-45A5-A2EC-069ADDAC770A}"/>
+          </ac:cxnSpMkLst>
+        </pc:cxnChg>
+        <pc:cxnChg chg="add del mod">
+          <ac:chgData name="Craig Brinkerhoff" userId="4ca67c74-3213-4250-9c32-077ebf257a4d" providerId="ADAL" clId="{88BD76D7-F885-4460-A7C5-49F0EB38694C}" dt="2021-09-10T16:56:02.020" v="733" actId="478"/>
+          <ac:cxnSpMkLst>
+            <pc:docMk/>
+            <pc:sldMk cId="2783147980" sldId="267"/>
+            <ac:cxnSpMk id="85" creationId="{82CC7208-A58A-4BE9-BB13-A79AA0AA0301}"/>
+          </ac:cxnSpMkLst>
+        </pc:cxnChg>
+        <pc:cxnChg chg="add mod">
+          <ac:chgData name="Craig Brinkerhoff" userId="4ca67c74-3213-4250-9c32-077ebf257a4d" providerId="ADAL" clId="{88BD76D7-F885-4460-A7C5-49F0EB38694C}" dt="2021-09-10T16:58:22.554" v="765" actId="1076"/>
+          <ac:cxnSpMkLst>
+            <pc:docMk/>
+            <pc:sldMk cId="2783147980" sldId="267"/>
+            <ac:cxnSpMk id="87" creationId="{D2A0113B-0A97-4F0B-ACA7-474F2C56B748}"/>
+          </ac:cxnSpMkLst>
+        </pc:cxnChg>
+        <pc:cxnChg chg="add mod">
+          <ac:chgData name="Craig Brinkerhoff" userId="4ca67c74-3213-4250-9c32-077ebf257a4d" providerId="ADAL" clId="{88BD76D7-F885-4460-A7C5-49F0EB38694C}" dt="2021-09-10T16:58:22.554" v="765" actId="1076"/>
+          <ac:cxnSpMkLst>
+            <pc:docMk/>
+            <pc:sldMk cId="2783147980" sldId="267"/>
+            <ac:cxnSpMk id="88" creationId="{6DD88DCF-74E2-43DF-A424-22EADB1FAB29}"/>
+          </ac:cxnSpMkLst>
+        </pc:cxnChg>
+        <pc:cxnChg chg="add del mod">
+          <ac:chgData name="Craig Brinkerhoff" userId="4ca67c74-3213-4250-9c32-077ebf257a4d" providerId="ADAL" clId="{88BD76D7-F885-4460-A7C5-49F0EB38694C}" dt="2021-09-10T16:55:26.991" v="724" actId="478"/>
+          <ac:cxnSpMkLst>
+            <pc:docMk/>
+            <pc:sldMk cId="2783147980" sldId="267"/>
+            <ac:cxnSpMk id="90" creationId="{5E296335-2B7A-4100-9965-81CDD5E31D83}"/>
+          </ac:cxnSpMkLst>
+        </pc:cxnChg>
+        <pc:cxnChg chg="add mod">
+          <ac:chgData name="Craig Brinkerhoff" userId="4ca67c74-3213-4250-9c32-077ebf257a4d" providerId="ADAL" clId="{88BD76D7-F885-4460-A7C5-49F0EB38694C}" dt="2021-09-10T16:58:22.554" v="765" actId="1076"/>
+          <ac:cxnSpMkLst>
+            <pc:docMk/>
+            <pc:sldMk cId="2783147980" sldId="267"/>
+            <ac:cxnSpMk id="92" creationId="{86EB8504-EA52-464A-8E47-EC7F1CA5E1B4}"/>
+          </ac:cxnSpMkLst>
+        </pc:cxnChg>
+        <pc:cxnChg chg="add mod">
+          <ac:chgData name="Craig Brinkerhoff" userId="4ca67c74-3213-4250-9c32-077ebf257a4d" providerId="ADAL" clId="{88BD76D7-F885-4460-A7C5-49F0EB38694C}" dt="2021-09-10T16:58:22.554" v="765" actId="1076"/>
+          <ac:cxnSpMkLst>
+            <pc:docMk/>
+            <pc:sldMk cId="2783147980" sldId="267"/>
+            <ac:cxnSpMk id="94" creationId="{5F181127-A1EF-4B66-8776-B104254821D9}"/>
+          </ac:cxnSpMkLst>
+        </pc:cxnChg>
+        <pc:cxnChg chg="add del mod">
+          <ac:chgData name="Craig Brinkerhoff" userId="4ca67c74-3213-4250-9c32-077ebf257a4d" providerId="ADAL" clId="{88BD76D7-F885-4460-A7C5-49F0EB38694C}" dt="2021-09-10T16:55:21.713" v="723" actId="478"/>
+          <ac:cxnSpMkLst>
+            <pc:docMk/>
+            <pc:sldMk cId="2783147980" sldId="267"/>
+            <ac:cxnSpMk id="96" creationId="{571A9DA9-3BB1-4984-9025-FE396441651A}"/>
+          </ac:cxnSpMkLst>
+        </pc:cxnChg>
+        <pc:cxnChg chg="add mod">
+          <ac:chgData name="Craig Brinkerhoff" userId="4ca67c74-3213-4250-9c32-077ebf257a4d" providerId="ADAL" clId="{88BD76D7-F885-4460-A7C5-49F0EB38694C}" dt="2021-09-10T16:58:22.554" v="765" actId="1076"/>
+          <ac:cxnSpMkLst>
+            <pc:docMk/>
+            <pc:sldMk cId="2783147980" sldId="267"/>
+            <ac:cxnSpMk id="100" creationId="{64337B26-D84F-4C14-86A9-4229EFA19DA5}"/>
+          </ac:cxnSpMkLst>
+        </pc:cxnChg>
+        <pc:cxnChg chg="add mod">
+          <ac:chgData name="Craig Brinkerhoff" userId="4ca67c74-3213-4250-9c32-077ebf257a4d" providerId="ADAL" clId="{88BD76D7-F885-4460-A7C5-49F0EB38694C}" dt="2021-09-10T17:01:43.236" v="803" actId="1076"/>
+          <ac:cxnSpMkLst>
+            <pc:docMk/>
+            <pc:sldMk cId="2783147980" sldId="267"/>
+            <ac:cxnSpMk id="109" creationId="{6DE42016-AB76-49DE-B1CF-14BA00ACA88B}"/>
+          </ac:cxnSpMkLst>
+        </pc:cxnChg>
+        <pc:cxnChg chg="add mod">
+          <ac:chgData name="Craig Brinkerhoff" userId="4ca67c74-3213-4250-9c32-077ebf257a4d" providerId="ADAL" clId="{88BD76D7-F885-4460-A7C5-49F0EB38694C}" dt="2021-09-10T17:01:43.236" v="803" actId="1076"/>
+          <ac:cxnSpMkLst>
+            <pc:docMk/>
+            <pc:sldMk cId="2783147980" sldId="267"/>
+            <ac:cxnSpMk id="111" creationId="{13256012-B955-49F6-BF3C-8DA506404AA3}"/>
+          </ac:cxnSpMkLst>
+        </pc:cxnChg>
+        <pc:cxnChg chg="add mod">
+          <ac:chgData name="Craig Brinkerhoff" userId="4ca67c74-3213-4250-9c32-077ebf257a4d" providerId="ADAL" clId="{88BD76D7-F885-4460-A7C5-49F0EB38694C}" dt="2021-09-10T17:01:43.236" v="803" actId="1076"/>
+          <ac:cxnSpMkLst>
+            <pc:docMk/>
+            <pc:sldMk cId="2783147980" sldId="267"/>
+            <ac:cxnSpMk id="114" creationId="{18A511F7-61DA-4853-92DF-1EC9625CEA4F}"/>
+          </ac:cxnSpMkLst>
+        </pc:cxnChg>
+        <pc:cxnChg chg="add mod">
+          <ac:chgData name="Craig Brinkerhoff" userId="4ca67c74-3213-4250-9c32-077ebf257a4d" providerId="ADAL" clId="{88BD76D7-F885-4460-A7C5-49F0EB38694C}" dt="2021-09-10T17:01:43.236" v="803" actId="1076"/>
+          <ac:cxnSpMkLst>
+            <pc:docMk/>
+            <pc:sldMk cId="2783147980" sldId="267"/>
+            <ac:cxnSpMk id="116" creationId="{8261C166-ED7D-479C-A370-5F400EFC7B6F}"/>
+          </ac:cxnSpMkLst>
+        </pc:cxnChg>
+        <pc:cxnChg chg="add mod">
+          <ac:chgData name="Craig Brinkerhoff" userId="4ca67c74-3213-4250-9c32-077ebf257a4d" providerId="ADAL" clId="{88BD76D7-F885-4460-A7C5-49F0EB38694C}" dt="2021-09-10T17:02:32.628" v="806" actId="14100"/>
+          <ac:cxnSpMkLst>
+            <pc:docMk/>
+            <pc:sldMk cId="2783147980" sldId="267"/>
+            <ac:cxnSpMk id="149" creationId="{1E6087D7-558A-4490-905D-A0596CB1957F}"/>
+          </ac:cxnSpMkLst>
+        </pc:cxnChg>
+        <pc:cxnChg chg="add del mod">
+          <ac:chgData name="Craig Brinkerhoff" userId="4ca67c74-3213-4250-9c32-077ebf257a4d" providerId="ADAL" clId="{88BD76D7-F885-4460-A7C5-49F0EB38694C}" dt="2021-09-10T16:51:54.692" v="708" actId="478"/>
+          <ac:cxnSpMkLst>
+            <pc:docMk/>
+            <pc:sldMk cId="2783147980" sldId="267"/>
+            <ac:cxnSpMk id="150" creationId="{31D29C95-66AD-4212-AF28-C5B7319C8B18}"/>
+          </ac:cxnSpMkLst>
+        </pc:cxnChg>
+        <pc:cxnChg chg="add mod">
+          <ac:chgData name="Craig Brinkerhoff" userId="4ca67c74-3213-4250-9c32-077ebf257a4d" providerId="ADAL" clId="{88BD76D7-F885-4460-A7C5-49F0EB38694C}" dt="2021-09-10T17:01:38.465" v="802" actId="14100"/>
+          <ac:cxnSpMkLst>
+            <pc:docMk/>
+            <pc:sldMk cId="2783147980" sldId="267"/>
+            <ac:cxnSpMk id="156" creationId="{8A481A49-9611-4697-9651-02666260A58C}"/>
+          </ac:cxnSpMkLst>
+        </pc:cxnChg>
+        <pc:cxnChg chg="add mod">
+          <ac:chgData name="Craig Brinkerhoff" userId="4ca67c74-3213-4250-9c32-077ebf257a4d" providerId="ADAL" clId="{88BD76D7-F885-4460-A7C5-49F0EB38694C}" dt="2021-09-10T16:58:22.554" v="765" actId="1076"/>
+          <ac:cxnSpMkLst>
+            <pc:docMk/>
+            <pc:sldMk cId="2783147980" sldId="267"/>
+            <ac:cxnSpMk id="168" creationId="{59325C68-BBD6-4B15-9123-8E375C4E6DCC}"/>
+          </ac:cxnSpMkLst>
+        </pc:cxnChg>
+        <pc:cxnChg chg="add mod">
+          <ac:chgData name="Craig Brinkerhoff" userId="4ca67c74-3213-4250-9c32-077ebf257a4d" providerId="ADAL" clId="{88BD76D7-F885-4460-A7C5-49F0EB38694C}" dt="2021-09-10T17:02:54.661" v="810" actId="14100"/>
+          <ac:cxnSpMkLst>
+            <pc:docMk/>
+            <pc:sldMk cId="2783147980" sldId="267"/>
+            <ac:cxnSpMk id="190" creationId="{52D8227C-7D18-4AA1-99F6-0EBED43A53AF}"/>
+          </ac:cxnSpMkLst>
+        </pc:cxnChg>
+      </pc:sldChg>
     </pc:docChg>
   </pc:docChgLst>
 </pc:chgInfo>
@@ -355,7 +1216,7 @@
           <a:p>
             <a:fld id="{496CEC7D-FCD7-4573-BCEF-540C1CE960B6}" type="datetimeFigureOut">
               <a:rPr lang="en-US" smtClean="0"/>
-              <a:t>9/9/2021</a:t>
+              <a:t>9/10/2021</a:t>
             </a:fld>
             <a:endParaRPr lang="en-US"/>
           </a:p>
@@ -553,7 +1414,7 @@
           <a:p>
             <a:fld id="{496CEC7D-FCD7-4573-BCEF-540C1CE960B6}" type="datetimeFigureOut">
               <a:rPr lang="en-US" smtClean="0"/>
-              <a:t>9/9/2021</a:t>
+              <a:t>9/10/2021</a:t>
             </a:fld>
             <a:endParaRPr lang="en-US"/>
           </a:p>
@@ -761,7 +1622,7 @@
           <a:p>
             <a:fld id="{496CEC7D-FCD7-4573-BCEF-540C1CE960B6}" type="datetimeFigureOut">
               <a:rPr lang="en-US" smtClean="0"/>
-              <a:t>9/9/2021</a:t>
+              <a:t>9/10/2021</a:t>
             </a:fld>
             <a:endParaRPr lang="en-US"/>
           </a:p>
@@ -959,7 +1820,7 @@
           <a:p>
             <a:fld id="{496CEC7D-FCD7-4573-BCEF-540C1CE960B6}" type="datetimeFigureOut">
               <a:rPr lang="en-US" smtClean="0"/>
-              <a:t>9/9/2021</a:t>
+              <a:t>9/10/2021</a:t>
             </a:fld>
             <a:endParaRPr lang="en-US"/>
           </a:p>
@@ -1234,7 +2095,7 @@
           <a:p>
             <a:fld id="{496CEC7D-FCD7-4573-BCEF-540C1CE960B6}" type="datetimeFigureOut">
               <a:rPr lang="en-US" smtClean="0"/>
-              <a:t>9/9/2021</a:t>
+              <a:t>9/10/2021</a:t>
             </a:fld>
             <a:endParaRPr lang="en-US"/>
           </a:p>
@@ -1499,7 +2360,7 @@
           <a:p>
             <a:fld id="{496CEC7D-FCD7-4573-BCEF-540C1CE960B6}" type="datetimeFigureOut">
               <a:rPr lang="en-US" smtClean="0"/>
-              <a:t>9/9/2021</a:t>
+              <a:t>9/10/2021</a:t>
             </a:fld>
             <a:endParaRPr lang="en-US"/>
           </a:p>
@@ -1911,7 +2772,7 @@
           <a:p>
             <a:fld id="{496CEC7D-FCD7-4573-BCEF-540C1CE960B6}" type="datetimeFigureOut">
               <a:rPr lang="en-US" smtClean="0"/>
-              <a:t>9/9/2021</a:t>
+              <a:t>9/10/2021</a:t>
             </a:fld>
             <a:endParaRPr lang="en-US"/>
           </a:p>
@@ -2052,7 +2913,7 @@
           <a:p>
             <a:fld id="{496CEC7D-FCD7-4573-BCEF-540C1CE960B6}" type="datetimeFigureOut">
               <a:rPr lang="en-US" smtClean="0"/>
-              <a:t>9/9/2021</a:t>
+              <a:t>9/10/2021</a:t>
             </a:fld>
             <a:endParaRPr lang="en-US"/>
           </a:p>
@@ -2165,7 +3026,7 @@
           <a:p>
             <a:fld id="{496CEC7D-FCD7-4573-BCEF-540C1CE960B6}" type="datetimeFigureOut">
               <a:rPr lang="en-US" smtClean="0"/>
-              <a:t>9/9/2021</a:t>
+              <a:t>9/10/2021</a:t>
             </a:fld>
             <a:endParaRPr lang="en-US"/>
           </a:p>
@@ -2476,7 +3337,7 @@
           <a:p>
             <a:fld id="{496CEC7D-FCD7-4573-BCEF-540C1CE960B6}" type="datetimeFigureOut">
               <a:rPr lang="en-US" smtClean="0"/>
-              <a:t>9/9/2021</a:t>
+              <a:t>9/10/2021</a:t>
             </a:fld>
             <a:endParaRPr lang="en-US"/>
           </a:p>
@@ -2764,7 +3625,7 @@
           <a:p>
             <a:fld id="{496CEC7D-FCD7-4573-BCEF-540C1CE960B6}" type="datetimeFigureOut">
               <a:rPr lang="en-US" smtClean="0"/>
-              <a:t>9/9/2021</a:t>
+              <a:t>9/10/2021</a:t>
             </a:fld>
             <a:endParaRPr lang="en-US"/>
           </a:p>
@@ -3005,7 +3866,7 @@
           <a:p>
             <a:fld id="{496CEC7D-FCD7-4573-BCEF-540C1CE960B6}" type="datetimeFigureOut">
               <a:rPr lang="en-US" smtClean="0"/>
-              <a:t>9/9/2021</a:t>
+              <a:t>9/10/2021</a:t>
             </a:fld>
             <a:endParaRPr lang="en-US"/>
           </a:p>
@@ -5379,6 +6240,6705 @@
 </p:sld>
 </file>
 
+<file path=ppt/slides/slide4.xml><?xml version="1.0" encoding="utf-8"?>
+<p:sld xmlns:a="http://schemas.openxmlformats.org/drawingml/2006/main" xmlns:r="http://schemas.openxmlformats.org/officeDocument/2006/relationships" xmlns:p="http://schemas.openxmlformats.org/presentationml/2006/main">
+  <p:cSld>
+    <p:spTree>
+      <p:nvGrpSpPr>
+        <p:cNvPr id="1" name=""/>
+        <p:cNvGrpSpPr/>
+        <p:nvPr/>
+      </p:nvGrpSpPr>
+      <p:grpSpPr>
+        <a:xfrm>
+          <a:off x="0" y="0"/>
+          <a:ext cx="0" cy="0"/>
+          <a:chOff x="0" y="0"/>
+          <a:chExt cx="0" cy="0"/>
+        </a:xfrm>
+      </p:grpSpPr>
+      <p:sp>
+        <p:nvSpPr>
+          <p:cNvPr id="185" name="Rectangle 184">
+            <a:extLst>
+              <a:ext uri="{FF2B5EF4-FFF2-40B4-BE49-F238E27FC236}">
+                <a16:creationId xmlns:a16="http://schemas.microsoft.com/office/drawing/2014/main" id="{8DD92C36-57A8-4883-A758-93707AB60537}"/>
+              </a:ext>
+            </a:extLst>
+          </p:cNvPr>
+          <p:cNvSpPr/>
+          <p:nvPr/>
+        </p:nvSpPr>
+        <p:spPr>
+          <a:xfrm>
+            <a:off x="0" y="0"/>
+            <a:ext cx="12192000" cy="6858000"/>
+          </a:xfrm>
+          <a:prstGeom prst="rect">
+            <a:avLst/>
+          </a:prstGeom>
+          <a:solidFill>
+            <a:srgbClr val="219778"/>
+          </a:solidFill>
+          <a:ln>
+            <a:noFill/>
+          </a:ln>
+        </p:spPr>
+        <p:style>
+          <a:lnRef idx="2">
+            <a:schemeClr val="accent6">
+              <a:shade val="50000"/>
+            </a:schemeClr>
+          </a:lnRef>
+          <a:fillRef idx="1">
+            <a:schemeClr val="accent6"/>
+          </a:fillRef>
+          <a:effectRef idx="0">
+            <a:schemeClr val="accent6"/>
+          </a:effectRef>
+          <a:fontRef idx="minor">
+            <a:schemeClr val="lt1"/>
+          </a:fontRef>
+        </p:style>
+        <p:txBody>
+          <a:bodyPr rtlCol="0" anchor="ctr"/>
+          <a:lstStyle/>
+          <a:p>
+            <a:pPr algn="ctr"/>
+            <a:endParaRPr lang="en-US"/>
+          </a:p>
+        </p:txBody>
+      </p:sp>
+      <p:sp>
+        <p:nvSpPr>
+          <p:cNvPr id="147" name="Freeform: Shape 146">
+            <a:extLst>
+              <a:ext uri="{FF2B5EF4-FFF2-40B4-BE49-F238E27FC236}">
+                <a16:creationId xmlns:a16="http://schemas.microsoft.com/office/drawing/2014/main" id="{DA58C699-47C3-480E-9EE3-46669D6DBF3E}"/>
+              </a:ext>
+            </a:extLst>
+          </p:cNvPr>
+          <p:cNvSpPr/>
+          <p:nvPr/>
+        </p:nvSpPr>
+        <p:spPr>
+          <a:xfrm>
+            <a:off x="968375" y="1882775"/>
+            <a:ext cx="2528888" cy="342900"/>
+          </a:xfrm>
+          <a:custGeom>
+            <a:avLst/>
+            <a:gdLst>
+              <a:gd name="connsiteX0" fmla="*/ 309563 w 2652713"/>
+              <a:gd name="connsiteY0" fmla="*/ 14288 h 342900"/>
+              <a:gd name="connsiteX1" fmla="*/ 0 w 2652713"/>
+              <a:gd name="connsiteY1" fmla="*/ 0 h 342900"/>
+              <a:gd name="connsiteX2" fmla="*/ 42863 w 2652713"/>
+              <a:gd name="connsiteY2" fmla="*/ 128588 h 342900"/>
+              <a:gd name="connsiteX3" fmla="*/ 80963 w 2652713"/>
+              <a:gd name="connsiteY3" fmla="*/ 195263 h 342900"/>
+              <a:gd name="connsiteX4" fmla="*/ 166688 w 2652713"/>
+              <a:gd name="connsiteY4" fmla="*/ 271463 h 342900"/>
+              <a:gd name="connsiteX5" fmla="*/ 290513 w 2652713"/>
+              <a:gd name="connsiteY5" fmla="*/ 300038 h 342900"/>
+              <a:gd name="connsiteX6" fmla="*/ 423863 w 2652713"/>
+              <a:gd name="connsiteY6" fmla="*/ 323850 h 342900"/>
+              <a:gd name="connsiteX7" fmla="*/ 566738 w 2652713"/>
+              <a:gd name="connsiteY7" fmla="*/ 342900 h 342900"/>
+              <a:gd name="connsiteX8" fmla="*/ 714375 w 2652713"/>
+              <a:gd name="connsiteY8" fmla="*/ 342900 h 342900"/>
+              <a:gd name="connsiteX9" fmla="*/ 895350 w 2652713"/>
+              <a:gd name="connsiteY9" fmla="*/ 342900 h 342900"/>
+              <a:gd name="connsiteX10" fmla="*/ 938213 w 2652713"/>
+              <a:gd name="connsiteY10" fmla="*/ 342900 h 342900"/>
+              <a:gd name="connsiteX11" fmla="*/ 1023938 w 2652713"/>
+              <a:gd name="connsiteY11" fmla="*/ 342900 h 342900"/>
+              <a:gd name="connsiteX12" fmla="*/ 1985963 w 2652713"/>
+              <a:gd name="connsiteY12" fmla="*/ 319088 h 342900"/>
+              <a:gd name="connsiteX13" fmla="*/ 2081213 w 2652713"/>
+              <a:gd name="connsiteY13" fmla="*/ 290513 h 342900"/>
+              <a:gd name="connsiteX14" fmla="*/ 2133600 w 2652713"/>
+              <a:gd name="connsiteY14" fmla="*/ 280988 h 342900"/>
+              <a:gd name="connsiteX15" fmla="*/ 2286000 w 2652713"/>
+              <a:gd name="connsiteY15" fmla="*/ 233363 h 342900"/>
+              <a:gd name="connsiteX16" fmla="*/ 2328863 w 2652713"/>
+              <a:gd name="connsiteY16" fmla="*/ 219075 h 342900"/>
+              <a:gd name="connsiteX17" fmla="*/ 2495550 w 2652713"/>
+              <a:gd name="connsiteY17" fmla="*/ 138113 h 342900"/>
+              <a:gd name="connsiteX18" fmla="*/ 2543175 w 2652713"/>
+              <a:gd name="connsiteY18" fmla="*/ 109538 h 342900"/>
+              <a:gd name="connsiteX19" fmla="*/ 2624138 w 2652713"/>
+              <a:gd name="connsiteY19" fmla="*/ 52388 h 342900"/>
+              <a:gd name="connsiteX20" fmla="*/ 2652713 w 2652713"/>
+              <a:gd name="connsiteY20" fmla="*/ 4763 h 342900"/>
+              <a:gd name="connsiteX21" fmla="*/ 309563 w 2652713"/>
+              <a:gd name="connsiteY21" fmla="*/ 14288 h 342900"/>
+            </a:gdLst>
+            <a:ahLst/>
+            <a:cxnLst>
+              <a:cxn ang="0">
+                <a:pos x="connsiteX0" y="connsiteY0"/>
+              </a:cxn>
+              <a:cxn ang="0">
+                <a:pos x="connsiteX1" y="connsiteY1"/>
+              </a:cxn>
+              <a:cxn ang="0">
+                <a:pos x="connsiteX2" y="connsiteY2"/>
+              </a:cxn>
+              <a:cxn ang="0">
+                <a:pos x="connsiteX3" y="connsiteY3"/>
+              </a:cxn>
+              <a:cxn ang="0">
+                <a:pos x="connsiteX4" y="connsiteY4"/>
+              </a:cxn>
+              <a:cxn ang="0">
+                <a:pos x="connsiteX5" y="connsiteY5"/>
+              </a:cxn>
+              <a:cxn ang="0">
+                <a:pos x="connsiteX6" y="connsiteY6"/>
+              </a:cxn>
+              <a:cxn ang="0">
+                <a:pos x="connsiteX7" y="connsiteY7"/>
+              </a:cxn>
+              <a:cxn ang="0">
+                <a:pos x="connsiteX8" y="connsiteY8"/>
+              </a:cxn>
+              <a:cxn ang="0">
+                <a:pos x="connsiteX9" y="connsiteY9"/>
+              </a:cxn>
+              <a:cxn ang="0">
+                <a:pos x="connsiteX10" y="connsiteY10"/>
+              </a:cxn>
+              <a:cxn ang="0">
+                <a:pos x="connsiteX11" y="connsiteY11"/>
+              </a:cxn>
+              <a:cxn ang="0">
+                <a:pos x="connsiteX12" y="connsiteY12"/>
+              </a:cxn>
+              <a:cxn ang="0">
+                <a:pos x="connsiteX13" y="connsiteY13"/>
+              </a:cxn>
+              <a:cxn ang="0">
+                <a:pos x="connsiteX14" y="connsiteY14"/>
+              </a:cxn>
+              <a:cxn ang="0">
+                <a:pos x="connsiteX15" y="connsiteY15"/>
+              </a:cxn>
+              <a:cxn ang="0">
+                <a:pos x="connsiteX16" y="connsiteY16"/>
+              </a:cxn>
+              <a:cxn ang="0">
+                <a:pos x="connsiteX17" y="connsiteY17"/>
+              </a:cxn>
+              <a:cxn ang="0">
+                <a:pos x="connsiteX18" y="connsiteY18"/>
+              </a:cxn>
+              <a:cxn ang="0">
+                <a:pos x="connsiteX19" y="connsiteY19"/>
+              </a:cxn>
+              <a:cxn ang="0">
+                <a:pos x="connsiteX20" y="connsiteY20"/>
+              </a:cxn>
+              <a:cxn ang="0">
+                <a:pos x="connsiteX21" y="connsiteY21"/>
+              </a:cxn>
+            </a:cxnLst>
+            <a:rect l="l" t="t" r="r" b="b"/>
+            <a:pathLst>
+              <a:path w="2652713" h="342900">
+                <a:moveTo>
+                  <a:pt x="309563" y="14288"/>
+                </a:moveTo>
+                <a:lnTo>
+                  <a:pt x="0" y="0"/>
+                </a:lnTo>
+                <a:lnTo>
+                  <a:pt x="42863" y="128588"/>
+                </a:lnTo>
+                <a:lnTo>
+                  <a:pt x="80963" y="195263"/>
+                </a:lnTo>
+                <a:lnTo>
+                  <a:pt x="166688" y="271463"/>
+                </a:lnTo>
+                <a:lnTo>
+                  <a:pt x="290513" y="300038"/>
+                </a:lnTo>
+                <a:lnTo>
+                  <a:pt x="423863" y="323850"/>
+                </a:lnTo>
+                <a:lnTo>
+                  <a:pt x="566738" y="342900"/>
+                </a:lnTo>
+                <a:lnTo>
+                  <a:pt x="714375" y="342900"/>
+                </a:lnTo>
+                <a:lnTo>
+                  <a:pt x="895350" y="342900"/>
+                </a:lnTo>
+                <a:lnTo>
+                  <a:pt x="938213" y="342900"/>
+                </a:lnTo>
+                <a:lnTo>
+                  <a:pt x="1023938" y="342900"/>
+                </a:lnTo>
+                <a:lnTo>
+                  <a:pt x="1985963" y="319088"/>
+                </a:lnTo>
+                <a:lnTo>
+                  <a:pt x="2081213" y="290513"/>
+                </a:lnTo>
+                <a:lnTo>
+                  <a:pt x="2133600" y="280988"/>
+                </a:lnTo>
+                <a:lnTo>
+                  <a:pt x="2286000" y="233363"/>
+                </a:lnTo>
+                <a:lnTo>
+                  <a:pt x="2328863" y="219075"/>
+                </a:lnTo>
+                <a:lnTo>
+                  <a:pt x="2495550" y="138113"/>
+                </a:lnTo>
+                <a:lnTo>
+                  <a:pt x="2543175" y="109538"/>
+                </a:lnTo>
+                <a:lnTo>
+                  <a:pt x="2624138" y="52388"/>
+                </a:lnTo>
+                <a:lnTo>
+                  <a:pt x="2652713" y="4763"/>
+                </a:lnTo>
+                <a:lnTo>
+                  <a:pt x="309563" y="14288"/>
+                </a:lnTo>
+                <a:close/>
+              </a:path>
+            </a:pathLst>
+          </a:custGeom>
+          <a:solidFill>
+            <a:srgbClr val="6E3B08"/>
+          </a:solidFill>
+          <a:ln>
+            <a:noFill/>
+          </a:ln>
+        </p:spPr>
+        <p:style>
+          <a:lnRef idx="2">
+            <a:schemeClr val="accent1">
+              <a:shade val="50000"/>
+            </a:schemeClr>
+          </a:lnRef>
+          <a:fillRef idx="1">
+            <a:schemeClr val="accent1"/>
+          </a:fillRef>
+          <a:effectRef idx="0">
+            <a:schemeClr val="accent1"/>
+          </a:effectRef>
+          <a:fontRef idx="minor">
+            <a:schemeClr val="lt1"/>
+          </a:fontRef>
+        </p:style>
+        <p:txBody>
+          <a:bodyPr rtlCol="0" anchor="ctr"/>
+          <a:lstStyle/>
+          <a:p>
+            <a:pPr algn="ctr"/>
+            <a:endParaRPr lang="en-US"/>
+          </a:p>
+        </p:txBody>
+      </p:sp>
+      <p:sp>
+        <p:nvSpPr>
+          <p:cNvPr id="145" name="Freeform: Shape 144">
+            <a:extLst>
+              <a:ext uri="{FF2B5EF4-FFF2-40B4-BE49-F238E27FC236}">
+                <a16:creationId xmlns:a16="http://schemas.microsoft.com/office/drawing/2014/main" id="{1DF02490-0FC2-4578-8A21-63ECE624BA62}"/>
+              </a:ext>
+            </a:extLst>
+          </p:cNvPr>
+          <p:cNvSpPr/>
+          <p:nvPr/>
+        </p:nvSpPr>
+        <p:spPr>
+          <a:xfrm>
+            <a:off x="234950" y="206375"/>
+            <a:ext cx="3048000" cy="1685925"/>
+          </a:xfrm>
+          <a:custGeom>
+            <a:avLst/>
+            <a:gdLst>
+              <a:gd name="connsiteX0" fmla="*/ 0 w 3048000"/>
+              <a:gd name="connsiteY0" fmla="*/ 38100 h 1685925"/>
+              <a:gd name="connsiteX1" fmla="*/ 209550 w 3048000"/>
+              <a:gd name="connsiteY1" fmla="*/ 123825 h 1685925"/>
+              <a:gd name="connsiteX2" fmla="*/ 361950 w 3048000"/>
+              <a:gd name="connsiteY2" fmla="*/ 204788 h 1685925"/>
+              <a:gd name="connsiteX3" fmla="*/ 466725 w 3048000"/>
+              <a:gd name="connsiteY3" fmla="*/ 309563 h 1685925"/>
+              <a:gd name="connsiteX4" fmla="*/ 528638 w 3048000"/>
+              <a:gd name="connsiteY4" fmla="*/ 447675 h 1685925"/>
+              <a:gd name="connsiteX5" fmla="*/ 495300 w 3048000"/>
+              <a:gd name="connsiteY5" fmla="*/ 666750 h 1685925"/>
+              <a:gd name="connsiteX6" fmla="*/ 381000 w 3048000"/>
+              <a:gd name="connsiteY6" fmla="*/ 1047750 h 1685925"/>
+              <a:gd name="connsiteX7" fmla="*/ 361950 w 3048000"/>
+              <a:gd name="connsiteY7" fmla="*/ 1228725 h 1685925"/>
+              <a:gd name="connsiteX8" fmla="*/ 400050 w 3048000"/>
+              <a:gd name="connsiteY8" fmla="*/ 1323975 h 1685925"/>
+              <a:gd name="connsiteX9" fmla="*/ 457200 w 3048000"/>
+              <a:gd name="connsiteY9" fmla="*/ 1409700 h 1685925"/>
+              <a:gd name="connsiteX10" fmla="*/ 647700 w 3048000"/>
+              <a:gd name="connsiteY10" fmla="*/ 1543050 h 1685925"/>
+              <a:gd name="connsiteX11" fmla="*/ 919163 w 3048000"/>
+              <a:gd name="connsiteY11" fmla="*/ 1676400 h 1685925"/>
+              <a:gd name="connsiteX12" fmla="*/ 3048000 w 3048000"/>
+              <a:gd name="connsiteY12" fmla="*/ 1685925 h 1685925"/>
+              <a:gd name="connsiteX13" fmla="*/ 2052638 w 3048000"/>
+              <a:gd name="connsiteY13" fmla="*/ 1452563 h 1685925"/>
+              <a:gd name="connsiteX14" fmla="*/ 1757363 w 3048000"/>
+              <a:gd name="connsiteY14" fmla="*/ 1362075 h 1685925"/>
+              <a:gd name="connsiteX15" fmla="*/ 1457325 w 3048000"/>
+              <a:gd name="connsiteY15" fmla="*/ 1247775 h 1685925"/>
+              <a:gd name="connsiteX16" fmla="*/ 1271588 w 3048000"/>
+              <a:gd name="connsiteY16" fmla="*/ 1119188 h 1685925"/>
+              <a:gd name="connsiteX17" fmla="*/ 1157288 w 3048000"/>
+              <a:gd name="connsiteY17" fmla="*/ 928688 h 1685925"/>
+              <a:gd name="connsiteX18" fmla="*/ 1085850 w 3048000"/>
+              <a:gd name="connsiteY18" fmla="*/ 638175 h 1685925"/>
+              <a:gd name="connsiteX19" fmla="*/ 1042988 w 3048000"/>
+              <a:gd name="connsiteY19" fmla="*/ 457200 h 1685925"/>
+              <a:gd name="connsiteX20" fmla="*/ 881063 w 3048000"/>
+              <a:gd name="connsiteY20" fmla="*/ 290513 h 1685925"/>
+              <a:gd name="connsiteX21" fmla="*/ 709613 w 3048000"/>
+              <a:gd name="connsiteY21" fmla="*/ 176213 h 1685925"/>
+              <a:gd name="connsiteX22" fmla="*/ 476250 w 3048000"/>
+              <a:gd name="connsiteY22" fmla="*/ 80963 h 1685925"/>
+              <a:gd name="connsiteX23" fmla="*/ 238125 w 3048000"/>
+              <a:gd name="connsiteY23" fmla="*/ 0 h 1685925"/>
+              <a:gd name="connsiteX24" fmla="*/ 0 w 3048000"/>
+              <a:gd name="connsiteY24" fmla="*/ 38100 h 1685925"/>
+            </a:gdLst>
+            <a:ahLst/>
+            <a:cxnLst>
+              <a:cxn ang="0">
+                <a:pos x="connsiteX0" y="connsiteY0"/>
+              </a:cxn>
+              <a:cxn ang="0">
+                <a:pos x="connsiteX1" y="connsiteY1"/>
+              </a:cxn>
+              <a:cxn ang="0">
+                <a:pos x="connsiteX2" y="connsiteY2"/>
+              </a:cxn>
+              <a:cxn ang="0">
+                <a:pos x="connsiteX3" y="connsiteY3"/>
+              </a:cxn>
+              <a:cxn ang="0">
+                <a:pos x="connsiteX4" y="connsiteY4"/>
+              </a:cxn>
+              <a:cxn ang="0">
+                <a:pos x="connsiteX5" y="connsiteY5"/>
+              </a:cxn>
+              <a:cxn ang="0">
+                <a:pos x="connsiteX6" y="connsiteY6"/>
+              </a:cxn>
+              <a:cxn ang="0">
+                <a:pos x="connsiteX7" y="connsiteY7"/>
+              </a:cxn>
+              <a:cxn ang="0">
+                <a:pos x="connsiteX8" y="connsiteY8"/>
+              </a:cxn>
+              <a:cxn ang="0">
+                <a:pos x="connsiteX9" y="connsiteY9"/>
+              </a:cxn>
+              <a:cxn ang="0">
+                <a:pos x="connsiteX10" y="connsiteY10"/>
+              </a:cxn>
+              <a:cxn ang="0">
+                <a:pos x="connsiteX11" y="connsiteY11"/>
+              </a:cxn>
+              <a:cxn ang="0">
+                <a:pos x="connsiteX12" y="connsiteY12"/>
+              </a:cxn>
+              <a:cxn ang="0">
+                <a:pos x="connsiteX13" y="connsiteY13"/>
+              </a:cxn>
+              <a:cxn ang="0">
+                <a:pos x="connsiteX14" y="connsiteY14"/>
+              </a:cxn>
+              <a:cxn ang="0">
+                <a:pos x="connsiteX15" y="connsiteY15"/>
+              </a:cxn>
+              <a:cxn ang="0">
+                <a:pos x="connsiteX16" y="connsiteY16"/>
+              </a:cxn>
+              <a:cxn ang="0">
+                <a:pos x="connsiteX17" y="connsiteY17"/>
+              </a:cxn>
+              <a:cxn ang="0">
+                <a:pos x="connsiteX18" y="connsiteY18"/>
+              </a:cxn>
+              <a:cxn ang="0">
+                <a:pos x="connsiteX19" y="connsiteY19"/>
+              </a:cxn>
+              <a:cxn ang="0">
+                <a:pos x="connsiteX20" y="connsiteY20"/>
+              </a:cxn>
+              <a:cxn ang="0">
+                <a:pos x="connsiteX21" y="connsiteY21"/>
+              </a:cxn>
+              <a:cxn ang="0">
+                <a:pos x="connsiteX22" y="connsiteY22"/>
+              </a:cxn>
+              <a:cxn ang="0">
+                <a:pos x="connsiteX23" y="connsiteY23"/>
+              </a:cxn>
+              <a:cxn ang="0">
+                <a:pos x="connsiteX24" y="connsiteY24"/>
+              </a:cxn>
+            </a:cxnLst>
+            <a:rect l="l" t="t" r="r" b="b"/>
+            <a:pathLst>
+              <a:path w="3048000" h="1685925">
+                <a:moveTo>
+                  <a:pt x="0" y="38100"/>
+                </a:moveTo>
+                <a:lnTo>
+                  <a:pt x="209550" y="123825"/>
+                </a:lnTo>
+                <a:lnTo>
+                  <a:pt x="361950" y="204788"/>
+                </a:lnTo>
+                <a:lnTo>
+                  <a:pt x="466725" y="309563"/>
+                </a:lnTo>
+                <a:lnTo>
+                  <a:pt x="528638" y="447675"/>
+                </a:lnTo>
+                <a:lnTo>
+                  <a:pt x="495300" y="666750"/>
+                </a:lnTo>
+                <a:lnTo>
+                  <a:pt x="381000" y="1047750"/>
+                </a:lnTo>
+                <a:lnTo>
+                  <a:pt x="361950" y="1228725"/>
+                </a:lnTo>
+                <a:lnTo>
+                  <a:pt x="400050" y="1323975"/>
+                </a:lnTo>
+                <a:lnTo>
+                  <a:pt x="457200" y="1409700"/>
+                </a:lnTo>
+                <a:lnTo>
+                  <a:pt x="647700" y="1543050"/>
+                </a:lnTo>
+                <a:lnTo>
+                  <a:pt x="919163" y="1676400"/>
+                </a:lnTo>
+                <a:lnTo>
+                  <a:pt x="3048000" y="1685925"/>
+                </a:lnTo>
+                <a:lnTo>
+                  <a:pt x="2052638" y="1452563"/>
+                </a:lnTo>
+                <a:lnTo>
+                  <a:pt x="1757363" y="1362075"/>
+                </a:lnTo>
+                <a:lnTo>
+                  <a:pt x="1457325" y="1247775"/>
+                </a:lnTo>
+                <a:lnTo>
+                  <a:pt x="1271588" y="1119188"/>
+                </a:lnTo>
+                <a:lnTo>
+                  <a:pt x="1157288" y="928688"/>
+                </a:lnTo>
+                <a:lnTo>
+                  <a:pt x="1085850" y="638175"/>
+                </a:lnTo>
+                <a:lnTo>
+                  <a:pt x="1042988" y="457200"/>
+                </a:lnTo>
+                <a:lnTo>
+                  <a:pt x="881063" y="290513"/>
+                </a:lnTo>
+                <a:lnTo>
+                  <a:pt x="709613" y="176213"/>
+                </a:lnTo>
+                <a:lnTo>
+                  <a:pt x="476250" y="80963"/>
+                </a:lnTo>
+                <a:lnTo>
+                  <a:pt x="238125" y="0"/>
+                </a:lnTo>
+                <a:lnTo>
+                  <a:pt x="0" y="38100"/>
+                </a:lnTo>
+                <a:close/>
+              </a:path>
+            </a:pathLst>
+          </a:custGeom>
+          <a:solidFill>
+            <a:schemeClr val="accent1">
+              <a:lumMod val="20000"/>
+              <a:lumOff val="80000"/>
+            </a:schemeClr>
+          </a:solidFill>
+        </p:spPr>
+        <p:style>
+          <a:lnRef idx="2">
+            <a:schemeClr val="accent1">
+              <a:shade val="50000"/>
+            </a:schemeClr>
+          </a:lnRef>
+          <a:fillRef idx="1">
+            <a:schemeClr val="accent1"/>
+          </a:fillRef>
+          <a:effectRef idx="0">
+            <a:schemeClr val="accent1"/>
+          </a:effectRef>
+          <a:fontRef idx="minor">
+            <a:schemeClr val="lt1"/>
+          </a:fontRef>
+        </p:style>
+        <p:txBody>
+          <a:bodyPr rtlCol="0" anchor="ctr"/>
+          <a:lstStyle/>
+          <a:p>
+            <a:pPr algn="ctr"/>
+            <a:endParaRPr lang="en-US"/>
+          </a:p>
+        </p:txBody>
+      </p:sp>
+      <p:sp>
+        <p:nvSpPr>
+          <p:cNvPr id="108" name="Freeform: Shape 107">
+            <a:extLst>
+              <a:ext uri="{FF2B5EF4-FFF2-40B4-BE49-F238E27FC236}">
+                <a16:creationId xmlns:a16="http://schemas.microsoft.com/office/drawing/2014/main" id="{4337A961-85F3-46AE-A074-49F76F2604F7}"/>
+              </a:ext>
+            </a:extLst>
+          </p:cNvPr>
+          <p:cNvSpPr/>
+          <p:nvPr/>
+        </p:nvSpPr>
+        <p:spPr>
+          <a:xfrm>
+            <a:off x="3124200" y="3797300"/>
+            <a:ext cx="8029575" cy="1876425"/>
+          </a:xfrm>
+          <a:custGeom>
+            <a:avLst/>
+            <a:gdLst>
+              <a:gd name="connsiteX0" fmla="*/ 200025 w 8029575"/>
+              <a:gd name="connsiteY0" fmla="*/ 200025 h 1876425"/>
+              <a:gd name="connsiteX1" fmla="*/ 85725 w 8029575"/>
+              <a:gd name="connsiteY1" fmla="*/ 0 h 1876425"/>
+              <a:gd name="connsiteX2" fmla="*/ 66675 w 8029575"/>
+              <a:gd name="connsiteY2" fmla="*/ 219075 h 1876425"/>
+              <a:gd name="connsiteX3" fmla="*/ 0 w 8029575"/>
+              <a:gd name="connsiteY3" fmla="*/ 381000 h 1876425"/>
+              <a:gd name="connsiteX4" fmla="*/ 28575 w 8029575"/>
+              <a:gd name="connsiteY4" fmla="*/ 571500 h 1876425"/>
+              <a:gd name="connsiteX5" fmla="*/ 9525 w 8029575"/>
+              <a:gd name="connsiteY5" fmla="*/ 838200 h 1876425"/>
+              <a:gd name="connsiteX6" fmla="*/ 28575 w 8029575"/>
+              <a:gd name="connsiteY6" fmla="*/ 1019175 h 1876425"/>
+              <a:gd name="connsiteX7" fmla="*/ 38100 w 8029575"/>
+              <a:gd name="connsiteY7" fmla="*/ 1104900 h 1876425"/>
+              <a:gd name="connsiteX8" fmla="*/ 38100 w 8029575"/>
+              <a:gd name="connsiteY8" fmla="*/ 1200150 h 1876425"/>
+              <a:gd name="connsiteX9" fmla="*/ 19050 w 8029575"/>
+              <a:gd name="connsiteY9" fmla="*/ 1371600 h 1876425"/>
+              <a:gd name="connsiteX10" fmla="*/ 19050 w 8029575"/>
+              <a:gd name="connsiteY10" fmla="*/ 1514475 h 1876425"/>
+              <a:gd name="connsiteX11" fmla="*/ 76200 w 8029575"/>
+              <a:gd name="connsiteY11" fmla="*/ 1685925 h 1876425"/>
+              <a:gd name="connsiteX12" fmla="*/ 95250 w 8029575"/>
+              <a:gd name="connsiteY12" fmla="*/ 1838325 h 1876425"/>
+              <a:gd name="connsiteX13" fmla="*/ 342900 w 8029575"/>
+              <a:gd name="connsiteY13" fmla="*/ 1866900 h 1876425"/>
+              <a:gd name="connsiteX14" fmla="*/ 476250 w 8029575"/>
+              <a:gd name="connsiteY14" fmla="*/ 1819275 h 1876425"/>
+              <a:gd name="connsiteX15" fmla="*/ 571500 w 8029575"/>
+              <a:gd name="connsiteY15" fmla="*/ 1809750 h 1876425"/>
+              <a:gd name="connsiteX16" fmla="*/ 828675 w 8029575"/>
+              <a:gd name="connsiteY16" fmla="*/ 1819275 h 1876425"/>
+              <a:gd name="connsiteX17" fmla="*/ 1114425 w 8029575"/>
+              <a:gd name="connsiteY17" fmla="*/ 1876425 h 1876425"/>
+              <a:gd name="connsiteX18" fmla="*/ 1323975 w 8029575"/>
+              <a:gd name="connsiteY18" fmla="*/ 1809750 h 1876425"/>
+              <a:gd name="connsiteX19" fmla="*/ 1619250 w 8029575"/>
+              <a:gd name="connsiteY19" fmla="*/ 1790700 h 1876425"/>
+              <a:gd name="connsiteX20" fmla="*/ 1866900 w 8029575"/>
+              <a:gd name="connsiteY20" fmla="*/ 1790700 h 1876425"/>
+              <a:gd name="connsiteX21" fmla="*/ 2133600 w 8029575"/>
+              <a:gd name="connsiteY21" fmla="*/ 1752600 h 1876425"/>
+              <a:gd name="connsiteX22" fmla="*/ 2352675 w 8029575"/>
+              <a:gd name="connsiteY22" fmla="*/ 1743075 h 1876425"/>
+              <a:gd name="connsiteX23" fmla="*/ 2476500 w 8029575"/>
+              <a:gd name="connsiteY23" fmla="*/ 1733550 h 1876425"/>
+              <a:gd name="connsiteX24" fmla="*/ 2619375 w 8029575"/>
+              <a:gd name="connsiteY24" fmla="*/ 1724025 h 1876425"/>
+              <a:gd name="connsiteX25" fmla="*/ 2771775 w 8029575"/>
+              <a:gd name="connsiteY25" fmla="*/ 1733550 h 1876425"/>
+              <a:gd name="connsiteX26" fmla="*/ 2867025 w 8029575"/>
+              <a:gd name="connsiteY26" fmla="*/ 1800225 h 1876425"/>
+              <a:gd name="connsiteX27" fmla="*/ 3105150 w 8029575"/>
+              <a:gd name="connsiteY27" fmla="*/ 1838325 h 1876425"/>
+              <a:gd name="connsiteX28" fmla="*/ 3371850 w 8029575"/>
+              <a:gd name="connsiteY28" fmla="*/ 1809750 h 1876425"/>
+              <a:gd name="connsiteX29" fmla="*/ 3638550 w 8029575"/>
+              <a:gd name="connsiteY29" fmla="*/ 1781175 h 1876425"/>
+              <a:gd name="connsiteX30" fmla="*/ 3886200 w 8029575"/>
+              <a:gd name="connsiteY30" fmla="*/ 1762125 h 1876425"/>
+              <a:gd name="connsiteX31" fmla="*/ 4000500 w 8029575"/>
+              <a:gd name="connsiteY31" fmla="*/ 1752600 h 1876425"/>
+              <a:gd name="connsiteX32" fmla="*/ 4248150 w 8029575"/>
+              <a:gd name="connsiteY32" fmla="*/ 1790700 h 1876425"/>
+              <a:gd name="connsiteX33" fmla="*/ 4362450 w 8029575"/>
+              <a:gd name="connsiteY33" fmla="*/ 1819275 h 1876425"/>
+              <a:gd name="connsiteX34" fmla="*/ 4476750 w 8029575"/>
+              <a:gd name="connsiteY34" fmla="*/ 1809750 h 1876425"/>
+              <a:gd name="connsiteX35" fmla="*/ 4762500 w 8029575"/>
+              <a:gd name="connsiteY35" fmla="*/ 1790700 h 1876425"/>
+              <a:gd name="connsiteX36" fmla="*/ 4991100 w 8029575"/>
+              <a:gd name="connsiteY36" fmla="*/ 1790700 h 1876425"/>
+              <a:gd name="connsiteX37" fmla="*/ 5229225 w 8029575"/>
+              <a:gd name="connsiteY37" fmla="*/ 1809750 h 1876425"/>
+              <a:gd name="connsiteX38" fmla="*/ 5457825 w 8029575"/>
+              <a:gd name="connsiteY38" fmla="*/ 1819275 h 1876425"/>
+              <a:gd name="connsiteX39" fmla="*/ 5715000 w 8029575"/>
+              <a:gd name="connsiteY39" fmla="*/ 1743075 h 1876425"/>
+              <a:gd name="connsiteX40" fmla="*/ 5924550 w 8029575"/>
+              <a:gd name="connsiteY40" fmla="*/ 1771650 h 1876425"/>
+              <a:gd name="connsiteX41" fmla="*/ 6076950 w 8029575"/>
+              <a:gd name="connsiteY41" fmla="*/ 1752600 h 1876425"/>
+              <a:gd name="connsiteX42" fmla="*/ 6372225 w 8029575"/>
+              <a:gd name="connsiteY42" fmla="*/ 1781175 h 1876425"/>
+              <a:gd name="connsiteX43" fmla="*/ 6677025 w 8029575"/>
+              <a:gd name="connsiteY43" fmla="*/ 1790700 h 1876425"/>
+              <a:gd name="connsiteX44" fmla="*/ 7038975 w 8029575"/>
+              <a:gd name="connsiteY44" fmla="*/ 1819275 h 1876425"/>
+              <a:gd name="connsiteX45" fmla="*/ 7286625 w 8029575"/>
+              <a:gd name="connsiteY45" fmla="*/ 1828800 h 1876425"/>
+              <a:gd name="connsiteX46" fmla="*/ 7553325 w 8029575"/>
+              <a:gd name="connsiteY46" fmla="*/ 1819275 h 1876425"/>
+              <a:gd name="connsiteX47" fmla="*/ 7886700 w 8029575"/>
+              <a:gd name="connsiteY47" fmla="*/ 1809750 h 1876425"/>
+              <a:gd name="connsiteX48" fmla="*/ 7934325 w 8029575"/>
+              <a:gd name="connsiteY48" fmla="*/ 1771650 h 1876425"/>
+              <a:gd name="connsiteX49" fmla="*/ 8029575 w 8029575"/>
+              <a:gd name="connsiteY49" fmla="*/ 1543050 h 1876425"/>
+              <a:gd name="connsiteX50" fmla="*/ 8001000 w 8029575"/>
+              <a:gd name="connsiteY50" fmla="*/ 1314450 h 1876425"/>
+              <a:gd name="connsiteX51" fmla="*/ 7972425 w 8029575"/>
+              <a:gd name="connsiteY51" fmla="*/ 1009650 h 1876425"/>
+              <a:gd name="connsiteX52" fmla="*/ 7981950 w 8029575"/>
+              <a:gd name="connsiteY52" fmla="*/ 828675 h 1876425"/>
+              <a:gd name="connsiteX53" fmla="*/ 7924800 w 8029575"/>
+              <a:gd name="connsiteY53" fmla="*/ 752475 h 1876425"/>
+              <a:gd name="connsiteX54" fmla="*/ 7943850 w 8029575"/>
+              <a:gd name="connsiteY54" fmla="*/ 419100 h 1876425"/>
+              <a:gd name="connsiteX55" fmla="*/ 7934325 w 8029575"/>
+              <a:gd name="connsiteY55" fmla="*/ 180975 h 1876425"/>
+              <a:gd name="connsiteX56" fmla="*/ 8001000 w 8029575"/>
+              <a:gd name="connsiteY56" fmla="*/ 57150 h 1876425"/>
+              <a:gd name="connsiteX57" fmla="*/ 7791450 w 8029575"/>
+              <a:gd name="connsiteY57" fmla="*/ 180975 h 1876425"/>
+              <a:gd name="connsiteX58" fmla="*/ 7791450 w 8029575"/>
+              <a:gd name="connsiteY58" fmla="*/ 1619250 h 1876425"/>
+              <a:gd name="connsiteX59" fmla="*/ 219075 w 8029575"/>
+              <a:gd name="connsiteY59" fmla="*/ 1609725 h 1876425"/>
+              <a:gd name="connsiteX60" fmla="*/ 200025 w 8029575"/>
+              <a:gd name="connsiteY60" fmla="*/ 200025 h 1876425"/>
+            </a:gdLst>
+            <a:ahLst/>
+            <a:cxnLst>
+              <a:cxn ang="0">
+                <a:pos x="connsiteX0" y="connsiteY0"/>
+              </a:cxn>
+              <a:cxn ang="0">
+                <a:pos x="connsiteX1" y="connsiteY1"/>
+              </a:cxn>
+              <a:cxn ang="0">
+                <a:pos x="connsiteX2" y="connsiteY2"/>
+              </a:cxn>
+              <a:cxn ang="0">
+                <a:pos x="connsiteX3" y="connsiteY3"/>
+              </a:cxn>
+              <a:cxn ang="0">
+                <a:pos x="connsiteX4" y="connsiteY4"/>
+              </a:cxn>
+              <a:cxn ang="0">
+                <a:pos x="connsiteX5" y="connsiteY5"/>
+              </a:cxn>
+              <a:cxn ang="0">
+                <a:pos x="connsiteX6" y="connsiteY6"/>
+              </a:cxn>
+              <a:cxn ang="0">
+                <a:pos x="connsiteX7" y="connsiteY7"/>
+              </a:cxn>
+              <a:cxn ang="0">
+                <a:pos x="connsiteX8" y="connsiteY8"/>
+              </a:cxn>
+              <a:cxn ang="0">
+                <a:pos x="connsiteX9" y="connsiteY9"/>
+              </a:cxn>
+              <a:cxn ang="0">
+                <a:pos x="connsiteX10" y="connsiteY10"/>
+              </a:cxn>
+              <a:cxn ang="0">
+                <a:pos x="connsiteX11" y="connsiteY11"/>
+              </a:cxn>
+              <a:cxn ang="0">
+                <a:pos x="connsiteX12" y="connsiteY12"/>
+              </a:cxn>
+              <a:cxn ang="0">
+                <a:pos x="connsiteX13" y="connsiteY13"/>
+              </a:cxn>
+              <a:cxn ang="0">
+                <a:pos x="connsiteX14" y="connsiteY14"/>
+              </a:cxn>
+              <a:cxn ang="0">
+                <a:pos x="connsiteX15" y="connsiteY15"/>
+              </a:cxn>
+              <a:cxn ang="0">
+                <a:pos x="connsiteX16" y="connsiteY16"/>
+              </a:cxn>
+              <a:cxn ang="0">
+                <a:pos x="connsiteX17" y="connsiteY17"/>
+              </a:cxn>
+              <a:cxn ang="0">
+                <a:pos x="connsiteX18" y="connsiteY18"/>
+              </a:cxn>
+              <a:cxn ang="0">
+                <a:pos x="connsiteX19" y="connsiteY19"/>
+              </a:cxn>
+              <a:cxn ang="0">
+                <a:pos x="connsiteX20" y="connsiteY20"/>
+              </a:cxn>
+              <a:cxn ang="0">
+                <a:pos x="connsiteX21" y="connsiteY21"/>
+              </a:cxn>
+              <a:cxn ang="0">
+                <a:pos x="connsiteX22" y="connsiteY22"/>
+              </a:cxn>
+              <a:cxn ang="0">
+                <a:pos x="connsiteX23" y="connsiteY23"/>
+              </a:cxn>
+              <a:cxn ang="0">
+                <a:pos x="connsiteX24" y="connsiteY24"/>
+              </a:cxn>
+              <a:cxn ang="0">
+                <a:pos x="connsiteX25" y="connsiteY25"/>
+              </a:cxn>
+              <a:cxn ang="0">
+                <a:pos x="connsiteX26" y="connsiteY26"/>
+              </a:cxn>
+              <a:cxn ang="0">
+                <a:pos x="connsiteX27" y="connsiteY27"/>
+              </a:cxn>
+              <a:cxn ang="0">
+                <a:pos x="connsiteX28" y="connsiteY28"/>
+              </a:cxn>
+              <a:cxn ang="0">
+                <a:pos x="connsiteX29" y="connsiteY29"/>
+              </a:cxn>
+              <a:cxn ang="0">
+                <a:pos x="connsiteX30" y="connsiteY30"/>
+              </a:cxn>
+              <a:cxn ang="0">
+                <a:pos x="connsiteX31" y="connsiteY31"/>
+              </a:cxn>
+              <a:cxn ang="0">
+                <a:pos x="connsiteX32" y="connsiteY32"/>
+              </a:cxn>
+              <a:cxn ang="0">
+                <a:pos x="connsiteX33" y="connsiteY33"/>
+              </a:cxn>
+              <a:cxn ang="0">
+                <a:pos x="connsiteX34" y="connsiteY34"/>
+              </a:cxn>
+              <a:cxn ang="0">
+                <a:pos x="connsiteX35" y="connsiteY35"/>
+              </a:cxn>
+              <a:cxn ang="0">
+                <a:pos x="connsiteX36" y="connsiteY36"/>
+              </a:cxn>
+              <a:cxn ang="0">
+                <a:pos x="connsiteX37" y="connsiteY37"/>
+              </a:cxn>
+              <a:cxn ang="0">
+                <a:pos x="connsiteX38" y="connsiteY38"/>
+              </a:cxn>
+              <a:cxn ang="0">
+                <a:pos x="connsiteX39" y="connsiteY39"/>
+              </a:cxn>
+              <a:cxn ang="0">
+                <a:pos x="connsiteX40" y="connsiteY40"/>
+              </a:cxn>
+              <a:cxn ang="0">
+                <a:pos x="connsiteX41" y="connsiteY41"/>
+              </a:cxn>
+              <a:cxn ang="0">
+                <a:pos x="connsiteX42" y="connsiteY42"/>
+              </a:cxn>
+              <a:cxn ang="0">
+                <a:pos x="connsiteX43" y="connsiteY43"/>
+              </a:cxn>
+              <a:cxn ang="0">
+                <a:pos x="connsiteX44" y="connsiteY44"/>
+              </a:cxn>
+              <a:cxn ang="0">
+                <a:pos x="connsiteX45" y="connsiteY45"/>
+              </a:cxn>
+              <a:cxn ang="0">
+                <a:pos x="connsiteX46" y="connsiteY46"/>
+              </a:cxn>
+              <a:cxn ang="0">
+                <a:pos x="connsiteX47" y="connsiteY47"/>
+              </a:cxn>
+              <a:cxn ang="0">
+                <a:pos x="connsiteX48" y="connsiteY48"/>
+              </a:cxn>
+              <a:cxn ang="0">
+                <a:pos x="connsiteX49" y="connsiteY49"/>
+              </a:cxn>
+              <a:cxn ang="0">
+                <a:pos x="connsiteX50" y="connsiteY50"/>
+              </a:cxn>
+              <a:cxn ang="0">
+                <a:pos x="connsiteX51" y="connsiteY51"/>
+              </a:cxn>
+              <a:cxn ang="0">
+                <a:pos x="connsiteX52" y="connsiteY52"/>
+              </a:cxn>
+              <a:cxn ang="0">
+                <a:pos x="connsiteX53" y="connsiteY53"/>
+              </a:cxn>
+              <a:cxn ang="0">
+                <a:pos x="connsiteX54" y="connsiteY54"/>
+              </a:cxn>
+              <a:cxn ang="0">
+                <a:pos x="connsiteX55" y="connsiteY55"/>
+              </a:cxn>
+              <a:cxn ang="0">
+                <a:pos x="connsiteX56" y="connsiteY56"/>
+              </a:cxn>
+              <a:cxn ang="0">
+                <a:pos x="connsiteX57" y="connsiteY57"/>
+              </a:cxn>
+              <a:cxn ang="0">
+                <a:pos x="connsiteX58" y="connsiteY58"/>
+              </a:cxn>
+              <a:cxn ang="0">
+                <a:pos x="connsiteX59" y="connsiteY59"/>
+              </a:cxn>
+              <a:cxn ang="0">
+                <a:pos x="connsiteX60" y="connsiteY60"/>
+              </a:cxn>
+            </a:cxnLst>
+            <a:rect l="l" t="t" r="r" b="b"/>
+            <a:pathLst>
+              <a:path w="8029575" h="1876425">
+                <a:moveTo>
+                  <a:pt x="200025" y="200025"/>
+                </a:moveTo>
+                <a:lnTo>
+                  <a:pt x="85725" y="0"/>
+                </a:lnTo>
+                <a:lnTo>
+                  <a:pt x="66675" y="219075"/>
+                </a:lnTo>
+                <a:lnTo>
+                  <a:pt x="0" y="381000"/>
+                </a:lnTo>
+                <a:lnTo>
+                  <a:pt x="28575" y="571500"/>
+                </a:lnTo>
+                <a:lnTo>
+                  <a:pt x="9525" y="838200"/>
+                </a:lnTo>
+                <a:lnTo>
+                  <a:pt x="28575" y="1019175"/>
+                </a:lnTo>
+                <a:lnTo>
+                  <a:pt x="38100" y="1104900"/>
+                </a:lnTo>
+                <a:lnTo>
+                  <a:pt x="38100" y="1200150"/>
+                </a:lnTo>
+                <a:lnTo>
+                  <a:pt x="19050" y="1371600"/>
+                </a:lnTo>
+                <a:lnTo>
+                  <a:pt x="19050" y="1514475"/>
+                </a:lnTo>
+                <a:lnTo>
+                  <a:pt x="76200" y="1685925"/>
+                </a:lnTo>
+                <a:lnTo>
+                  <a:pt x="95250" y="1838325"/>
+                </a:lnTo>
+                <a:lnTo>
+                  <a:pt x="342900" y="1866900"/>
+                </a:lnTo>
+                <a:lnTo>
+                  <a:pt x="476250" y="1819275"/>
+                </a:lnTo>
+                <a:lnTo>
+                  <a:pt x="571500" y="1809750"/>
+                </a:lnTo>
+                <a:lnTo>
+                  <a:pt x="828675" y="1819275"/>
+                </a:lnTo>
+                <a:lnTo>
+                  <a:pt x="1114425" y="1876425"/>
+                </a:lnTo>
+                <a:lnTo>
+                  <a:pt x="1323975" y="1809750"/>
+                </a:lnTo>
+                <a:lnTo>
+                  <a:pt x="1619250" y="1790700"/>
+                </a:lnTo>
+                <a:lnTo>
+                  <a:pt x="1866900" y="1790700"/>
+                </a:lnTo>
+                <a:lnTo>
+                  <a:pt x="2133600" y="1752600"/>
+                </a:lnTo>
+                <a:lnTo>
+                  <a:pt x="2352675" y="1743075"/>
+                </a:lnTo>
+                <a:lnTo>
+                  <a:pt x="2476500" y="1733550"/>
+                </a:lnTo>
+                <a:lnTo>
+                  <a:pt x="2619375" y="1724025"/>
+                </a:lnTo>
+                <a:lnTo>
+                  <a:pt x="2771775" y="1733550"/>
+                </a:lnTo>
+                <a:lnTo>
+                  <a:pt x="2867025" y="1800225"/>
+                </a:lnTo>
+                <a:lnTo>
+                  <a:pt x="3105150" y="1838325"/>
+                </a:lnTo>
+                <a:lnTo>
+                  <a:pt x="3371850" y="1809750"/>
+                </a:lnTo>
+                <a:lnTo>
+                  <a:pt x="3638550" y="1781175"/>
+                </a:lnTo>
+                <a:lnTo>
+                  <a:pt x="3886200" y="1762125"/>
+                </a:lnTo>
+                <a:lnTo>
+                  <a:pt x="4000500" y="1752600"/>
+                </a:lnTo>
+                <a:lnTo>
+                  <a:pt x="4248150" y="1790700"/>
+                </a:lnTo>
+                <a:lnTo>
+                  <a:pt x="4362450" y="1819275"/>
+                </a:lnTo>
+                <a:lnTo>
+                  <a:pt x="4476750" y="1809750"/>
+                </a:lnTo>
+                <a:lnTo>
+                  <a:pt x="4762500" y="1790700"/>
+                </a:lnTo>
+                <a:lnTo>
+                  <a:pt x="4991100" y="1790700"/>
+                </a:lnTo>
+                <a:lnTo>
+                  <a:pt x="5229225" y="1809750"/>
+                </a:lnTo>
+                <a:lnTo>
+                  <a:pt x="5457825" y="1819275"/>
+                </a:lnTo>
+                <a:lnTo>
+                  <a:pt x="5715000" y="1743075"/>
+                </a:lnTo>
+                <a:lnTo>
+                  <a:pt x="5924550" y="1771650"/>
+                </a:lnTo>
+                <a:lnTo>
+                  <a:pt x="6076950" y="1752600"/>
+                </a:lnTo>
+                <a:lnTo>
+                  <a:pt x="6372225" y="1781175"/>
+                </a:lnTo>
+                <a:lnTo>
+                  <a:pt x="6677025" y="1790700"/>
+                </a:lnTo>
+                <a:lnTo>
+                  <a:pt x="7038975" y="1819275"/>
+                </a:lnTo>
+                <a:lnTo>
+                  <a:pt x="7286625" y="1828800"/>
+                </a:lnTo>
+                <a:lnTo>
+                  <a:pt x="7553325" y="1819275"/>
+                </a:lnTo>
+                <a:lnTo>
+                  <a:pt x="7886700" y="1809750"/>
+                </a:lnTo>
+                <a:lnTo>
+                  <a:pt x="7934325" y="1771650"/>
+                </a:lnTo>
+                <a:lnTo>
+                  <a:pt x="8029575" y="1543050"/>
+                </a:lnTo>
+                <a:lnTo>
+                  <a:pt x="8001000" y="1314450"/>
+                </a:lnTo>
+                <a:lnTo>
+                  <a:pt x="7972425" y="1009650"/>
+                </a:lnTo>
+                <a:lnTo>
+                  <a:pt x="7981950" y="828675"/>
+                </a:lnTo>
+                <a:lnTo>
+                  <a:pt x="7924800" y="752475"/>
+                </a:lnTo>
+                <a:lnTo>
+                  <a:pt x="7943850" y="419100"/>
+                </a:lnTo>
+                <a:lnTo>
+                  <a:pt x="7934325" y="180975"/>
+                </a:lnTo>
+                <a:lnTo>
+                  <a:pt x="8001000" y="57150"/>
+                </a:lnTo>
+                <a:lnTo>
+                  <a:pt x="7791450" y="180975"/>
+                </a:lnTo>
+                <a:lnTo>
+                  <a:pt x="7791450" y="1619250"/>
+                </a:lnTo>
+                <a:lnTo>
+                  <a:pt x="219075" y="1609725"/>
+                </a:lnTo>
+                <a:lnTo>
+                  <a:pt x="200025" y="200025"/>
+                </a:lnTo>
+                <a:close/>
+              </a:path>
+            </a:pathLst>
+          </a:custGeom>
+          <a:solidFill>
+            <a:srgbClr val="6E3B08"/>
+          </a:solidFill>
+          <a:ln>
+            <a:noFill/>
+          </a:ln>
+        </p:spPr>
+        <p:style>
+          <a:lnRef idx="2">
+            <a:schemeClr val="accent1">
+              <a:shade val="50000"/>
+            </a:schemeClr>
+          </a:lnRef>
+          <a:fillRef idx="1">
+            <a:schemeClr val="accent1"/>
+          </a:fillRef>
+          <a:effectRef idx="0">
+            <a:schemeClr val="accent1"/>
+          </a:effectRef>
+          <a:fontRef idx="minor">
+            <a:schemeClr val="lt1"/>
+          </a:fontRef>
+        </p:style>
+        <p:txBody>
+          <a:bodyPr rtlCol="0" anchor="ctr"/>
+          <a:lstStyle/>
+          <a:p>
+            <a:pPr algn="ctr"/>
+            <a:endParaRPr lang="en-US"/>
+          </a:p>
+        </p:txBody>
+      </p:sp>
+      <p:sp>
+        <p:nvSpPr>
+          <p:cNvPr id="2" name="Freeform: Shape 1">
+            <a:extLst>
+              <a:ext uri="{FF2B5EF4-FFF2-40B4-BE49-F238E27FC236}">
+                <a16:creationId xmlns:a16="http://schemas.microsoft.com/office/drawing/2014/main" id="{AC846389-A142-4413-8FF0-C85785CDD765}"/>
+              </a:ext>
+            </a:extLst>
+          </p:cNvPr>
+          <p:cNvSpPr/>
+          <p:nvPr/>
+        </p:nvSpPr>
+        <p:spPr>
+          <a:xfrm>
+            <a:off x="5005488" y="161925"/>
+            <a:ext cx="4202885" cy="2650921"/>
+          </a:xfrm>
+          <a:custGeom>
+            <a:avLst/>
+            <a:gdLst>
+              <a:gd name="connsiteX0" fmla="*/ 60960 w 5753100"/>
+              <a:gd name="connsiteY0" fmla="*/ 144780 h 4130040"/>
+              <a:gd name="connsiteX1" fmla="*/ 38100 w 5753100"/>
+              <a:gd name="connsiteY1" fmla="*/ 289560 h 4130040"/>
+              <a:gd name="connsiteX2" fmla="*/ 15240 w 5753100"/>
+              <a:gd name="connsiteY2" fmla="*/ 449580 h 4130040"/>
+              <a:gd name="connsiteX3" fmla="*/ 0 w 5753100"/>
+              <a:gd name="connsiteY3" fmla="*/ 716280 h 4130040"/>
+              <a:gd name="connsiteX4" fmla="*/ 7620 w 5753100"/>
+              <a:gd name="connsiteY4" fmla="*/ 967740 h 4130040"/>
+              <a:gd name="connsiteX5" fmla="*/ 22860 w 5753100"/>
+              <a:gd name="connsiteY5" fmla="*/ 1066800 h 4130040"/>
+              <a:gd name="connsiteX6" fmla="*/ 30480 w 5753100"/>
+              <a:gd name="connsiteY6" fmla="*/ 1455420 h 4130040"/>
+              <a:gd name="connsiteX7" fmla="*/ 0 w 5753100"/>
+              <a:gd name="connsiteY7" fmla="*/ 1661160 h 4130040"/>
+              <a:gd name="connsiteX8" fmla="*/ 0 w 5753100"/>
+              <a:gd name="connsiteY8" fmla="*/ 1897380 h 4130040"/>
+              <a:gd name="connsiteX9" fmla="*/ 0 w 5753100"/>
+              <a:gd name="connsiteY9" fmla="*/ 1988820 h 4130040"/>
+              <a:gd name="connsiteX10" fmla="*/ 45720 w 5753100"/>
+              <a:gd name="connsiteY10" fmla="*/ 2286000 h 4130040"/>
+              <a:gd name="connsiteX11" fmla="*/ 76200 w 5753100"/>
+              <a:gd name="connsiteY11" fmla="*/ 2377440 h 4130040"/>
+              <a:gd name="connsiteX12" fmla="*/ 114300 w 5753100"/>
+              <a:gd name="connsiteY12" fmla="*/ 2758440 h 4130040"/>
+              <a:gd name="connsiteX13" fmla="*/ 121920 w 5753100"/>
+              <a:gd name="connsiteY13" fmla="*/ 2834640 h 4130040"/>
+              <a:gd name="connsiteX14" fmla="*/ 91440 w 5753100"/>
+              <a:gd name="connsiteY14" fmla="*/ 2994660 h 4130040"/>
+              <a:gd name="connsiteX15" fmla="*/ 83820 w 5753100"/>
+              <a:gd name="connsiteY15" fmla="*/ 3093720 h 4130040"/>
+              <a:gd name="connsiteX16" fmla="*/ 68580 w 5753100"/>
+              <a:gd name="connsiteY16" fmla="*/ 3299460 h 4130040"/>
+              <a:gd name="connsiteX17" fmla="*/ 38100 w 5753100"/>
+              <a:gd name="connsiteY17" fmla="*/ 3497580 h 4130040"/>
+              <a:gd name="connsiteX18" fmla="*/ 60960 w 5753100"/>
+              <a:gd name="connsiteY18" fmla="*/ 3764280 h 4130040"/>
+              <a:gd name="connsiteX19" fmla="*/ 320040 w 5753100"/>
+              <a:gd name="connsiteY19" fmla="*/ 3832860 h 4130040"/>
+              <a:gd name="connsiteX20" fmla="*/ 769620 w 5753100"/>
+              <a:gd name="connsiteY20" fmla="*/ 4076700 h 4130040"/>
+              <a:gd name="connsiteX21" fmla="*/ 1021080 w 5753100"/>
+              <a:gd name="connsiteY21" fmla="*/ 4091940 h 4130040"/>
+              <a:gd name="connsiteX22" fmla="*/ 1264920 w 5753100"/>
+              <a:gd name="connsiteY22" fmla="*/ 4091940 h 4130040"/>
+              <a:gd name="connsiteX23" fmla="*/ 1371600 w 5753100"/>
+              <a:gd name="connsiteY23" fmla="*/ 4091940 h 4130040"/>
+              <a:gd name="connsiteX24" fmla="*/ 1577340 w 5753100"/>
+              <a:gd name="connsiteY24" fmla="*/ 4091940 h 4130040"/>
+              <a:gd name="connsiteX25" fmla="*/ 1950720 w 5753100"/>
+              <a:gd name="connsiteY25" fmla="*/ 4046220 h 4130040"/>
+              <a:gd name="connsiteX26" fmla="*/ 2034540 w 5753100"/>
+              <a:gd name="connsiteY26" fmla="*/ 4015740 h 4130040"/>
+              <a:gd name="connsiteX27" fmla="*/ 2225040 w 5753100"/>
+              <a:gd name="connsiteY27" fmla="*/ 3970020 h 4130040"/>
+              <a:gd name="connsiteX28" fmla="*/ 2293620 w 5753100"/>
+              <a:gd name="connsiteY28" fmla="*/ 3962400 h 4130040"/>
+              <a:gd name="connsiteX29" fmla="*/ 2537460 w 5753100"/>
+              <a:gd name="connsiteY29" fmla="*/ 3992880 h 4130040"/>
+              <a:gd name="connsiteX30" fmla="*/ 2628900 w 5753100"/>
+              <a:gd name="connsiteY30" fmla="*/ 4008120 h 4130040"/>
+              <a:gd name="connsiteX31" fmla="*/ 2766060 w 5753100"/>
+              <a:gd name="connsiteY31" fmla="*/ 4046220 h 4130040"/>
+              <a:gd name="connsiteX32" fmla="*/ 2941320 w 5753100"/>
+              <a:gd name="connsiteY32" fmla="*/ 4091940 h 4130040"/>
+              <a:gd name="connsiteX33" fmla="*/ 3078480 w 5753100"/>
+              <a:gd name="connsiteY33" fmla="*/ 4122420 h 4130040"/>
+              <a:gd name="connsiteX34" fmla="*/ 3246120 w 5753100"/>
+              <a:gd name="connsiteY34" fmla="*/ 4130040 h 4130040"/>
+              <a:gd name="connsiteX35" fmla="*/ 3360420 w 5753100"/>
+              <a:gd name="connsiteY35" fmla="*/ 4130040 h 4130040"/>
+              <a:gd name="connsiteX36" fmla="*/ 3596640 w 5753100"/>
+              <a:gd name="connsiteY36" fmla="*/ 4122420 h 4130040"/>
+              <a:gd name="connsiteX37" fmla="*/ 3733800 w 5753100"/>
+              <a:gd name="connsiteY37" fmla="*/ 4122420 h 4130040"/>
+              <a:gd name="connsiteX38" fmla="*/ 3870960 w 5753100"/>
+              <a:gd name="connsiteY38" fmla="*/ 4099560 h 4130040"/>
+              <a:gd name="connsiteX39" fmla="*/ 4000500 w 5753100"/>
+              <a:gd name="connsiteY39" fmla="*/ 4076700 h 4130040"/>
+              <a:gd name="connsiteX40" fmla="*/ 4145280 w 5753100"/>
+              <a:gd name="connsiteY40" fmla="*/ 4038600 h 4130040"/>
+              <a:gd name="connsiteX41" fmla="*/ 4335780 w 5753100"/>
+              <a:gd name="connsiteY41" fmla="*/ 3985260 h 4130040"/>
+              <a:gd name="connsiteX42" fmla="*/ 4434840 w 5753100"/>
+              <a:gd name="connsiteY42" fmla="*/ 3992880 h 4130040"/>
+              <a:gd name="connsiteX43" fmla="*/ 4587240 w 5753100"/>
+              <a:gd name="connsiteY43" fmla="*/ 4008120 h 4130040"/>
+              <a:gd name="connsiteX44" fmla="*/ 4785360 w 5753100"/>
+              <a:gd name="connsiteY44" fmla="*/ 4015740 h 4130040"/>
+              <a:gd name="connsiteX45" fmla="*/ 4922520 w 5753100"/>
+              <a:gd name="connsiteY45" fmla="*/ 4000500 h 4130040"/>
+              <a:gd name="connsiteX46" fmla="*/ 5082540 w 5753100"/>
+              <a:gd name="connsiteY46" fmla="*/ 3992880 h 4130040"/>
+              <a:gd name="connsiteX47" fmla="*/ 5257800 w 5753100"/>
+              <a:gd name="connsiteY47" fmla="*/ 3962400 h 4130040"/>
+              <a:gd name="connsiteX48" fmla="*/ 5547360 w 5753100"/>
+              <a:gd name="connsiteY48" fmla="*/ 3832860 h 4130040"/>
+              <a:gd name="connsiteX49" fmla="*/ 5699760 w 5753100"/>
+              <a:gd name="connsiteY49" fmla="*/ 3680460 h 4130040"/>
+              <a:gd name="connsiteX50" fmla="*/ 5730240 w 5753100"/>
+              <a:gd name="connsiteY50" fmla="*/ 3619500 h 4130040"/>
+              <a:gd name="connsiteX51" fmla="*/ 5737860 w 5753100"/>
+              <a:gd name="connsiteY51" fmla="*/ 3543300 h 4130040"/>
+              <a:gd name="connsiteX52" fmla="*/ 5745480 w 5753100"/>
+              <a:gd name="connsiteY52" fmla="*/ 3474720 h 4130040"/>
+              <a:gd name="connsiteX53" fmla="*/ 5753100 w 5753100"/>
+              <a:gd name="connsiteY53" fmla="*/ 3284220 h 4130040"/>
+              <a:gd name="connsiteX54" fmla="*/ 5745480 w 5753100"/>
+              <a:gd name="connsiteY54" fmla="*/ 3116580 h 4130040"/>
+              <a:gd name="connsiteX55" fmla="*/ 5722620 w 5753100"/>
+              <a:gd name="connsiteY55" fmla="*/ 3002280 h 4130040"/>
+              <a:gd name="connsiteX56" fmla="*/ 5669280 w 5753100"/>
+              <a:gd name="connsiteY56" fmla="*/ 2796540 h 4130040"/>
+              <a:gd name="connsiteX57" fmla="*/ 5631180 w 5753100"/>
+              <a:gd name="connsiteY57" fmla="*/ 2354580 h 4130040"/>
+              <a:gd name="connsiteX58" fmla="*/ 5631180 w 5753100"/>
+              <a:gd name="connsiteY58" fmla="*/ 2202180 h 4130040"/>
+              <a:gd name="connsiteX59" fmla="*/ 5646420 w 5753100"/>
+              <a:gd name="connsiteY59" fmla="*/ 2118360 h 4130040"/>
+              <a:gd name="connsiteX60" fmla="*/ 5676900 w 5753100"/>
+              <a:gd name="connsiteY60" fmla="*/ 1996440 h 4130040"/>
+              <a:gd name="connsiteX61" fmla="*/ 5692140 w 5753100"/>
+              <a:gd name="connsiteY61" fmla="*/ 1905000 h 4130040"/>
+              <a:gd name="connsiteX62" fmla="*/ 5715000 w 5753100"/>
+              <a:gd name="connsiteY62" fmla="*/ 1783080 h 4130040"/>
+              <a:gd name="connsiteX63" fmla="*/ 5715000 w 5753100"/>
+              <a:gd name="connsiteY63" fmla="*/ 1348740 h 4130040"/>
+              <a:gd name="connsiteX64" fmla="*/ 5676900 w 5753100"/>
+              <a:gd name="connsiteY64" fmla="*/ 1272540 h 4130040"/>
+              <a:gd name="connsiteX65" fmla="*/ 5646420 w 5753100"/>
+              <a:gd name="connsiteY65" fmla="*/ 1242060 h 4130040"/>
+              <a:gd name="connsiteX66" fmla="*/ 5615940 w 5753100"/>
+              <a:gd name="connsiteY66" fmla="*/ 990600 h 4130040"/>
+              <a:gd name="connsiteX67" fmla="*/ 5615940 w 5753100"/>
+              <a:gd name="connsiteY67" fmla="*/ 693420 h 4130040"/>
+              <a:gd name="connsiteX68" fmla="*/ 5608320 w 5753100"/>
+              <a:gd name="connsiteY68" fmla="*/ 518160 h 4130040"/>
+              <a:gd name="connsiteX69" fmla="*/ 5684520 w 5753100"/>
+              <a:gd name="connsiteY69" fmla="*/ 0 h 4130040"/>
+              <a:gd name="connsiteX70" fmla="*/ 5090160 w 5753100"/>
+              <a:gd name="connsiteY70" fmla="*/ 464820 h 4130040"/>
+              <a:gd name="connsiteX71" fmla="*/ 5097780 w 5753100"/>
+              <a:gd name="connsiteY71" fmla="*/ 3368040 h 4130040"/>
+              <a:gd name="connsiteX72" fmla="*/ 632460 w 5753100"/>
+              <a:gd name="connsiteY72" fmla="*/ 3368040 h 4130040"/>
+              <a:gd name="connsiteX73" fmla="*/ 632460 w 5753100"/>
+              <a:gd name="connsiteY73" fmla="*/ 472440 h 4130040"/>
+              <a:gd name="connsiteX74" fmla="*/ 60960 w 5753100"/>
+              <a:gd name="connsiteY74" fmla="*/ 144780 h 4130040"/>
+            </a:gdLst>
+            <a:ahLst/>
+            <a:cxnLst>
+              <a:cxn ang="0">
+                <a:pos x="connsiteX0" y="connsiteY0"/>
+              </a:cxn>
+              <a:cxn ang="0">
+                <a:pos x="connsiteX1" y="connsiteY1"/>
+              </a:cxn>
+              <a:cxn ang="0">
+                <a:pos x="connsiteX2" y="connsiteY2"/>
+              </a:cxn>
+              <a:cxn ang="0">
+                <a:pos x="connsiteX3" y="connsiteY3"/>
+              </a:cxn>
+              <a:cxn ang="0">
+                <a:pos x="connsiteX4" y="connsiteY4"/>
+              </a:cxn>
+              <a:cxn ang="0">
+                <a:pos x="connsiteX5" y="connsiteY5"/>
+              </a:cxn>
+              <a:cxn ang="0">
+                <a:pos x="connsiteX6" y="connsiteY6"/>
+              </a:cxn>
+              <a:cxn ang="0">
+                <a:pos x="connsiteX7" y="connsiteY7"/>
+              </a:cxn>
+              <a:cxn ang="0">
+                <a:pos x="connsiteX8" y="connsiteY8"/>
+              </a:cxn>
+              <a:cxn ang="0">
+                <a:pos x="connsiteX9" y="connsiteY9"/>
+              </a:cxn>
+              <a:cxn ang="0">
+                <a:pos x="connsiteX10" y="connsiteY10"/>
+              </a:cxn>
+              <a:cxn ang="0">
+                <a:pos x="connsiteX11" y="connsiteY11"/>
+              </a:cxn>
+              <a:cxn ang="0">
+                <a:pos x="connsiteX12" y="connsiteY12"/>
+              </a:cxn>
+              <a:cxn ang="0">
+                <a:pos x="connsiteX13" y="connsiteY13"/>
+              </a:cxn>
+              <a:cxn ang="0">
+                <a:pos x="connsiteX14" y="connsiteY14"/>
+              </a:cxn>
+              <a:cxn ang="0">
+                <a:pos x="connsiteX15" y="connsiteY15"/>
+              </a:cxn>
+              <a:cxn ang="0">
+                <a:pos x="connsiteX16" y="connsiteY16"/>
+              </a:cxn>
+              <a:cxn ang="0">
+                <a:pos x="connsiteX17" y="connsiteY17"/>
+              </a:cxn>
+              <a:cxn ang="0">
+                <a:pos x="connsiteX18" y="connsiteY18"/>
+              </a:cxn>
+              <a:cxn ang="0">
+                <a:pos x="connsiteX19" y="connsiteY19"/>
+              </a:cxn>
+              <a:cxn ang="0">
+                <a:pos x="connsiteX20" y="connsiteY20"/>
+              </a:cxn>
+              <a:cxn ang="0">
+                <a:pos x="connsiteX21" y="connsiteY21"/>
+              </a:cxn>
+              <a:cxn ang="0">
+                <a:pos x="connsiteX22" y="connsiteY22"/>
+              </a:cxn>
+              <a:cxn ang="0">
+                <a:pos x="connsiteX23" y="connsiteY23"/>
+              </a:cxn>
+              <a:cxn ang="0">
+                <a:pos x="connsiteX24" y="connsiteY24"/>
+              </a:cxn>
+              <a:cxn ang="0">
+                <a:pos x="connsiteX25" y="connsiteY25"/>
+              </a:cxn>
+              <a:cxn ang="0">
+                <a:pos x="connsiteX26" y="connsiteY26"/>
+              </a:cxn>
+              <a:cxn ang="0">
+                <a:pos x="connsiteX27" y="connsiteY27"/>
+              </a:cxn>
+              <a:cxn ang="0">
+                <a:pos x="connsiteX28" y="connsiteY28"/>
+              </a:cxn>
+              <a:cxn ang="0">
+                <a:pos x="connsiteX29" y="connsiteY29"/>
+              </a:cxn>
+              <a:cxn ang="0">
+                <a:pos x="connsiteX30" y="connsiteY30"/>
+              </a:cxn>
+              <a:cxn ang="0">
+                <a:pos x="connsiteX31" y="connsiteY31"/>
+              </a:cxn>
+              <a:cxn ang="0">
+                <a:pos x="connsiteX32" y="connsiteY32"/>
+              </a:cxn>
+              <a:cxn ang="0">
+                <a:pos x="connsiteX33" y="connsiteY33"/>
+              </a:cxn>
+              <a:cxn ang="0">
+                <a:pos x="connsiteX34" y="connsiteY34"/>
+              </a:cxn>
+              <a:cxn ang="0">
+                <a:pos x="connsiteX35" y="connsiteY35"/>
+              </a:cxn>
+              <a:cxn ang="0">
+                <a:pos x="connsiteX36" y="connsiteY36"/>
+              </a:cxn>
+              <a:cxn ang="0">
+                <a:pos x="connsiteX37" y="connsiteY37"/>
+              </a:cxn>
+              <a:cxn ang="0">
+                <a:pos x="connsiteX38" y="connsiteY38"/>
+              </a:cxn>
+              <a:cxn ang="0">
+                <a:pos x="connsiteX39" y="connsiteY39"/>
+              </a:cxn>
+              <a:cxn ang="0">
+                <a:pos x="connsiteX40" y="connsiteY40"/>
+              </a:cxn>
+              <a:cxn ang="0">
+                <a:pos x="connsiteX41" y="connsiteY41"/>
+              </a:cxn>
+              <a:cxn ang="0">
+                <a:pos x="connsiteX42" y="connsiteY42"/>
+              </a:cxn>
+              <a:cxn ang="0">
+                <a:pos x="connsiteX43" y="connsiteY43"/>
+              </a:cxn>
+              <a:cxn ang="0">
+                <a:pos x="connsiteX44" y="connsiteY44"/>
+              </a:cxn>
+              <a:cxn ang="0">
+                <a:pos x="connsiteX45" y="connsiteY45"/>
+              </a:cxn>
+              <a:cxn ang="0">
+                <a:pos x="connsiteX46" y="connsiteY46"/>
+              </a:cxn>
+              <a:cxn ang="0">
+                <a:pos x="connsiteX47" y="connsiteY47"/>
+              </a:cxn>
+              <a:cxn ang="0">
+                <a:pos x="connsiteX48" y="connsiteY48"/>
+              </a:cxn>
+              <a:cxn ang="0">
+                <a:pos x="connsiteX49" y="connsiteY49"/>
+              </a:cxn>
+              <a:cxn ang="0">
+                <a:pos x="connsiteX50" y="connsiteY50"/>
+              </a:cxn>
+              <a:cxn ang="0">
+                <a:pos x="connsiteX51" y="connsiteY51"/>
+              </a:cxn>
+              <a:cxn ang="0">
+                <a:pos x="connsiteX52" y="connsiteY52"/>
+              </a:cxn>
+              <a:cxn ang="0">
+                <a:pos x="connsiteX53" y="connsiteY53"/>
+              </a:cxn>
+              <a:cxn ang="0">
+                <a:pos x="connsiteX54" y="connsiteY54"/>
+              </a:cxn>
+              <a:cxn ang="0">
+                <a:pos x="connsiteX55" y="connsiteY55"/>
+              </a:cxn>
+              <a:cxn ang="0">
+                <a:pos x="connsiteX56" y="connsiteY56"/>
+              </a:cxn>
+              <a:cxn ang="0">
+                <a:pos x="connsiteX57" y="connsiteY57"/>
+              </a:cxn>
+              <a:cxn ang="0">
+                <a:pos x="connsiteX58" y="connsiteY58"/>
+              </a:cxn>
+              <a:cxn ang="0">
+                <a:pos x="connsiteX59" y="connsiteY59"/>
+              </a:cxn>
+              <a:cxn ang="0">
+                <a:pos x="connsiteX60" y="connsiteY60"/>
+              </a:cxn>
+              <a:cxn ang="0">
+                <a:pos x="connsiteX61" y="connsiteY61"/>
+              </a:cxn>
+              <a:cxn ang="0">
+                <a:pos x="connsiteX62" y="connsiteY62"/>
+              </a:cxn>
+              <a:cxn ang="0">
+                <a:pos x="connsiteX63" y="connsiteY63"/>
+              </a:cxn>
+              <a:cxn ang="0">
+                <a:pos x="connsiteX64" y="connsiteY64"/>
+              </a:cxn>
+              <a:cxn ang="0">
+                <a:pos x="connsiteX65" y="connsiteY65"/>
+              </a:cxn>
+              <a:cxn ang="0">
+                <a:pos x="connsiteX66" y="connsiteY66"/>
+              </a:cxn>
+              <a:cxn ang="0">
+                <a:pos x="connsiteX67" y="connsiteY67"/>
+              </a:cxn>
+              <a:cxn ang="0">
+                <a:pos x="connsiteX68" y="connsiteY68"/>
+              </a:cxn>
+              <a:cxn ang="0">
+                <a:pos x="connsiteX69" y="connsiteY69"/>
+              </a:cxn>
+              <a:cxn ang="0">
+                <a:pos x="connsiteX70" y="connsiteY70"/>
+              </a:cxn>
+              <a:cxn ang="0">
+                <a:pos x="connsiteX71" y="connsiteY71"/>
+              </a:cxn>
+              <a:cxn ang="0">
+                <a:pos x="connsiteX72" y="connsiteY72"/>
+              </a:cxn>
+              <a:cxn ang="0">
+                <a:pos x="connsiteX73" y="connsiteY73"/>
+              </a:cxn>
+              <a:cxn ang="0">
+                <a:pos x="connsiteX74" y="connsiteY74"/>
+              </a:cxn>
+            </a:cxnLst>
+            <a:rect l="l" t="t" r="r" b="b"/>
+            <a:pathLst>
+              <a:path w="5753100" h="4130040">
+                <a:moveTo>
+                  <a:pt x="60960" y="144780"/>
+                </a:moveTo>
+                <a:lnTo>
+                  <a:pt x="38100" y="289560"/>
+                </a:lnTo>
+                <a:lnTo>
+                  <a:pt x="15240" y="449580"/>
+                </a:lnTo>
+                <a:lnTo>
+                  <a:pt x="0" y="716280"/>
+                </a:lnTo>
+                <a:lnTo>
+                  <a:pt x="7620" y="967740"/>
+                </a:lnTo>
+                <a:lnTo>
+                  <a:pt x="22860" y="1066800"/>
+                </a:lnTo>
+                <a:lnTo>
+                  <a:pt x="30480" y="1455420"/>
+                </a:lnTo>
+                <a:lnTo>
+                  <a:pt x="0" y="1661160"/>
+                </a:lnTo>
+                <a:lnTo>
+                  <a:pt x="0" y="1897380"/>
+                </a:lnTo>
+                <a:lnTo>
+                  <a:pt x="0" y="1988820"/>
+                </a:lnTo>
+                <a:lnTo>
+                  <a:pt x="45720" y="2286000"/>
+                </a:lnTo>
+                <a:cubicBezTo>
+                  <a:pt x="78087" y="2366917"/>
+                  <a:pt x="76200" y="2334843"/>
+                  <a:pt x="76200" y="2377440"/>
+                </a:cubicBezTo>
+                <a:lnTo>
+                  <a:pt x="114300" y="2758440"/>
+                </a:lnTo>
+                <a:cubicBezTo>
+                  <a:pt x="122200" y="2829544"/>
+                  <a:pt x="121920" y="2804019"/>
+                  <a:pt x="121920" y="2834640"/>
+                </a:cubicBezTo>
+                <a:lnTo>
+                  <a:pt x="91440" y="2994660"/>
+                </a:lnTo>
+                <a:cubicBezTo>
+                  <a:pt x="83062" y="3078442"/>
+                  <a:pt x="83820" y="3045333"/>
+                  <a:pt x="83820" y="3093720"/>
+                </a:cubicBezTo>
+                <a:lnTo>
+                  <a:pt x="68580" y="3299460"/>
+                </a:lnTo>
+                <a:lnTo>
+                  <a:pt x="38100" y="3497580"/>
+                </a:lnTo>
+                <a:lnTo>
+                  <a:pt x="60960" y="3764280"/>
+                </a:lnTo>
+                <a:lnTo>
+                  <a:pt x="320040" y="3832860"/>
+                </a:lnTo>
+                <a:lnTo>
+                  <a:pt x="769620" y="4076700"/>
+                </a:lnTo>
+                <a:lnTo>
+                  <a:pt x="1021080" y="4091940"/>
+                </a:lnTo>
+                <a:lnTo>
+                  <a:pt x="1264920" y="4091940"/>
+                </a:lnTo>
+                <a:lnTo>
+                  <a:pt x="1371600" y="4091940"/>
+                </a:lnTo>
+                <a:lnTo>
+                  <a:pt x="1577340" y="4091940"/>
+                </a:lnTo>
+                <a:lnTo>
+                  <a:pt x="1950720" y="4046220"/>
+                </a:lnTo>
+                <a:lnTo>
+                  <a:pt x="2034540" y="4015740"/>
+                </a:lnTo>
+                <a:lnTo>
+                  <a:pt x="2225040" y="3970020"/>
+                </a:lnTo>
+                <a:lnTo>
+                  <a:pt x="2293620" y="3962400"/>
+                </a:lnTo>
+                <a:lnTo>
+                  <a:pt x="2537460" y="3992880"/>
+                </a:lnTo>
+                <a:cubicBezTo>
+                  <a:pt x="2567940" y="3997960"/>
+                  <a:pt x="2598735" y="4001417"/>
+                  <a:pt x="2628900" y="4008120"/>
+                </a:cubicBezTo>
+                <a:cubicBezTo>
+                  <a:pt x="2702137" y="4024395"/>
+                  <a:pt x="2715738" y="4029446"/>
+                  <a:pt x="2766060" y="4046220"/>
+                </a:cubicBezTo>
+                <a:lnTo>
+                  <a:pt x="2941320" y="4091940"/>
+                </a:lnTo>
+                <a:lnTo>
+                  <a:pt x="3078480" y="4122420"/>
+                </a:lnTo>
+                <a:lnTo>
+                  <a:pt x="3246120" y="4130040"/>
+                </a:lnTo>
+                <a:lnTo>
+                  <a:pt x="3360420" y="4130040"/>
+                </a:lnTo>
+                <a:lnTo>
+                  <a:pt x="3596640" y="4122420"/>
+                </a:lnTo>
+                <a:lnTo>
+                  <a:pt x="3733800" y="4122420"/>
+                </a:lnTo>
+                <a:lnTo>
+                  <a:pt x="3870960" y="4099560"/>
+                </a:lnTo>
+                <a:cubicBezTo>
+                  <a:pt x="3990241" y="4075704"/>
+                  <a:pt x="3946405" y="4076700"/>
+                  <a:pt x="4000500" y="4076700"/>
+                </a:cubicBezTo>
+                <a:lnTo>
+                  <a:pt x="4145280" y="4038600"/>
+                </a:lnTo>
+                <a:lnTo>
+                  <a:pt x="4335780" y="3985260"/>
+                </a:lnTo>
+                <a:lnTo>
+                  <a:pt x="4434840" y="3992880"/>
+                </a:lnTo>
+                <a:lnTo>
+                  <a:pt x="4587240" y="4008120"/>
+                </a:lnTo>
+                <a:cubicBezTo>
+                  <a:pt x="4749775" y="4016674"/>
+                  <a:pt x="4683693" y="4015740"/>
+                  <a:pt x="4785360" y="4015740"/>
+                </a:cubicBezTo>
+                <a:lnTo>
+                  <a:pt x="4922520" y="4000500"/>
+                </a:lnTo>
+                <a:lnTo>
+                  <a:pt x="5082540" y="3992880"/>
+                </a:lnTo>
+                <a:lnTo>
+                  <a:pt x="5257800" y="3962400"/>
+                </a:lnTo>
+                <a:lnTo>
+                  <a:pt x="5547360" y="3832860"/>
+                </a:lnTo>
+                <a:lnTo>
+                  <a:pt x="5699760" y="3680460"/>
+                </a:lnTo>
+                <a:cubicBezTo>
+                  <a:pt x="5709920" y="3660140"/>
+                  <a:pt x="5724160" y="3641390"/>
+                  <a:pt x="5730240" y="3619500"/>
+                </a:cubicBezTo>
+                <a:cubicBezTo>
+                  <a:pt x="5737072" y="3594905"/>
+                  <a:pt x="5735188" y="3568686"/>
+                  <a:pt x="5737860" y="3543300"/>
+                </a:cubicBezTo>
+                <a:cubicBezTo>
+                  <a:pt x="5740268" y="3520426"/>
+                  <a:pt x="5742940" y="3497580"/>
+                  <a:pt x="5745480" y="3474720"/>
+                </a:cubicBezTo>
+                <a:lnTo>
+                  <a:pt x="5753100" y="3284220"/>
+                </a:lnTo>
+                <a:cubicBezTo>
+                  <a:pt x="5743727" y="3162367"/>
+                  <a:pt x="5745480" y="3218278"/>
+                  <a:pt x="5745480" y="3116580"/>
+                </a:cubicBezTo>
+                <a:lnTo>
+                  <a:pt x="5722620" y="3002280"/>
+                </a:lnTo>
+                <a:lnTo>
+                  <a:pt x="5669280" y="2796540"/>
+                </a:lnTo>
+                <a:lnTo>
+                  <a:pt x="5631180" y="2354580"/>
+                </a:lnTo>
+                <a:lnTo>
+                  <a:pt x="5631180" y="2202180"/>
+                </a:lnTo>
+                <a:lnTo>
+                  <a:pt x="5646420" y="2118360"/>
+                </a:lnTo>
+                <a:lnTo>
+                  <a:pt x="5676900" y="1996440"/>
+                </a:lnTo>
+                <a:cubicBezTo>
+                  <a:pt x="5681980" y="1965960"/>
+                  <a:pt x="5686305" y="1935344"/>
+                  <a:pt x="5692140" y="1905000"/>
+                </a:cubicBezTo>
+                <a:cubicBezTo>
+                  <a:pt x="5716064" y="1780593"/>
+                  <a:pt x="5715000" y="1836470"/>
+                  <a:pt x="5715000" y="1783080"/>
+                </a:cubicBezTo>
+                <a:lnTo>
+                  <a:pt x="5715000" y="1348740"/>
+                </a:lnTo>
+                <a:lnTo>
+                  <a:pt x="5676900" y="1272540"/>
+                </a:lnTo>
+                <a:lnTo>
+                  <a:pt x="5646420" y="1242060"/>
+                </a:lnTo>
+                <a:lnTo>
+                  <a:pt x="5615940" y="990600"/>
+                </a:lnTo>
+                <a:lnTo>
+                  <a:pt x="5615940" y="693420"/>
+                </a:lnTo>
+                <a:lnTo>
+                  <a:pt x="5608320" y="518160"/>
+                </a:lnTo>
+                <a:lnTo>
+                  <a:pt x="5684520" y="0"/>
+                </a:lnTo>
+                <a:lnTo>
+                  <a:pt x="5090160" y="464820"/>
+                </a:lnTo>
+                <a:lnTo>
+                  <a:pt x="5097780" y="3368040"/>
+                </a:lnTo>
+                <a:lnTo>
+                  <a:pt x="632460" y="3368040"/>
+                </a:lnTo>
+                <a:lnTo>
+                  <a:pt x="632460" y="472440"/>
+                </a:lnTo>
+                <a:lnTo>
+                  <a:pt x="60960" y="144780"/>
+                </a:lnTo>
+                <a:close/>
+              </a:path>
+            </a:pathLst>
+          </a:custGeom>
+          <a:solidFill>
+            <a:srgbClr val="6E3B08"/>
+          </a:solidFill>
+          <a:ln>
+            <a:noFill/>
+          </a:ln>
+        </p:spPr>
+        <p:style>
+          <a:lnRef idx="2">
+            <a:schemeClr val="accent1">
+              <a:shade val="50000"/>
+            </a:schemeClr>
+          </a:lnRef>
+          <a:fillRef idx="1">
+            <a:schemeClr val="accent1"/>
+          </a:fillRef>
+          <a:effectRef idx="0">
+            <a:schemeClr val="accent1"/>
+          </a:effectRef>
+          <a:fontRef idx="minor">
+            <a:schemeClr val="lt1"/>
+          </a:fontRef>
+        </p:style>
+        <p:txBody>
+          <a:bodyPr rtlCol="0" anchor="ctr"/>
+          <a:lstStyle/>
+          <a:p>
+            <a:pPr algn="ctr"/>
+            <a:endParaRPr lang="en-US"/>
+          </a:p>
+        </p:txBody>
+      </p:sp>
+      <p:sp>
+        <p:nvSpPr>
+          <p:cNvPr id="3" name="Rectangle 2">
+            <a:extLst>
+              <a:ext uri="{FF2B5EF4-FFF2-40B4-BE49-F238E27FC236}">
+                <a16:creationId xmlns:a16="http://schemas.microsoft.com/office/drawing/2014/main" id="{0183C9F1-10AF-438E-B5EE-E548CCAE8689}"/>
+              </a:ext>
+            </a:extLst>
+          </p:cNvPr>
+          <p:cNvSpPr/>
+          <p:nvPr/>
+        </p:nvSpPr>
+        <p:spPr>
+          <a:xfrm>
+            <a:off x="5474504" y="482804"/>
+            <a:ext cx="3264085" cy="1868647"/>
+          </a:xfrm>
+          <a:prstGeom prst="rect">
+            <a:avLst/>
+          </a:prstGeom>
+          <a:solidFill>
+            <a:schemeClr val="accent1">
+              <a:lumMod val="20000"/>
+              <a:lumOff val="80000"/>
+            </a:schemeClr>
+          </a:solidFill>
+          <a:ln w="28575"/>
+        </p:spPr>
+        <p:style>
+          <a:lnRef idx="2">
+            <a:schemeClr val="accent1">
+              <a:shade val="50000"/>
+            </a:schemeClr>
+          </a:lnRef>
+          <a:fillRef idx="1">
+            <a:schemeClr val="accent1"/>
+          </a:fillRef>
+          <a:effectRef idx="0">
+            <a:schemeClr val="accent1"/>
+          </a:effectRef>
+          <a:fontRef idx="minor">
+            <a:schemeClr val="lt1"/>
+          </a:fontRef>
+        </p:style>
+        <p:txBody>
+          <a:bodyPr rtlCol="0" anchor="ctr"/>
+          <a:lstStyle/>
+          <a:p>
+            <a:pPr algn="ctr"/>
+            <a:endParaRPr lang="en-US"/>
+          </a:p>
+        </p:txBody>
+      </p:sp>
+      <p:sp>
+        <p:nvSpPr>
+          <p:cNvPr id="4" name="Isosceles Triangle 3">
+            <a:extLst>
+              <a:ext uri="{FF2B5EF4-FFF2-40B4-BE49-F238E27FC236}">
+                <a16:creationId xmlns:a16="http://schemas.microsoft.com/office/drawing/2014/main" id="{E20A637B-F31A-4897-99A5-92FC3C33ACC4}"/>
+              </a:ext>
+            </a:extLst>
+          </p:cNvPr>
+          <p:cNvSpPr/>
+          <p:nvPr/>
+        </p:nvSpPr>
+        <p:spPr>
+          <a:xfrm rot="10800000">
+            <a:off x="7068796" y="248488"/>
+            <a:ext cx="198120" cy="243840"/>
+          </a:xfrm>
+          <a:prstGeom prst="triangle">
+            <a:avLst/>
+          </a:prstGeom>
+          <a:solidFill>
+            <a:schemeClr val="tx1"/>
+          </a:solidFill>
+          <a:ln>
+            <a:noFill/>
+          </a:ln>
+        </p:spPr>
+        <p:style>
+          <a:lnRef idx="2">
+            <a:schemeClr val="accent1">
+              <a:shade val="50000"/>
+            </a:schemeClr>
+          </a:lnRef>
+          <a:fillRef idx="1">
+            <a:schemeClr val="accent1"/>
+          </a:fillRef>
+          <a:effectRef idx="0">
+            <a:schemeClr val="accent1"/>
+          </a:effectRef>
+          <a:fontRef idx="minor">
+            <a:schemeClr val="lt1"/>
+          </a:fontRef>
+        </p:style>
+        <p:txBody>
+          <a:bodyPr rtlCol="0" anchor="ctr"/>
+          <a:lstStyle/>
+          <a:p>
+            <a:pPr algn="ctr"/>
+            <a:endParaRPr lang="en-US"/>
+          </a:p>
+        </p:txBody>
+      </p:sp>
+      <p:cxnSp>
+        <p:nvCxnSpPr>
+          <p:cNvPr id="5" name="Straight Connector 4">
+            <a:extLst>
+              <a:ext uri="{FF2B5EF4-FFF2-40B4-BE49-F238E27FC236}">
+                <a16:creationId xmlns:a16="http://schemas.microsoft.com/office/drawing/2014/main" id="{027AB4B1-E686-49F8-A26C-207FBF5680D5}"/>
+              </a:ext>
+            </a:extLst>
+          </p:cNvPr>
+          <p:cNvCxnSpPr>
+            <a:cxnSpLocks/>
+          </p:cNvCxnSpPr>
+          <p:nvPr/>
+        </p:nvCxnSpPr>
+        <p:spPr>
+          <a:xfrm>
+            <a:off x="7036412" y="583069"/>
+            <a:ext cx="285750" cy="0"/>
+          </a:xfrm>
+          <a:prstGeom prst="line">
+            <a:avLst/>
+          </a:prstGeom>
+          <a:ln w="38100">
+            <a:solidFill>
+              <a:schemeClr val="tx1"/>
+            </a:solidFill>
+          </a:ln>
+        </p:spPr>
+        <p:style>
+          <a:lnRef idx="1">
+            <a:schemeClr val="accent1"/>
+          </a:lnRef>
+          <a:fillRef idx="0">
+            <a:schemeClr val="accent1"/>
+          </a:fillRef>
+          <a:effectRef idx="0">
+            <a:schemeClr val="accent1"/>
+          </a:effectRef>
+          <a:fontRef idx="minor">
+            <a:schemeClr val="tx1"/>
+          </a:fontRef>
+        </p:style>
+      </p:cxnSp>
+      <p:sp>
+        <p:nvSpPr>
+          <p:cNvPr id="9" name="Rectangle 8">
+            <a:extLst>
+              <a:ext uri="{FF2B5EF4-FFF2-40B4-BE49-F238E27FC236}">
+                <a16:creationId xmlns:a16="http://schemas.microsoft.com/office/drawing/2014/main" id="{2BDC048E-E65A-4BC1-B80C-A2DF61EB7852}"/>
+              </a:ext>
+            </a:extLst>
+          </p:cNvPr>
+          <p:cNvSpPr/>
+          <p:nvPr/>
+        </p:nvSpPr>
+        <p:spPr>
+          <a:xfrm>
+            <a:off x="3320554" y="3978260"/>
+            <a:ext cx="7595533" cy="1447101"/>
+          </a:xfrm>
+          <a:prstGeom prst="rect">
+            <a:avLst/>
+          </a:prstGeom>
+          <a:solidFill>
+            <a:schemeClr val="accent1">
+              <a:lumMod val="20000"/>
+              <a:lumOff val="80000"/>
+            </a:schemeClr>
+          </a:solidFill>
+          <a:ln w="28575"/>
+        </p:spPr>
+        <p:style>
+          <a:lnRef idx="2">
+            <a:schemeClr val="accent1">
+              <a:shade val="50000"/>
+            </a:schemeClr>
+          </a:lnRef>
+          <a:fillRef idx="1">
+            <a:schemeClr val="accent1"/>
+          </a:fillRef>
+          <a:effectRef idx="0">
+            <a:schemeClr val="accent1"/>
+          </a:effectRef>
+          <a:fontRef idx="minor">
+            <a:schemeClr val="lt1"/>
+          </a:fontRef>
+        </p:style>
+        <p:txBody>
+          <a:bodyPr rtlCol="0" anchor="ctr"/>
+          <a:lstStyle/>
+          <a:p>
+            <a:pPr algn="ctr"/>
+            <a:endParaRPr lang="en-US"/>
+          </a:p>
+        </p:txBody>
+      </p:sp>
+      <p:sp>
+        <p:nvSpPr>
+          <p:cNvPr id="10" name="Isosceles Triangle 9">
+            <a:extLst>
+              <a:ext uri="{FF2B5EF4-FFF2-40B4-BE49-F238E27FC236}">
+                <a16:creationId xmlns:a16="http://schemas.microsoft.com/office/drawing/2014/main" id="{DC4FF99B-B030-4082-BEE4-3E9A2B7296F7}"/>
+              </a:ext>
+            </a:extLst>
+          </p:cNvPr>
+          <p:cNvSpPr/>
+          <p:nvPr/>
+        </p:nvSpPr>
+        <p:spPr>
+          <a:xfrm rot="10800000">
+            <a:off x="7019260" y="3734420"/>
+            <a:ext cx="198120" cy="243840"/>
+          </a:xfrm>
+          <a:prstGeom prst="triangle">
+            <a:avLst/>
+          </a:prstGeom>
+          <a:solidFill>
+            <a:schemeClr val="tx1"/>
+          </a:solidFill>
+          <a:ln>
+            <a:noFill/>
+          </a:ln>
+        </p:spPr>
+        <p:style>
+          <a:lnRef idx="2">
+            <a:schemeClr val="accent1">
+              <a:shade val="50000"/>
+            </a:schemeClr>
+          </a:lnRef>
+          <a:fillRef idx="1">
+            <a:schemeClr val="accent1"/>
+          </a:fillRef>
+          <a:effectRef idx="0">
+            <a:schemeClr val="accent1"/>
+          </a:effectRef>
+          <a:fontRef idx="minor">
+            <a:schemeClr val="lt1"/>
+          </a:fontRef>
+        </p:style>
+        <p:txBody>
+          <a:bodyPr rtlCol="0" anchor="ctr"/>
+          <a:lstStyle/>
+          <a:p>
+            <a:pPr algn="ctr"/>
+            <a:endParaRPr lang="en-US"/>
+          </a:p>
+        </p:txBody>
+      </p:sp>
+      <p:cxnSp>
+        <p:nvCxnSpPr>
+          <p:cNvPr id="11" name="Straight Connector 10">
+            <a:extLst>
+              <a:ext uri="{FF2B5EF4-FFF2-40B4-BE49-F238E27FC236}">
+                <a16:creationId xmlns:a16="http://schemas.microsoft.com/office/drawing/2014/main" id="{069EA353-72B9-45B0-BB4C-CEE09E03217A}"/>
+              </a:ext>
+            </a:extLst>
+          </p:cNvPr>
+          <p:cNvCxnSpPr>
+            <a:cxnSpLocks/>
+          </p:cNvCxnSpPr>
+          <p:nvPr/>
+        </p:nvCxnSpPr>
+        <p:spPr>
+          <a:xfrm>
+            <a:off x="6986876" y="4069001"/>
+            <a:ext cx="285750" cy="0"/>
+          </a:xfrm>
+          <a:prstGeom prst="line">
+            <a:avLst/>
+          </a:prstGeom>
+          <a:ln w="38100">
+            <a:solidFill>
+              <a:schemeClr val="tx1"/>
+            </a:solidFill>
+          </a:ln>
+        </p:spPr>
+        <p:style>
+          <a:lnRef idx="1">
+            <a:schemeClr val="accent1"/>
+          </a:lnRef>
+          <a:fillRef idx="0">
+            <a:schemeClr val="accent1"/>
+          </a:fillRef>
+          <a:effectRef idx="0">
+            <a:schemeClr val="accent1"/>
+          </a:effectRef>
+          <a:fontRef idx="minor">
+            <a:schemeClr val="tx1"/>
+          </a:fontRef>
+        </p:style>
+      </p:cxnSp>
+      <p:cxnSp>
+        <p:nvCxnSpPr>
+          <p:cNvPr id="22" name="Straight Connector 21">
+            <a:extLst>
+              <a:ext uri="{FF2B5EF4-FFF2-40B4-BE49-F238E27FC236}">
+                <a16:creationId xmlns:a16="http://schemas.microsoft.com/office/drawing/2014/main" id="{74BEB8B3-B15E-43EC-A7D0-26163A0A8341}"/>
+              </a:ext>
+            </a:extLst>
+          </p:cNvPr>
+          <p:cNvCxnSpPr>
+            <a:cxnSpLocks/>
+          </p:cNvCxnSpPr>
+          <p:nvPr/>
+        </p:nvCxnSpPr>
+        <p:spPr>
+          <a:xfrm flipH="1" flipV="1">
+            <a:off x="5467526" y="2330843"/>
+            <a:ext cx="3271065" cy="20609"/>
+          </a:xfrm>
+          <a:prstGeom prst="line">
+            <a:avLst/>
+          </a:prstGeom>
+          <a:ln w="76200"/>
+        </p:spPr>
+        <p:style>
+          <a:lnRef idx="1">
+            <a:schemeClr val="accent2"/>
+          </a:lnRef>
+          <a:fillRef idx="0">
+            <a:schemeClr val="accent2"/>
+          </a:fillRef>
+          <a:effectRef idx="0">
+            <a:schemeClr val="accent2"/>
+          </a:effectRef>
+          <a:fontRef idx="minor">
+            <a:schemeClr val="tx1"/>
+          </a:fontRef>
+        </p:style>
+      </p:cxnSp>
+      <p:cxnSp>
+        <p:nvCxnSpPr>
+          <p:cNvPr id="25" name="Straight Connector 24">
+            <a:extLst>
+              <a:ext uri="{FF2B5EF4-FFF2-40B4-BE49-F238E27FC236}">
+                <a16:creationId xmlns:a16="http://schemas.microsoft.com/office/drawing/2014/main" id="{0D591040-CBEA-4293-8F66-94A68D1788C4}"/>
+              </a:ext>
+            </a:extLst>
+          </p:cNvPr>
+          <p:cNvCxnSpPr>
+            <a:cxnSpLocks/>
+          </p:cNvCxnSpPr>
+          <p:nvPr/>
+        </p:nvCxnSpPr>
+        <p:spPr>
+          <a:xfrm>
+            <a:off x="8738589" y="482804"/>
+            <a:ext cx="0" cy="1868647"/>
+          </a:xfrm>
+          <a:prstGeom prst="line">
+            <a:avLst/>
+          </a:prstGeom>
+          <a:ln w="76200"/>
+        </p:spPr>
+        <p:style>
+          <a:lnRef idx="1">
+            <a:schemeClr val="accent2"/>
+          </a:lnRef>
+          <a:fillRef idx="0">
+            <a:schemeClr val="accent2"/>
+          </a:fillRef>
+          <a:effectRef idx="0">
+            <a:schemeClr val="accent2"/>
+          </a:effectRef>
+          <a:fontRef idx="minor">
+            <a:schemeClr val="tx1"/>
+          </a:fontRef>
+        </p:style>
+      </p:cxnSp>
+      <p:sp>
+        <p:nvSpPr>
+          <p:cNvPr id="32" name="Freeform: Shape 31">
+            <a:extLst>
+              <a:ext uri="{FF2B5EF4-FFF2-40B4-BE49-F238E27FC236}">
+                <a16:creationId xmlns:a16="http://schemas.microsoft.com/office/drawing/2014/main" id="{239F8CEC-AFCA-4ECD-9BDC-88F2AFFFDA40}"/>
+              </a:ext>
+            </a:extLst>
+          </p:cNvPr>
+          <p:cNvSpPr/>
+          <p:nvPr/>
+        </p:nvSpPr>
+        <p:spPr>
+          <a:xfrm>
+            <a:off x="8433131" y="545195"/>
+            <a:ext cx="177281" cy="245307"/>
+          </a:xfrm>
+          <a:custGeom>
+            <a:avLst/>
+            <a:gdLst>
+              <a:gd name="connsiteX0" fmla="*/ 102636 w 177281"/>
+              <a:gd name="connsiteY0" fmla="*/ 96017 h 245307"/>
+              <a:gd name="connsiteX1" fmla="*/ 55983 w 177281"/>
+              <a:gd name="connsiteY1" fmla="*/ 105348 h 245307"/>
+              <a:gd name="connsiteX2" fmla="*/ 27991 w 177281"/>
+              <a:gd name="connsiteY2" fmla="*/ 170662 h 245307"/>
+              <a:gd name="connsiteX3" fmla="*/ 46653 w 177281"/>
+              <a:gd name="connsiteY3" fmla="*/ 217315 h 245307"/>
+              <a:gd name="connsiteX4" fmla="*/ 130628 w 177281"/>
+              <a:gd name="connsiteY4" fmla="*/ 245307 h 245307"/>
+              <a:gd name="connsiteX5" fmla="*/ 158620 w 177281"/>
+              <a:gd name="connsiteY5" fmla="*/ 207985 h 245307"/>
+              <a:gd name="connsiteX6" fmla="*/ 177281 w 177281"/>
+              <a:gd name="connsiteY6" fmla="*/ 133340 h 245307"/>
+              <a:gd name="connsiteX7" fmla="*/ 158620 w 177281"/>
+              <a:gd name="connsiteY7" fmla="*/ 58695 h 245307"/>
+              <a:gd name="connsiteX8" fmla="*/ 93306 w 177281"/>
+              <a:gd name="connsiteY8" fmla="*/ 2711 h 245307"/>
+              <a:gd name="connsiteX9" fmla="*/ 0 w 177281"/>
+              <a:gd name="connsiteY9" fmla="*/ 2711 h 245307"/>
+            </a:gdLst>
+            <a:ahLst/>
+            <a:cxnLst>
+              <a:cxn ang="0">
+                <a:pos x="connsiteX0" y="connsiteY0"/>
+              </a:cxn>
+              <a:cxn ang="0">
+                <a:pos x="connsiteX1" y="connsiteY1"/>
+              </a:cxn>
+              <a:cxn ang="0">
+                <a:pos x="connsiteX2" y="connsiteY2"/>
+              </a:cxn>
+              <a:cxn ang="0">
+                <a:pos x="connsiteX3" y="connsiteY3"/>
+              </a:cxn>
+              <a:cxn ang="0">
+                <a:pos x="connsiteX4" y="connsiteY4"/>
+              </a:cxn>
+              <a:cxn ang="0">
+                <a:pos x="connsiteX5" y="connsiteY5"/>
+              </a:cxn>
+              <a:cxn ang="0">
+                <a:pos x="connsiteX6" y="connsiteY6"/>
+              </a:cxn>
+              <a:cxn ang="0">
+                <a:pos x="connsiteX7" y="connsiteY7"/>
+              </a:cxn>
+              <a:cxn ang="0">
+                <a:pos x="connsiteX8" y="connsiteY8"/>
+              </a:cxn>
+              <a:cxn ang="0">
+                <a:pos x="connsiteX9" y="connsiteY9"/>
+              </a:cxn>
+            </a:cxnLst>
+            <a:rect l="l" t="t" r="r" b="b"/>
+            <a:pathLst>
+              <a:path w="177281" h="245307">
+                <a:moveTo>
+                  <a:pt x="102636" y="96017"/>
+                </a:moveTo>
+                <a:cubicBezTo>
+                  <a:pt x="87085" y="99127"/>
+                  <a:pt x="69752" y="97480"/>
+                  <a:pt x="55983" y="105348"/>
+                </a:cubicBezTo>
+                <a:cubicBezTo>
+                  <a:pt x="37190" y="116087"/>
+                  <a:pt x="32059" y="154392"/>
+                  <a:pt x="27991" y="170662"/>
+                </a:cubicBezTo>
+                <a:cubicBezTo>
+                  <a:pt x="34212" y="186213"/>
+                  <a:pt x="33107" y="207464"/>
+                  <a:pt x="46653" y="217315"/>
+                </a:cubicBezTo>
+                <a:cubicBezTo>
+                  <a:pt x="70515" y="234669"/>
+                  <a:pt x="130628" y="245307"/>
+                  <a:pt x="130628" y="245307"/>
+                </a:cubicBezTo>
+                <a:cubicBezTo>
+                  <a:pt x="139959" y="232866"/>
+                  <a:pt x="152639" y="222340"/>
+                  <a:pt x="158620" y="207985"/>
+                </a:cubicBezTo>
+                <a:cubicBezTo>
+                  <a:pt x="168484" y="184310"/>
+                  <a:pt x="177281" y="133340"/>
+                  <a:pt x="177281" y="133340"/>
+                </a:cubicBezTo>
+                <a:cubicBezTo>
+                  <a:pt x="171061" y="108458"/>
+                  <a:pt x="167385" y="82798"/>
+                  <a:pt x="158620" y="58695"/>
+                </a:cubicBezTo>
+                <a:cubicBezTo>
+                  <a:pt x="149436" y="33438"/>
+                  <a:pt x="117980" y="7646"/>
+                  <a:pt x="93306" y="2711"/>
+                </a:cubicBezTo>
+                <a:cubicBezTo>
+                  <a:pt x="62808" y="-3389"/>
+                  <a:pt x="31102" y="2711"/>
+                  <a:pt x="0" y="2711"/>
+                </a:cubicBezTo>
+              </a:path>
+            </a:pathLst>
+          </a:custGeom>
+          <a:noFill/>
+          <a:ln w="28575">
+            <a:solidFill>
+              <a:srgbClr val="C00000"/>
+            </a:solidFill>
+            <a:tailEnd type="triangle"/>
+          </a:ln>
+        </p:spPr>
+        <p:style>
+          <a:lnRef idx="2">
+            <a:schemeClr val="accent1">
+              <a:shade val="50000"/>
+            </a:schemeClr>
+          </a:lnRef>
+          <a:fillRef idx="1">
+            <a:schemeClr val="accent1"/>
+          </a:fillRef>
+          <a:effectRef idx="0">
+            <a:schemeClr val="accent1"/>
+          </a:effectRef>
+          <a:fontRef idx="minor">
+            <a:schemeClr val="lt1"/>
+          </a:fontRef>
+        </p:style>
+        <p:txBody>
+          <a:bodyPr rtlCol="0" anchor="ctr"/>
+          <a:lstStyle/>
+          <a:p>
+            <a:pPr algn="ctr"/>
+            <a:endParaRPr lang="en-US"/>
+          </a:p>
+        </p:txBody>
+      </p:sp>
+      <p:sp>
+        <p:nvSpPr>
+          <p:cNvPr id="33" name="Freeform: Shape 32">
+            <a:extLst>
+              <a:ext uri="{FF2B5EF4-FFF2-40B4-BE49-F238E27FC236}">
+                <a16:creationId xmlns:a16="http://schemas.microsoft.com/office/drawing/2014/main" id="{E92E2DC2-58F9-4A60-ADEA-A97EF0A04781}"/>
+              </a:ext>
+            </a:extLst>
+          </p:cNvPr>
+          <p:cNvSpPr/>
+          <p:nvPr/>
+        </p:nvSpPr>
+        <p:spPr>
+          <a:xfrm>
+            <a:off x="5827826" y="562597"/>
+            <a:ext cx="177281" cy="245307"/>
+          </a:xfrm>
+          <a:custGeom>
+            <a:avLst/>
+            <a:gdLst>
+              <a:gd name="connsiteX0" fmla="*/ 102636 w 177281"/>
+              <a:gd name="connsiteY0" fmla="*/ 96017 h 245307"/>
+              <a:gd name="connsiteX1" fmla="*/ 55983 w 177281"/>
+              <a:gd name="connsiteY1" fmla="*/ 105348 h 245307"/>
+              <a:gd name="connsiteX2" fmla="*/ 27991 w 177281"/>
+              <a:gd name="connsiteY2" fmla="*/ 170662 h 245307"/>
+              <a:gd name="connsiteX3" fmla="*/ 46653 w 177281"/>
+              <a:gd name="connsiteY3" fmla="*/ 217315 h 245307"/>
+              <a:gd name="connsiteX4" fmla="*/ 130628 w 177281"/>
+              <a:gd name="connsiteY4" fmla="*/ 245307 h 245307"/>
+              <a:gd name="connsiteX5" fmla="*/ 158620 w 177281"/>
+              <a:gd name="connsiteY5" fmla="*/ 207985 h 245307"/>
+              <a:gd name="connsiteX6" fmla="*/ 177281 w 177281"/>
+              <a:gd name="connsiteY6" fmla="*/ 133340 h 245307"/>
+              <a:gd name="connsiteX7" fmla="*/ 158620 w 177281"/>
+              <a:gd name="connsiteY7" fmla="*/ 58695 h 245307"/>
+              <a:gd name="connsiteX8" fmla="*/ 93306 w 177281"/>
+              <a:gd name="connsiteY8" fmla="*/ 2711 h 245307"/>
+              <a:gd name="connsiteX9" fmla="*/ 0 w 177281"/>
+              <a:gd name="connsiteY9" fmla="*/ 2711 h 245307"/>
+            </a:gdLst>
+            <a:ahLst/>
+            <a:cxnLst>
+              <a:cxn ang="0">
+                <a:pos x="connsiteX0" y="connsiteY0"/>
+              </a:cxn>
+              <a:cxn ang="0">
+                <a:pos x="connsiteX1" y="connsiteY1"/>
+              </a:cxn>
+              <a:cxn ang="0">
+                <a:pos x="connsiteX2" y="connsiteY2"/>
+              </a:cxn>
+              <a:cxn ang="0">
+                <a:pos x="connsiteX3" y="connsiteY3"/>
+              </a:cxn>
+              <a:cxn ang="0">
+                <a:pos x="connsiteX4" y="connsiteY4"/>
+              </a:cxn>
+              <a:cxn ang="0">
+                <a:pos x="connsiteX5" y="connsiteY5"/>
+              </a:cxn>
+              <a:cxn ang="0">
+                <a:pos x="connsiteX6" y="connsiteY6"/>
+              </a:cxn>
+              <a:cxn ang="0">
+                <a:pos x="connsiteX7" y="connsiteY7"/>
+              </a:cxn>
+              <a:cxn ang="0">
+                <a:pos x="connsiteX8" y="connsiteY8"/>
+              </a:cxn>
+              <a:cxn ang="0">
+                <a:pos x="connsiteX9" y="connsiteY9"/>
+              </a:cxn>
+            </a:cxnLst>
+            <a:rect l="l" t="t" r="r" b="b"/>
+            <a:pathLst>
+              <a:path w="177281" h="245307">
+                <a:moveTo>
+                  <a:pt x="102636" y="96017"/>
+                </a:moveTo>
+                <a:cubicBezTo>
+                  <a:pt x="87085" y="99127"/>
+                  <a:pt x="69752" y="97480"/>
+                  <a:pt x="55983" y="105348"/>
+                </a:cubicBezTo>
+                <a:cubicBezTo>
+                  <a:pt x="37190" y="116087"/>
+                  <a:pt x="32059" y="154392"/>
+                  <a:pt x="27991" y="170662"/>
+                </a:cubicBezTo>
+                <a:cubicBezTo>
+                  <a:pt x="34212" y="186213"/>
+                  <a:pt x="33107" y="207464"/>
+                  <a:pt x="46653" y="217315"/>
+                </a:cubicBezTo>
+                <a:cubicBezTo>
+                  <a:pt x="70515" y="234669"/>
+                  <a:pt x="130628" y="245307"/>
+                  <a:pt x="130628" y="245307"/>
+                </a:cubicBezTo>
+                <a:cubicBezTo>
+                  <a:pt x="139959" y="232866"/>
+                  <a:pt x="152639" y="222340"/>
+                  <a:pt x="158620" y="207985"/>
+                </a:cubicBezTo>
+                <a:cubicBezTo>
+                  <a:pt x="168484" y="184310"/>
+                  <a:pt x="177281" y="133340"/>
+                  <a:pt x="177281" y="133340"/>
+                </a:cubicBezTo>
+                <a:cubicBezTo>
+                  <a:pt x="171061" y="108458"/>
+                  <a:pt x="167385" y="82798"/>
+                  <a:pt x="158620" y="58695"/>
+                </a:cubicBezTo>
+                <a:cubicBezTo>
+                  <a:pt x="149436" y="33438"/>
+                  <a:pt x="117980" y="7646"/>
+                  <a:pt x="93306" y="2711"/>
+                </a:cubicBezTo>
+                <a:cubicBezTo>
+                  <a:pt x="62808" y="-3389"/>
+                  <a:pt x="31102" y="2711"/>
+                  <a:pt x="0" y="2711"/>
+                </a:cubicBezTo>
+              </a:path>
+            </a:pathLst>
+          </a:custGeom>
+          <a:noFill/>
+          <a:ln w="28575">
+            <a:solidFill>
+              <a:srgbClr val="C00000"/>
+            </a:solidFill>
+            <a:tailEnd type="triangle"/>
+          </a:ln>
+        </p:spPr>
+        <p:style>
+          <a:lnRef idx="2">
+            <a:schemeClr val="accent1">
+              <a:shade val="50000"/>
+            </a:schemeClr>
+          </a:lnRef>
+          <a:fillRef idx="1">
+            <a:schemeClr val="accent1"/>
+          </a:fillRef>
+          <a:effectRef idx="0">
+            <a:schemeClr val="accent1"/>
+          </a:effectRef>
+          <a:fontRef idx="minor">
+            <a:schemeClr val="lt1"/>
+          </a:fontRef>
+        </p:style>
+        <p:txBody>
+          <a:bodyPr rtlCol="0" anchor="ctr"/>
+          <a:lstStyle/>
+          <a:p>
+            <a:pPr algn="ctr"/>
+            <a:endParaRPr lang="en-US"/>
+          </a:p>
+        </p:txBody>
+      </p:sp>
+      <p:sp>
+        <p:nvSpPr>
+          <p:cNvPr id="34" name="Freeform: Shape 33">
+            <a:extLst>
+              <a:ext uri="{FF2B5EF4-FFF2-40B4-BE49-F238E27FC236}">
+                <a16:creationId xmlns:a16="http://schemas.microsoft.com/office/drawing/2014/main" id="{9AB83542-D6E0-4FE6-90FE-B2AFA38EBA63}"/>
+              </a:ext>
+            </a:extLst>
+          </p:cNvPr>
+          <p:cNvSpPr/>
+          <p:nvPr/>
+        </p:nvSpPr>
+        <p:spPr>
+          <a:xfrm>
+            <a:off x="7853584" y="540268"/>
+            <a:ext cx="177281" cy="245307"/>
+          </a:xfrm>
+          <a:custGeom>
+            <a:avLst/>
+            <a:gdLst>
+              <a:gd name="connsiteX0" fmla="*/ 102636 w 177281"/>
+              <a:gd name="connsiteY0" fmla="*/ 96017 h 245307"/>
+              <a:gd name="connsiteX1" fmla="*/ 55983 w 177281"/>
+              <a:gd name="connsiteY1" fmla="*/ 105348 h 245307"/>
+              <a:gd name="connsiteX2" fmla="*/ 27991 w 177281"/>
+              <a:gd name="connsiteY2" fmla="*/ 170662 h 245307"/>
+              <a:gd name="connsiteX3" fmla="*/ 46653 w 177281"/>
+              <a:gd name="connsiteY3" fmla="*/ 217315 h 245307"/>
+              <a:gd name="connsiteX4" fmla="*/ 130628 w 177281"/>
+              <a:gd name="connsiteY4" fmla="*/ 245307 h 245307"/>
+              <a:gd name="connsiteX5" fmla="*/ 158620 w 177281"/>
+              <a:gd name="connsiteY5" fmla="*/ 207985 h 245307"/>
+              <a:gd name="connsiteX6" fmla="*/ 177281 w 177281"/>
+              <a:gd name="connsiteY6" fmla="*/ 133340 h 245307"/>
+              <a:gd name="connsiteX7" fmla="*/ 158620 w 177281"/>
+              <a:gd name="connsiteY7" fmla="*/ 58695 h 245307"/>
+              <a:gd name="connsiteX8" fmla="*/ 93306 w 177281"/>
+              <a:gd name="connsiteY8" fmla="*/ 2711 h 245307"/>
+              <a:gd name="connsiteX9" fmla="*/ 0 w 177281"/>
+              <a:gd name="connsiteY9" fmla="*/ 2711 h 245307"/>
+            </a:gdLst>
+            <a:ahLst/>
+            <a:cxnLst>
+              <a:cxn ang="0">
+                <a:pos x="connsiteX0" y="connsiteY0"/>
+              </a:cxn>
+              <a:cxn ang="0">
+                <a:pos x="connsiteX1" y="connsiteY1"/>
+              </a:cxn>
+              <a:cxn ang="0">
+                <a:pos x="connsiteX2" y="connsiteY2"/>
+              </a:cxn>
+              <a:cxn ang="0">
+                <a:pos x="connsiteX3" y="connsiteY3"/>
+              </a:cxn>
+              <a:cxn ang="0">
+                <a:pos x="connsiteX4" y="connsiteY4"/>
+              </a:cxn>
+              <a:cxn ang="0">
+                <a:pos x="connsiteX5" y="connsiteY5"/>
+              </a:cxn>
+              <a:cxn ang="0">
+                <a:pos x="connsiteX6" y="connsiteY6"/>
+              </a:cxn>
+              <a:cxn ang="0">
+                <a:pos x="connsiteX7" y="connsiteY7"/>
+              </a:cxn>
+              <a:cxn ang="0">
+                <a:pos x="connsiteX8" y="connsiteY8"/>
+              </a:cxn>
+              <a:cxn ang="0">
+                <a:pos x="connsiteX9" y="connsiteY9"/>
+              </a:cxn>
+            </a:cxnLst>
+            <a:rect l="l" t="t" r="r" b="b"/>
+            <a:pathLst>
+              <a:path w="177281" h="245307">
+                <a:moveTo>
+                  <a:pt x="102636" y="96017"/>
+                </a:moveTo>
+                <a:cubicBezTo>
+                  <a:pt x="87085" y="99127"/>
+                  <a:pt x="69752" y="97480"/>
+                  <a:pt x="55983" y="105348"/>
+                </a:cubicBezTo>
+                <a:cubicBezTo>
+                  <a:pt x="37190" y="116087"/>
+                  <a:pt x="32059" y="154392"/>
+                  <a:pt x="27991" y="170662"/>
+                </a:cubicBezTo>
+                <a:cubicBezTo>
+                  <a:pt x="34212" y="186213"/>
+                  <a:pt x="33107" y="207464"/>
+                  <a:pt x="46653" y="217315"/>
+                </a:cubicBezTo>
+                <a:cubicBezTo>
+                  <a:pt x="70515" y="234669"/>
+                  <a:pt x="130628" y="245307"/>
+                  <a:pt x="130628" y="245307"/>
+                </a:cubicBezTo>
+                <a:cubicBezTo>
+                  <a:pt x="139959" y="232866"/>
+                  <a:pt x="152639" y="222340"/>
+                  <a:pt x="158620" y="207985"/>
+                </a:cubicBezTo>
+                <a:cubicBezTo>
+                  <a:pt x="168484" y="184310"/>
+                  <a:pt x="177281" y="133340"/>
+                  <a:pt x="177281" y="133340"/>
+                </a:cubicBezTo>
+                <a:cubicBezTo>
+                  <a:pt x="171061" y="108458"/>
+                  <a:pt x="167385" y="82798"/>
+                  <a:pt x="158620" y="58695"/>
+                </a:cubicBezTo>
+                <a:cubicBezTo>
+                  <a:pt x="149436" y="33438"/>
+                  <a:pt x="117980" y="7646"/>
+                  <a:pt x="93306" y="2711"/>
+                </a:cubicBezTo>
+                <a:cubicBezTo>
+                  <a:pt x="62808" y="-3389"/>
+                  <a:pt x="31102" y="2711"/>
+                  <a:pt x="0" y="2711"/>
+                </a:cubicBezTo>
+              </a:path>
+            </a:pathLst>
+          </a:custGeom>
+          <a:noFill/>
+          <a:ln w="28575">
+            <a:solidFill>
+              <a:srgbClr val="C00000"/>
+            </a:solidFill>
+            <a:tailEnd type="triangle"/>
+          </a:ln>
+        </p:spPr>
+        <p:style>
+          <a:lnRef idx="2">
+            <a:schemeClr val="accent1">
+              <a:shade val="50000"/>
+            </a:schemeClr>
+          </a:lnRef>
+          <a:fillRef idx="1">
+            <a:schemeClr val="accent1"/>
+          </a:fillRef>
+          <a:effectRef idx="0">
+            <a:schemeClr val="accent1"/>
+          </a:effectRef>
+          <a:fontRef idx="minor">
+            <a:schemeClr val="lt1"/>
+          </a:fontRef>
+        </p:style>
+        <p:txBody>
+          <a:bodyPr rtlCol="0" anchor="ctr"/>
+          <a:lstStyle/>
+          <a:p>
+            <a:pPr algn="ctr"/>
+            <a:endParaRPr lang="en-US"/>
+          </a:p>
+        </p:txBody>
+      </p:sp>
+      <p:cxnSp>
+        <p:nvCxnSpPr>
+          <p:cNvPr id="36" name="Straight Connector 35">
+            <a:extLst>
+              <a:ext uri="{FF2B5EF4-FFF2-40B4-BE49-F238E27FC236}">
+                <a16:creationId xmlns:a16="http://schemas.microsoft.com/office/drawing/2014/main" id="{A2FA4D48-7FAF-40EA-8BBE-C52BBA0514E5}"/>
+              </a:ext>
+            </a:extLst>
+          </p:cNvPr>
+          <p:cNvCxnSpPr>
+            <a:cxnSpLocks/>
+          </p:cNvCxnSpPr>
+          <p:nvPr/>
+        </p:nvCxnSpPr>
+        <p:spPr>
+          <a:xfrm flipH="1">
+            <a:off x="3320556" y="5394595"/>
+            <a:ext cx="7628132" cy="14144"/>
+          </a:xfrm>
+          <a:prstGeom prst="line">
+            <a:avLst/>
+          </a:prstGeom>
+          <a:ln w="76200"/>
+        </p:spPr>
+        <p:style>
+          <a:lnRef idx="1">
+            <a:schemeClr val="accent2"/>
+          </a:lnRef>
+          <a:fillRef idx="0">
+            <a:schemeClr val="accent2"/>
+          </a:fillRef>
+          <a:effectRef idx="0">
+            <a:schemeClr val="accent2"/>
+          </a:effectRef>
+          <a:fontRef idx="minor">
+            <a:schemeClr val="tx1"/>
+          </a:fontRef>
+        </p:style>
+      </p:cxnSp>
+      <p:cxnSp>
+        <p:nvCxnSpPr>
+          <p:cNvPr id="38" name="Straight Connector 37">
+            <a:extLst>
+              <a:ext uri="{FF2B5EF4-FFF2-40B4-BE49-F238E27FC236}">
+                <a16:creationId xmlns:a16="http://schemas.microsoft.com/office/drawing/2014/main" id="{DC1937BC-0BCA-4455-A2A0-EAB8C95083AF}"/>
+              </a:ext>
+            </a:extLst>
+          </p:cNvPr>
+          <p:cNvCxnSpPr>
+            <a:cxnSpLocks/>
+          </p:cNvCxnSpPr>
+          <p:nvPr/>
+        </p:nvCxnSpPr>
+        <p:spPr>
+          <a:xfrm>
+            <a:off x="10916087" y="3985375"/>
+            <a:ext cx="0" cy="1439986"/>
+          </a:xfrm>
+          <a:prstGeom prst="line">
+            <a:avLst/>
+          </a:prstGeom>
+          <a:ln w="76200"/>
+        </p:spPr>
+        <p:style>
+          <a:lnRef idx="1">
+            <a:schemeClr val="accent2"/>
+          </a:lnRef>
+          <a:fillRef idx="0">
+            <a:schemeClr val="accent2"/>
+          </a:fillRef>
+          <a:effectRef idx="0">
+            <a:schemeClr val="accent2"/>
+          </a:effectRef>
+          <a:fontRef idx="minor">
+            <a:schemeClr val="tx1"/>
+          </a:fontRef>
+        </p:style>
+      </p:cxnSp>
+      <p:cxnSp>
+        <p:nvCxnSpPr>
+          <p:cNvPr id="40" name="Straight Connector 39">
+            <a:extLst>
+              <a:ext uri="{FF2B5EF4-FFF2-40B4-BE49-F238E27FC236}">
+                <a16:creationId xmlns:a16="http://schemas.microsoft.com/office/drawing/2014/main" id="{590B9AC5-3A39-4A89-8F76-2C4B080CFB43}"/>
+              </a:ext>
+            </a:extLst>
+          </p:cNvPr>
+          <p:cNvCxnSpPr>
+            <a:cxnSpLocks/>
+          </p:cNvCxnSpPr>
+          <p:nvPr/>
+        </p:nvCxnSpPr>
+        <p:spPr>
+          <a:xfrm>
+            <a:off x="3320554" y="3978260"/>
+            <a:ext cx="0" cy="1447101"/>
+          </a:xfrm>
+          <a:prstGeom prst="line">
+            <a:avLst/>
+          </a:prstGeom>
+          <a:ln w="76200"/>
+        </p:spPr>
+        <p:style>
+          <a:lnRef idx="1">
+            <a:schemeClr val="accent2"/>
+          </a:lnRef>
+          <a:fillRef idx="0">
+            <a:schemeClr val="accent2"/>
+          </a:fillRef>
+          <a:effectRef idx="0">
+            <a:schemeClr val="accent2"/>
+          </a:effectRef>
+          <a:fontRef idx="minor">
+            <a:schemeClr val="tx1"/>
+          </a:fontRef>
+        </p:style>
+      </p:cxnSp>
+      <p:sp>
+        <p:nvSpPr>
+          <p:cNvPr id="44" name="Freeform: Shape 43">
+            <a:extLst>
+              <a:ext uri="{FF2B5EF4-FFF2-40B4-BE49-F238E27FC236}">
+                <a16:creationId xmlns:a16="http://schemas.microsoft.com/office/drawing/2014/main" id="{6D248CAE-C845-4A00-89E9-974376731A1A}"/>
+              </a:ext>
+            </a:extLst>
+          </p:cNvPr>
+          <p:cNvSpPr/>
+          <p:nvPr/>
+        </p:nvSpPr>
+        <p:spPr>
+          <a:xfrm>
+            <a:off x="3984276" y="4044946"/>
+            <a:ext cx="177281" cy="245307"/>
+          </a:xfrm>
+          <a:custGeom>
+            <a:avLst/>
+            <a:gdLst>
+              <a:gd name="connsiteX0" fmla="*/ 102636 w 177281"/>
+              <a:gd name="connsiteY0" fmla="*/ 96017 h 245307"/>
+              <a:gd name="connsiteX1" fmla="*/ 55983 w 177281"/>
+              <a:gd name="connsiteY1" fmla="*/ 105348 h 245307"/>
+              <a:gd name="connsiteX2" fmla="*/ 27991 w 177281"/>
+              <a:gd name="connsiteY2" fmla="*/ 170662 h 245307"/>
+              <a:gd name="connsiteX3" fmla="*/ 46653 w 177281"/>
+              <a:gd name="connsiteY3" fmla="*/ 217315 h 245307"/>
+              <a:gd name="connsiteX4" fmla="*/ 130628 w 177281"/>
+              <a:gd name="connsiteY4" fmla="*/ 245307 h 245307"/>
+              <a:gd name="connsiteX5" fmla="*/ 158620 w 177281"/>
+              <a:gd name="connsiteY5" fmla="*/ 207985 h 245307"/>
+              <a:gd name="connsiteX6" fmla="*/ 177281 w 177281"/>
+              <a:gd name="connsiteY6" fmla="*/ 133340 h 245307"/>
+              <a:gd name="connsiteX7" fmla="*/ 158620 w 177281"/>
+              <a:gd name="connsiteY7" fmla="*/ 58695 h 245307"/>
+              <a:gd name="connsiteX8" fmla="*/ 93306 w 177281"/>
+              <a:gd name="connsiteY8" fmla="*/ 2711 h 245307"/>
+              <a:gd name="connsiteX9" fmla="*/ 0 w 177281"/>
+              <a:gd name="connsiteY9" fmla="*/ 2711 h 245307"/>
+            </a:gdLst>
+            <a:ahLst/>
+            <a:cxnLst>
+              <a:cxn ang="0">
+                <a:pos x="connsiteX0" y="connsiteY0"/>
+              </a:cxn>
+              <a:cxn ang="0">
+                <a:pos x="connsiteX1" y="connsiteY1"/>
+              </a:cxn>
+              <a:cxn ang="0">
+                <a:pos x="connsiteX2" y="connsiteY2"/>
+              </a:cxn>
+              <a:cxn ang="0">
+                <a:pos x="connsiteX3" y="connsiteY3"/>
+              </a:cxn>
+              <a:cxn ang="0">
+                <a:pos x="connsiteX4" y="connsiteY4"/>
+              </a:cxn>
+              <a:cxn ang="0">
+                <a:pos x="connsiteX5" y="connsiteY5"/>
+              </a:cxn>
+              <a:cxn ang="0">
+                <a:pos x="connsiteX6" y="connsiteY6"/>
+              </a:cxn>
+              <a:cxn ang="0">
+                <a:pos x="connsiteX7" y="connsiteY7"/>
+              </a:cxn>
+              <a:cxn ang="0">
+                <a:pos x="connsiteX8" y="connsiteY8"/>
+              </a:cxn>
+              <a:cxn ang="0">
+                <a:pos x="connsiteX9" y="connsiteY9"/>
+              </a:cxn>
+            </a:cxnLst>
+            <a:rect l="l" t="t" r="r" b="b"/>
+            <a:pathLst>
+              <a:path w="177281" h="245307">
+                <a:moveTo>
+                  <a:pt x="102636" y="96017"/>
+                </a:moveTo>
+                <a:cubicBezTo>
+                  <a:pt x="87085" y="99127"/>
+                  <a:pt x="69752" y="97480"/>
+                  <a:pt x="55983" y="105348"/>
+                </a:cubicBezTo>
+                <a:cubicBezTo>
+                  <a:pt x="37190" y="116087"/>
+                  <a:pt x="32059" y="154392"/>
+                  <a:pt x="27991" y="170662"/>
+                </a:cubicBezTo>
+                <a:cubicBezTo>
+                  <a:pt x="34212" y="186213"/>
+                  <a:pt x="33107" y="207464"/>
+                  <a:pt x="46653" y="217315"/>
+                </a:cubicBezTo>
+                <a:cubicBezTo>
+                  <a:pt x="70515" y="234669"/>
+                  <a:pt x="130628" y="245307"/>
+                  <a:pt x="130628" y="245307"/>
+                </a:cubicBezTo>
+                <a:cubicBezTo>
+                  <a:pt x="139959" y="232866"/>
+                  <a:pt x="152639" y="222340"/>
+                  <a:pt x="158620" y="207985"/>
+                </a:cubicBezTo>
+                <a:cubicBezTo>
+                  <a:pt x="168484" y="184310"/>
+                  <a:pt x="177281" y="133340"/>
+                  <a:pt x="177281" y="133340"/>
+                </a:cubicBezTo>
+                <a:cubicBezTo>
+                  <a:pt x="171061" y="108458"/>
+                  <a:pt x="167385" y="82798"/>
+                  <a:pt x="158620" y="58695"/>
+                </a:cubicBezTo>
+                <a:cubicBezTo>
+                  <a:pt x="149436" y="33438"/>
+                  <a:pt x="117980" y="7646"/>
+                  <a:pt x="93306" y="2711"/>
+                </a:cubicBezTo>
+                <a:cubicBezTo>
+                  <a:pt x="62808" y="-3389"/>
+                  <a:pt x="31102" y="2711"/>
+                  <a:pt x="0" y="2711"/>
+                </a:cubicBezTo>
+              </a:path>
+            </a:pathLst>
+          </a:custGeom>
+          <a:noFill/>
+          <a:ln w="28575">
+            <a:solidFill>
+              <a:srgbClr val="C00000"/>
+            </a:solidFill>
+            <a:tailEnd type="triangle"/>
+          </a:ln>
+        </p:spPr>
+        <p:style>
+          <a:lnRef idx="2">
+            <a:schemeClr val="accent1">
+              <a:shade val="50000"/>
+            </a:schemeClr>
+          </a:lnRef>
+          <a:fillRef idx="1">
+            <a:schemeClr val="accent1"/>
+          </a:fillRef>
+          <a:effectRef idx="0">
+            <a:schemeClr val="accent1"/>
+          </a:effectRef>
+          <a:fontRef idx="minor">
+            <a:schemeClr val="lt1"/>
+          </a:fontRef>
+        </p:style>
+        <p:txBody>
+          <a:bodyPr rtlCol="0" anchor="ctr"/>
+          <a:lstStyle/>
+          <a:p>
+            <a:pPr algn="ctr"/>
+            <a:endParaRPr lang="en-US"/>
+          </a:p>
+        </p:txBody>
+      </p:sp>
+      <p:sp>
+        <p:nvSpPr>
+          <p:cNvPr id="46" name="Freeform: Shape 45">
+            <a:extLst>
+              <a:ext uri="{FF2B5EF4-FFF2-40B4-BE49-F238E27FC236}">
+                <a16:creationId xmlns:a16="http://schemas.microsoft.com/office/drawing/2014/main" id="{F7A3E249-61B3-42D5-81B4-856DEA9E6307}"/>
+              </a:ext>
+            </a:extLst>
+          </p:cNvPr>
+          <p:cNvSpPr/>
+          <p:nvPr/>
+        </p:nvSpPr>
+        <p:spPr>
+          <a:xfrm>
+            <a:off x="10455413" y="4042095"/>
+            <a:ext cx="177281" cy="245307"/>
+          </a:xfrm>
+          <a:custGeom>
+            <a:avLst/>
+            <a:gdLst>
+              <a:gd name="connsiteX0" fmla="*/ 102636 w 177281"/>
+              <a:gd name="connsiteY0" fmla="*/ 96017 h 245307"/>
+              <a:gd name="connsiteX1" fmla="*/ 55983 w 177281"/>
+              <a:gd name="connsiteY1" fmla="*/ 105348 h 245307"/>
+              <a:gd name="connsiteX2" fmla="*/ 27991 w 177281"/>
+              <a:gd name="connsiteY2" fmla="*/ 170662 h 245307"/>
+              <a:gd name="connsiteX3" fmla="*/ 46653 w 177281"/>
+              <a:gd name="connsiteY3" fmla="*/ 217315 h 245307"/>
+              <a:gd name="connsiteX4" fmla="*/ 130628 w 177281"/>
+              <a:gd name="connsiteY4" fmla="*/ 245307 h 245307"/>
+              <a:gd name="connsiteX5" fmla="*/ 158620 w 177281"/>
+              <a:gd name="connsiteY5" fmla="*/ 207985 h 245307"/>
+              <a:gd name="connsiteX6" fmla="*/ 177281 w 177281"/>
+              <a:gd name="connsiteY6" fmla="*/ 133340 h 245307"/>
+              <a:gd name="connsiteX7" fmla="*/ 158620 w 177281"/>
+              <a:gd name="connsiteY7" fmla="*/ 58695 h 245307"/>
+              <a:gd name="connsiteX8" fmla="*/ 93306 w 177281"/>
+              <a:gd name="connsiteY8" fmla="*/ 2711 h 245307"/>
+              <a:gd name="connsiteX9" fmla="*/ 0 w 177281"/>
+              <a:gd name="connsiteY9" fmla="*/ 2711 h 245307"/>
+            </a:gdLst>
+            <a:ahLst/>
+            <a:cxnLst>
+              <a:cxn ang="0">
+                <a:pos x="connsiteX0" y="connsiteY0"/>
+              </a:cxn>
+              <a:cxn ang="0">
+                <a:pos x="connsiteX1" y="connsiteY1"/>
+              </a:cxn>
+              <a:cxn ang="0">
+                <a:pos x="connsiteX2" y="connsiteY2"/>
+              </a:cxn>
+              <a:cxn ang="0">
+                <a:pos x="connsiteX3" y="connsiteY3"/>
+              </a:cxn>
+              <a:cxn ang="0">
+                <a:pos x="connsiteX4" y="connsiteY4"/>
+              </a:cxn>
+              <a:cxn ang="0">
+                <a:pos x="connsiteX5" y="connsiteY5"/>
+              </a:cxn>
+              <a:cxn ang="0">
+                <a:pos x="connsiteX6" y="connsiteY6"/>
+              </a:cxn>
+              <a:cxn ang="0">
+                <a:pos x="connsiteX7" y="connsiteY7"/>
+              </a:cxn>
+              <a:cxn ang="0">
+                <a:pos x="connsiteX8" y="connsiteY8"/>
+              </a:cxn>
+              <a:cxn ang="0">
+                <a:pos x="connsiteX9" y="connsiteY9"/>
+              </a:cxn>
+            </a:cxnLst>
+            <a:rect l="l" t="t" r="r" b="b"/>
+            <a:pathLst>
+              <a:path w="177281" h="245307">
+                <a:moveTo>
+                  <a:pt x="102636" y="96017"/>
+                </a:moveTo>
+                <a:cubicBezTo>
+                  <a:pt x="87085" y="99127"/>
+                  <a:pt x="69752" y="97480"/>
+                  <a:pt x="55983" y="105348"/>
+                </a:cubicBezTo>
+                <a:cubicBezTo>
+                  <a:pt x="37190" y="116087"/>
+                  <a:pt x="32059" y="154392"/>
+                  <a:pt x="27991" y="170662"/>
+                </a:cubicBezTo>
+                <a:cubicBezTo>
+                  <a:pt x="34212" y="186213"/>
+                  <a:pt x="33107" y="207464"/>
+                  <a:pt x="46653" y="217315"/>
+                </a:cubicBezTo>
+                <a:cubicBezTo>
+                  <a:pt x="70515" y="234669"/>
+                  <a:pt x="130628" y="245307"/>
+                  <a:pt x="130628" y="245307"/>
+                </a:cubicBezTo>
+                <a:cubicBezTo>
+                  <a:pt x="139959" y="232866"/>
+                  <a:pt x="152639" y="222340"/>
+                  <a:pt x="158620" y="207985"/>
+                </a:cubicBezTo>
+                <a:cubicBezTo>
+                  <a:pt x="168484" y="184310"/>
+                  <a:pt x="177281" y="133340"/>
+                  <a:pt x="177281" y="133340"/>
+                </a:cubicBezTo>
+                <a:cubicBezTo>
+                  <a:pt x="171061" y="108458"/>
+                  <a:pt x="167385" y="82798"/>
+                  <a:pt x="158620" y="58695"/>
+                </a:cubicBezTo>
+                <a:cubicBezTo>
+                  <a:pt x="149436" y="33438"/>
+                  <a:pt x="117980" y="7646"/>
+                  <a:pt x="93306" y="2711"/>
+                </a:cubicBezTo>
+                <a:cubicBezTo>
+                  <a:pt x="62808" y="-3389"/>
+                  <a:pt x="31102" y="2711"/>
+                  <a:pt x="0" y="2711"/>
+                </a:cubicBezTo>
+              </a:path>
+            </a:pathLst>
+          </a:custGeom>
+          <a:noFill/>
+          <a:ln w="28575">
+            <a:solidFill>
+              <a:srgbClr val="C00000"/>
+            </a:solidFill>
+            <a:tailEnd type="triangle"/>
+          </a:ln>
+        </p:spPr>
+        <p:style>
+          <a:lnRef idx="2">
+            <a:schemeClr val="accent1">
+              <a:shade val="50000"/>
+            </a:schemeClr>
+          </a:lnRef>
+          <a:fillRef idx="1">
+            <a:schemeClr val="accent1"/>
+          </a:fillRef>
+          <a:effectRef idx="0">
+            <a:schemeClr val="accent1"/>
+          </a:effectRef>
+          <a:fontRef idx="minor">
+            <a:schemeClr val="lt1"/>
+          </a:fontRef>
+        </p:style>
+        <p:txBody>
+          <a:bodyPr rtlCol="0" anchor="ctr"/>
+          <a:lstStyle/>
+          <a:p>
+            <a:pPr algn="ctr"/>
+            <a:endParaRPr lang="en-US"/>
+          </a:p>
+        </p:txBody>
+      </p:sp>
+      <p:sp>
+        <p:nvSpPr>
+          <p:cNvPr id="47" name="Freeform: Shape 46">
+            <a:extLst>
+              <a:ext uri="{FF2B5EF4-FFF2-40B4-BE49-F238E27FC236}">
+                <a16:creationId xmlns:a16="http://schemas.microsoft.com/office/drawing/2014/main" id="{C1B742F9-8C27-4787-9168-A7E5FF6A1F02}"/>
+              </a:ext>
+            </a:extLst>
+          </p:cNvPr>
+          <p:cNvSpPr/>
+          <p:nvPr/>
+        </p:nvSpPr>
+        <p:spPr>
+          <a:xfrm>
+            <a:off x="7574824" y="4061145"/>
+            <a:ext cx="177281" cy="245307"/>
+          </a:xfrm>
+          <a:custGeom>
+            <a:avLst/>
+            <a:gdLst>
+              <a:gd name="connsiteX0" fmla="*/ 102636 w 177281"/>
+              <a:gd name="connsiteY0" fmla="*/ 96017 h 245307"/>
+              <a:gd name="connsiteX1" fmla="*/ 55983 w 177281"/>
+              <a:gd name="connsiteY1" fmla="*/ 105348 h 245307"/>
+              <a:gd name="connsiteX2" fmla="*/ 27991 w 177281"/>
+              <a:gd name="connsiteY2" fmla="*/ 170662 h 245307"/>
+              <a:gd name="connsiteX3" fmla="*/ 46653 w 177281"/>
+              <a:gd name="connsiteY3" fmla="*/ 217315 h 245307"/>
+              <a:gd name="connsiteX4" fmla="*/ 130628 w 177281"/>
+              <a:gd name="connsiteY4" fmla="*/ 245307 h 245307"/>
+              <a:gd name="connsiteX5" fmla="*/ 158620 w 177281"/>
+              <a:gd name="connsiteY5" fmla="*/ 207985 h 245307"/>
+              <a:gd name="connsiteX6" fmla="*/ 177281 w 177281"/>
+              <a:gd name="connsiteY6" fmla="*/ 133340 h 245307"/>
+              <a:gd name="connsiteX7" fmla="*/ 158620 w 177281"/>
+              <a:gd name="connsiteY7" fmla="*/ 58695 h 245307"/>
+              <a:gd name="connsiteX8" fmla="*/ 93306 w 177281"/>
+              <a:gd name="connsiteY8" fmla="*/ 2711 h 245307"/>
+              <a:gd name="connsiteX9" fmla="*/ 0 w 177281"/>
+              <a:gd name="connsiteY9" fmla="*/ 2711 h 245307"/>
+            </a:gdLst>
+            <a:ahLst/>
+            <a:cxnLst>
+              <a:cxn ang="0">
+                <a:pos x="connsiteX0" y="connsiteY0"/>
+              </a:cxn>
+              <a:cxn ang="0">
+                <a:pos x="connsiteX1" y="connsiteY1"/>
+              </a:cxn>
+              <a:cxn ang="0">
+                <a:pos x="connsiteX2" y="connsiteY2"/>
+              </a:cxn>
+              <a:cxn ang="0">
+                <a:pos x="connsiteX3" y="connsiteY3"/>
+              </a:cxn>
+              <a:cxn ang="0">
+                <a:pos x="connsiteX4" y="connsiteY4"/>
+              </a:cxn>
+              <a:cxn ang="0">
+                <a:pos x="connsiteX5" y="connsiteY5"/>
+              </a:cxn>
+              <a:cxn ang="0">
+                <a:pos x="connsiteX6" y="connsiteY6"/>
+              </a:cxn>
+              <a:cxn ang="0">
+                <a:pos x="connsiteX7" y="connsiteY7"/>
+              </a:cxn>
+              <a:cxn ang="0">
+                <a:pos x="connsiteX8" y="connsiteY8"/>
+              </a:cxn>
+              <a:cxn ang="0">
+                <a:pos x="connsiteX9" y="connsiteY9"/>
+              </a:cxn>
+            </a:cxnLst>
+            <a:rect l="l" t="t" r="r" b="b"/>
+            <a:pathLst>
+              <a:path w="177281" h="245307">
+                <a:moveTo>
+                  <a:pt x="102636" y="96017"/>
+                </a:moveTo>
+                <a:cubicBezTo>
+                  <a:pt x="87085" y="99127"/>
+                  <a:pt x="69752" y="97480"/>
+                  <a:pt x="55983" y="105348"/>
+                </a:cubicBezTo>
+                <a:cubicBezTo>
+                  <a:pt x="37190" y="116087"/>
+                  <a:pt x="32059" y="154392"/>
+                  <a:pt x="27991" y="170662"/>
+                </a:cubicBezTo>
+                <a:cubicBezTo>
+                  <a:pt x="34212" y="186213"/>
+                  <a:pt x="33107" y="207464"/>
+                  <a:pt x="46653" y="217315"/>
+                </a:cubicBezTo>
+                <a:cubicBezTo>
+                  <a:pt x="70515" y="234669"/>
+                  <a:pt x="130628" y="245307"/>
+                  <a:pt x="130628" y="245307"/>
+                </a:cubicBezTo>
+                <a:cubicBezTo>
+                  <a:pt x="139959" y="232866"/>
+                  <a:pt x="152639" y="222340"/>
+                  <a:pt x="158620" y="207985"/>
+                </a:cubicBezTo>
+                <a:cubicBezTo>
+                  <a:pt x="168484" y="184310"/>
+                  <a:pt x="177281" y="133340"/>
+                  <a:pt x="177281" y="133340"/>
+                </a:cubicBezTo>
+                <a:cubicBezTo>
+                  <a:pt x="171061" y="108458"/>
+                  <a:pt x="167385" y="82798"/>
+                  <a:pt x="158620" y="58695"/>
+                </a:cubicBezTo>
+                <a:cubicBezTo>
+                  <a:pt x="149436" y="33438"/>
+                  <a:pt x="117980" y="7646"/>
+                  <a:pt x="93306" y="2711"/>
+                </a:cubicBezTo>
+                <a:cubicBezTo>
+                  <a:pt x="62808" y="-3389"/>
+                  <a:pt x="31102" y="2711"/>
+                  <a:pt x="0" y="2711"/>
+                </a:cubicBezTo>
+              </a:path>
+            </a:pathLst>
+          </a:custGeom>
+          <a:noFill/>
+          <a:ln w="28575">
+            <a:solidFill>
+              <a:srgbClr val="C00000"/>
+            </a:solidFill>
+            <a:tailEnd type="triangle"/>
+          </a:ln>
+        </p:spPr>
+        <p:style>
+          <a:lnRef idx="2">
+            <a:schemeClr val="accent1">
+              <a:shade val="50000"/>
+            </a:schemeClr>
+          </a:lnRef>
+          <a:fillRef idx="1">
+            <a:schemeClr val="accent1"/>
+          </a:fillRef>
+          <a:effectRef idx="0">
+            <a:schemeClr val="accent1"/>
+          </a:effectRef>
+          <a:fontRef idx="minor">
+            <a:schemeClr val="lt1"/>
+          </a:fontRef>
+        </p:style>
+        <p:txBody>
+          <a:bodyPr rtlCol="0" anchor="ctr"/>
+          <a:lstStyle/>
+          <a:p>
+            <a:pPr algn="ctr"/>
+            <a:endParaRPr lang="en-US"/>
+          </a:p>
+        </p:txBody>
+      </p:sp>
+      <p:sp>
+        <p:nvSpPr>
+          <p:cNvPr id="48" name="Freeform: Shape 47">
+            <a:extLst>
+              <a:ext uri="{FF2B5EF4-FFF2-40B4-BE49-F238E27FC236}">
+                <a16:creationId xmlns:a16="http://schemas.microsoft.com/office/drawing/2014/main" id="{32D50F2C-D602-45D0-AE7E-DF76FC809976}"/>
+              </a:ext>
+            </a:extLst>
+          </p:cNvPr>
+          <p:cNvSpPr/>
+          <p:nvPr/>
+        </p:nvSpPr>
+        <p:spPr>
+          <a:xfrm>
+            <a:off x="6161257" y="4025896"/>
+            <a:ext cx="177281" cy="245307"/>
+          </a:xfrm>
+          <a:custGeom>
+            <a:avLst/>
+            <a:gdLst>
+              <a:gd name="connsiteX0" fmla="*/ 102636 w 177281"/>
+              <a:gd name="connsiteY0" fmla="*/ 96017 h 245307"/>
+              <a:gd name="connsiteX1" fmla="*/ 55983 w 177281"/>
+              <a:gd name="connsiteY1" fmla="*/ 105348 h 245307"/>
+              <a:gd name="connsiteX2" fmla="*/ 27991 w 177281"/>
+              <a:gd name="connsiteY2" fmla="*/ 170662 h 245307"/>
+              <a:gd name="connsiteX3" fmla="*/ 46653 w 177281"/>
+              <a:gd name="connsiteY3" fmla="*/ 217315 h 245307"/>
+              <a:gd name="connsiteX4" fmla="*/ 130628 w 177281"/>
+              <a:gd name="connsiteY4" fmla="*/ 245307 h 245307"/>
+              <a:gd name="connsiteX5" fmla="*/ 158620 w 177281"/>
+              <a:gd name="connsiteY5" fmla="*/ 207985 h 245307"/>
+              <a:gd name="connsiteX6" fmla="*/ 177281 w 177281"/>
+              <a:gd name="connsiteY6" fmla="*/ 133340 h 245307"/>
+              <a:gd name="connsiteX7" fmla="*/ 158620 w 177281"/>
+              <a:gd name="connsiteY7" fmla="*/ 58695 h 245307"/>
+              <a:gd name="connsiteX8" fmla="*/ 93306 w 177281"/>
+              <a:gd name="connsiteY8" fmla="*/ 2711 h 245307"/>
+              <a:gd name="connsiteX9" fmla="*/ 0 w 177281"/>
+              <a:gd name="connsiteY9" fmla="*/ 2711 h 245307"/>
+            </a:gdLst>
+            <a:ahLst/>
+            <a:cxnLst>
+              <a:cxn ang="0">
+                <a:pos x="connsiteX0" y="connsiteY0"/>
+              </a:cxn>
+              <a:cxn ang="0">
+                <a:pos x="connsiteX1" y="connsiteY1"/>
+              </a:cxn>
+              <a:cxn ang="0">
+                <a:pos x="connsiteX2" y="connsiteY2"/>
+              </a:cxn>
+              <a:cxn ang="0">
+                <a:pos x="connsiteX3" y="connsiteY3"/>
+              </a:cxn>
+              <a:cxn ang="0">
+                <a:pos x="connsiteX4" y="connsiteY4"/>
+              </a:cxn>
+              <a:cxn ang="0">
+                <a:pos x="connsiteX5" y="connsiteY5"/>
+              </a:cxn>
+              <a:cxn ang="0">
+                <a:pos x="connsiteX6" y="connsiteY6"/>
+              </a:cxn>
+              <a:cxn ang="0">
+                <a:pos x="connsiteX7" y="connsiteY7"/>
+              </a:cxn>
+              <a:cxn ang="0">
+                <a:pos x="connsiteX8" y="connsiteY8"/>
+              </a:cxn>
+              <a:cxn ang="0">
+                <a:pos x="connsiteX9" y="connsiteY9"/>
+              </a:cxn>
+            </a:cxnLst>
+            <a:rect l="l" t="t" r="r" b="b"/>
+            <a:pathLst>
+              <a:path w="177281" h="245307">
+                <a:moveTo>
+                  <a:pt x="102636" y="96017"/>
+                </a:moveTo>
+                <a:cubicBezTo>
+                  <a:pt x="87085" y="99127"/>
+                  <a:pt x="69752" y="97480"/>
+                  <a:pt x="55983" y="105348"/>
+                </a:cubicBezTo>
+                <a:cubicBezTo>
+                  <a:pt x="37190" y="116087"/>
+                  <a:pt x="32059" y="154392"/>
+                  <a:pt x="27991" y="170662"/>
+                </a:cubicBezTo>
+                <a:cubicBezTo>
+                  <a:pt x="34212" y="186213"/>
+                  <a:pt x="33107" y="207464"/>
+                  <a:pt x="46653" y="217315"/>
+                </a:cubicBezTo>
+                <a:cubicBezTo>
+                  <a:pt x="70515" y="234669"/>
+                  <a:pt x="130628" y="245307"/>
+                  <a:pt x="130628" y="245307"/>
+                </a:cubicBezTo>
+                <a:cubicBezTo>
+                  <a:pt x="139959" y="232866"/>
+                  <a:pt x="152639" y="222340"/>
+                  <a:pt x="158620" y="207985"/>
+                </a:cubicBezTo>
+                <a:cubicBezTo>
+                  <a:pt x="168484" y="184310"/>
+                  <a:pt x="177281" y="133340"/>
+                  <a:pt x="177281" y="133340"/>
+                </a:cubicBezTo>
+                <a:cubicBezTo>
+                  <a:pt x="171061" y="108458"/>
+                  <a:pt x="167385" y="82798"/>
+                  <a:pt x="158620" y="58695"/>
+                </a:cubicBezTo>
+                <a:cubicBezTo>
+                  <a:pt x="149436" y="33438"/>
+                  <a:pt x="117980" y="7646"/>
+                  <a:pt x="93306" y="2711"/>
+                </a:cubicBezTo>
+                <a:cubicBezTo>
+                  <a:pt x="62808" y="-3389"/>
+                  <a:pt x="31102" y="2711"/>
+                  <a:pt x="0" y="2711"/>
+                </a:cubicBezTo>
+              </a:path>
+            </a:pathLst>
+          </a:custGeom>
+          <a:noFill/>
+          <a:ln w="28575">
+            <a:solidFill>
+              <a:srgbClr val="C00000"/>
+            </a:solidFill>
+            <a:tailEnd type="triangle"/>
+          </a:ln>
+        </p:spPr>
+        <p:style>
+          <a:lnRef idx="2">
+            <a:schemeClr val="accent1">
+              <a:shade val="50000"/>
+            </a:schemeClr>
+          </a:lnRef>
+          <a:fillRef idx="1">
+            <a:schemeClr val="accent1"/>
+          </a:fillRef>
+          <a:effectRef idx="0">
+            <a:schemeClr val="accent1"/>
+          </a:effectRef>
+          <a:fontRef idx="minor">
+            <a:schemeClr val="lt1"/>
+          </a:fontRef>
+        </p:style>
+        <p:txBody>
+          <a:bodyPr rtlCol="0" anchor="ctr"/>
+          <a:lstStyle/>
+          <a:p>
+            <a:pPr algn="ctr"/>
+            <a:endParaRPr lang="en-US"/>
+          </a:p>
+        </p:txBody>
+      </p:sp>
+      <p:sp>
+        <p:nvSpPr>
+          <p:cNvPr id="51" name="Freeform: Shape 50">
+            <a:extLst>
+              <a:ext uri="{FF2B5EF4-FFF2-40B4-BE49-F238E27FC236}">
+                <a16:creationId xmlns:a16="http://schemas.microsoft.com/office/drawing/2014/main" id="{D69C5733-AD96-478A-B61D-DEEC8B670D92}"/>
+              </a:ext>
+            </a:extLst>
+          </p:cNvPr>
+          <p:cNvSpPr/>
+          <p:nvPr/>
+        </p:nvSpPr>
+        <p:spPr>
+          <a:xfrm>
+            <a:off x="8468226" y="4042095"/>
+            <a:ext cx="177281" cy="245307"/>
+          </a:xfrm>
+          <a:custGeom>
+            <a:avLst/>
+            <a:gdLst>
+              <a:gd name="connsiteX0" fmla="*/ 102636 w 177281"/>
+              <a:gd name="connsiteY0" fmla="*/ 96017 h 245307"/>
+              <a:gd name="connsiteX1" fmla="*/ 55983 w 177281"/>
+              <a:gd name="connsiteY1" fmla="*/ 105348 h 245307"/>
+              <a:gd name="connsiteX2" fmla="*/ 27991 w 177281"/>
+              <a:gd name="connsiteY2" fmla="*/ 170662 h 245307"/>
+              <a:gd name="connsiteX3" fmla="*/ 46653 w 177281"/>
+              <a:gd name="connsiteY3" fmla="*/ 217315 h 245307"/>
+              <a:gd name="connsiteX4" fmla="*/ 130628 w 177281"/>
+              <a:gd name="connsiteY4" fmla="*/ 245307 h 245307"/>
+              <a:gd name="connsiteX5" fmla="*/ 158620 w 177281"/>
+              <a:gd name="connsiteY5" fmla="*/ 207985 h 245307"/>
+              <a:gd name="connsiteX6" fmla="*/ 177281 w 177281"/>
+              <a:gd name="connsiteY6" fmla="*/ 133340 h 245307"/>
+              <a:gd name="connsiteX7" fmla="*/ 158620 w 177281"/>
+              <a:gd name="connsiteY7" fmla="*/ 58695 h 245307"/>
+              <a:gd name="connsiteX8" fmla="*/ 93306 w 177281"/>
+              <a:gd name="connsiteY8" fmla="*/ 2711 h 245307"/>
+              <a:gd name="connsiteX9" fmla="*/ 0 w 177281"/>
+              <a:gd name="connsiteY9" fmla="*/ 2711 h 245307"/>
+            </a:gdLst>
+            <a:ahLst/>
+            <a:cxnLst>
+              <a:cxn ang="0">
+                <a:pos x="connsiteX0" y="connsiteY0"/>
+              </a:cxn>
+              <a:cxn ang="0">
+                <a:pos x="connsiteX1" y="connsiteY1"/>
+              </a:cxn>
+              <a:cxn ang="0">
+                <a:pos x="connsiteX2" y="connsiteY2"/>
+              </a:cxn>
+              <a:cxn ang="0">
+                <a:pos x="connsiteX3" y="connsiteY3"/>
+              </a:cxn>
+              <a:cxn ang="0">
+                <a:pos x="connsiteX4" y="connsiteY4"/>
+              </a:cxn>
+              <a:cxn ang="0">
+                <a:pos x="connsiteX5" y="connsiteY5"/>
+              </a:cxn>
+              <a:cxn ang="0">
+                <a:pos x="connsiteX6" y="connsiteY6"/>
+              </a:cxn>
+              <a:cxn ang="0">
+                <a:pos x="connsiteX7" y="connsiteY7"/>
+              </a:cxn>
+              <a:cxn ang="0">
+                <a:pos x="connsiteX8" y="connsiteY8"/>
+              </a:cxn>
+              <a:cxn ang="0">
+                <a:pos x="connsiteX9" y="connsiteY9"/>
+              </a:cxn>
+            </a:cxnLst>
+            <a:rect l="l" t="t" r="r" b="b"/>
+            <a:pathLst>
+              <a:path w="177281" h="245307">
+                <a:moveTo>
+                  <a:pt x="102636" y="96017"/>
+                </a:moveTo>
+                <a:cubicBezTo>
+                  <a:pt x="87085" y="99127"/>
+                  <a:pt x="69752" y="97480"/>
+                  <a:pt x="55983" y="105348"/>
+                </a:cubicBezTo>
+                <a:cubicBezTo>
+                  <a:pt x="37190" y="116087"/>
+                  <a:pt x="32059" y="154392"/>
+                  <a:pt x="27991" y="170662"/>
+                </a:cubicBezTo>
+                <a:cubicBezTo>
+                  <a:pt x="34212" y="186213"/>
+                  <a:pt x="33107" y="207464"/>
+                  <a:pt x="46653" y="217315"/>
+                </a:cubicBezTo>
+                <a:cubicBezTo>
+                  <a:pt x="70515" y="234669"/>
+                  <a:pt x="130628" y="245307"/>
+                  <a:pt x="130628" y="245307"/>
+                </a:cubicBezTo>
+                <a:cubicBezTo>
+                  <a:pt x="139959" y="232866"/>
+                  <a:pt x="152639" y="222340"/>
+                  <a:pt x="158620" y="207985"/>
+                </a:cubicBezTo>
+                <a:cubicBezTo>
+                  <a:pt x="168484" y="184310"/>
+                  <a:pt x="177281" y="133340"/>
+                  <a:pt x="177281" y="133340"/>
+                </a:cubicBezTo>
+                <a:cubicBezTo>
+                  <a:pt x="171061" y="108458"/>
+                  <a:pt x="167385" y="82798"/>
+                  <a:pt x="158620" y="58695"/>
+                </a:cubicBezTo>
+                <a:cubicBezTo>
+                  <a:pt x="149436" y="33438"/>
+                  <a:pt x="117980" y="7646"/>
+                  <a:pt x="93306" y="2711"/>
+                </a:cubicBezTo>
+                <a:cubicBezTo>
+                  <a:pt x="62808" y="-3389"/>
+                  <a:pt x="31102" y="2711"/>
+                  <a:pt x="0" y="2711"/>
+                </a:cubicBezTo>
+              </a:path>
+            </a:pathLst>
+          </a:custGeom>
+          <a:noFill/>
+          <a:ln w="28575">
+            <a:solidFill>
+              <a:srgbClr val="C00000"/>
+            </a:solidFill>
+            <a:tailEnd type="triangle"/>
+          </a:ln>
+        </p:spPr>
+        <p:style>
+          <a:lnRef idx="2">
+            <a:schemeClr val="accent1">
+              <a:shade val="50000"/>
+            </a:schemeClr>
+          </a:lnRef>
+          <a:fillRef idx="1">
+            <a:schemeClr val="accent1"/>
+          </a:fillRef>
+          <a:effectRef idx="0">
+            <a:schemeClr val="accent1"/>
+          </a:effectRef>
+          <a:fontRef idx="minor">
+            <a:schemeClr val="lt1"/>
+          </a:fontRef>
+        </p:style>
+        <p:txBody>
+          <a:bodyPr rtlCol="0" anchor="ctr"/>
+          <a:lstStyle/>
+          <a:p>
+            <a:pPr algn="ctr"/>
+            <a:endParaRPr lang="en-US"/>
+          </a:p>
+        </p:txBody>
+      </p:sp>
+      <p:sp>
+        <p:nvSpPr>
+          <p:cNvPr id="55" name="Freeform: Shape 54">
+            <a:extLst>
+              <a:ext uri="{FF2B5EF4-FFF2-40B4-BE49-F238E27FC236}">
+                <a16:creationId xmlns:a16="http://schemas.microsoft.com/office/drawing/2014/main" id="{CC2B31BB-8D95-4B87-9F78-14E9C773EF3F}"/>
+              </a:ext>
+            </a:extLst>
+          </p:cNvPr>
+          <p:cNvSpPr/>
+          <p:nvPr/>
+        </p:nvSpPr>
+        <p:spPr>
+          <a:xfrm>
+            <a:off x="3348647" y="4316439"/>
+            <a:ext cx="485192" cy="1088736"/>
+          </a:xfrm>
+          <a:custGeom>
+            <a:avLst/>
+            <a:gdLst>
+              <a:gd name="connsiteX0" fmla="*/ 0 w 485192"/>
+              <a:gd name="connsiteY0" fmla="*/ 27991 h 802432"/>
+              <a:gd name="connsiteX1" fmla="*/ 0 w 485192"/>
+              <a:gd name="connsiteY1" fmla="*/ 783771 h 802432"/>
+              <a:gd name="connsiteX2" fmla="*/ 298580 w 485192"/>
+              <a:gd name="connsiteY2" fmla="*/ 802432 h 802432"/>
+              <a:gd name="connsiteX3" fmla="*/ 419878 w 485192"/>
+              <a:gd name="connsiteY3" fmla="*/ 699795 h 802432"/>
+              <a:gd name="connsiteX4" fmla="*/ 485192 w 485192"/>
+              <a:gd name="connsiteY4" fmla="*/ 513183 h 802432"/>
+              <a:gd name="connsiteX5" fmla="*/ 401217 w 485192"/>
+              <a:gd name="connsiteY5" fmla="*/ 307910 h 802432"/>
+              <a:gd name="connsiteX6" fmla="*/ 289249 w 485192"/>
+              <a:gd name="connsiteY6" fmla="*/ 65314 h 802432"/>
+              <a:gd name="connsiteX7" fmla="*/ 177282 w 485192"/>
+              <a:gd name="connsiteY7" fmla="*/ 0 h 802432"/>
+              <a:gd name="connsiteX8" fmla="*/ 0 w 485192"/>
+              <a:gd name="connsiteY8" fmla="*/ 27991 h 802432"/>
+            </a:gdLst>
+            <a:ahLst/>
+            <a:cxnLst>
+              <a:cxn ang="0">
+                <a:pos x="connsiteX0" y="connsiteY0"/>
+              </a:cxn>
+              <a:cxn ang="0">
+                <a:pos x="connsiteX1" y="connsiteY1"/>
+              </a:cxn>
+              <a:cxn ang="0">
+                <a:pos x="connsiteX2" y="connsiteY2"/>
+              </a:cxn>
+              <a:cxn ang="0">
+                <a:pos x="connsiteX3" y="connsiteY3"/>
+              </a:cxn>
+              <a:cxn ang="0">
+                <a:pos x="connsiteX4" y="connsiteY4"/>
+              </a:cxn>
+              <a:cxn ang="0">
+                <a:pos x="connsiteX5" y="connsiteY5"/>
+              </a:cxn>
+              <a:cxn ang="0">
+                <a:pos x="connsiteX6" y="connsiteY6"/>
+              </a:cxn>
+              <a:cxn ang="0">
+                <a:pos x="connsiteX7" y="connsiteY7"/>
+              </a:cxn>
+              <a:cxn ang="0">
+                <a:pos x="connsiteX8" y="connsiteY8"/>
+              </a:cxn>
+            </a:cxnLst>
+            <a:rect l="l" t="t" r="r" b="b"/>
+            <a:pathLst>
+              <a:path w="485192" h="802432">
+                <a:moveTo>
+                  <a:pt x="0" y="27991"/>
+                </a:moveTo>
+                <a:lnTo>
+                  <a:pt x="0" y="783771"/>
+                </a:lnTo>
+                <a:lnTo>
+                  <a:pt x="298580" y="802432"/>
+                </a:lnTo>
+                <a:lnTo>
+                  <a:pt x="419878" y="699795"/>
+                </a:lnTo>
+                <a:lnTo>
+                  <a:pt x="485192" y="513183"/>
+                </a:lnTo>
+                <a:lnTo>
+                  <a:pt x="401217" y="307910"/>
+                </a:lnTo>
+                <a:lnTo>
+                  <a:pt x="289249" y="65314"/>
+                </a:lnTo>
+                <a:lnTo>
+                  <a:pt x="177282" y="0"/>
+                </a:lnTo>
+                <a:lnTo>
+                  <a:pt x="0" y="27991"/>
+                </a:lnTo>
+                <a:close/>
+              </a:path>
+            </a:pathLst>
+          </a:custGeom>
+          <a:solidFill>
+            <a:schemeClr val="bg2">
+              <a:lumMod val="50000"/>
+            </a:schemeClr>
+          </a:solidFill>
+          <a:ln w="76200">
+            <a:solidFill>
+              <a:schemeClr val="accent2"/>
+            </a:solidFill>
+          </a:ln>
+        </p:spPr>
+        <p:style>
+          <a:lnRef idx="2">
+            <a:schemeClr val="accent1">
+              <a:shade val="50000"/>
+            </a:schemeClr>
+          </a:lnRef>
+          <a:fillRef idx="1">
+            <a:schemeClr val="accent1"/>
+          </a:fillRef>
+          <a:effectRef idx="0">
+            <a:schemeClr val="accent1"/>
+          </a:effectRef>
+          <a:fontRef idx="minor">
+            <a:schemeClr val="lt1"/>
+          </a:fontRef>
+        </p:style>
+        <p:txBody>
+          <a:bodyPr rtlCol="0" anchor="ctr"/>
+          <a:lstStyle/>
+          <a:p>
+            <a:pPr algn="ctr"/>
+            <a:endParaRPr lang="en-US"/>
+          </a:p>
+        </p:txBody>
+      </p:sp>
+      <p:sp>
+        <p:nvSpPr>
+          <p:cNvPr id="73" name="Freeform: Shape 72">
+            <a:extLst>
+              <a:ext uri="{FF2B5EF4-FFF2-40B4-BE49-F238E27FC236}">
+                <a16:creationId xmlns:a16="http://schemas.microsoft.com/office/drawing/2014/main" id="{93C331E8-25F7-41B1-8C2A-8F76C5A9D48D}"/>
+              </a:ext>
+            </a:extLst>
+          </p:cNvPr>
+          <p:cNvSpPr/>
+          <p:nvPr/>
+        </p:nvSpPr>
+        <p:spPr>
+          <a:xfrm>
+            <a:off x="5478462" y="474502"/>
+            <a:ext cx="361950" cy="1857375"/>
+          </a:xfrm>
+          <a:custGeom>
+            <a:avLst/>
+            <a:gdLst>
+              <a:gd name="connsiteX0" fmla="*/ 0 w 361950"/>
+              <a:gd name="connsiteY0" fmla="*/ 0 h 1857375"/>
+              <a:gd name="connsiteX1" fmla="*/ 4763 w 361950"/>
+              <a:gd name="connsiteY1" fmla="*/ 1147763 h 1857375"/>
+              <a:gd name="connsiteX2" fmla="*/ 114300 w 361950"/>
+              <a:gd name="connsiteY2" fmla="*/ 1119188 h 1857375"/>
+              <a:gd name="connsiteX3" fmla="*/ 200025 w 361950"/>
+              <a:gd name="connsiteY3" fmla="*/ 1181100 h 1857375"/>
+              <a:gd name="connsiteX4" fmla="*/ 342900 w 361950"/>
+              <a:gd name="connsiteY4" fmla="*/ 1333500 h 1857375"/>
+              <a:gd name="connsiteX5" fmla="*/ 361950 w 361950"/>
+              <a:gd name="connsiteY5" fmla="*/ 1528763 h 1857375"/>
+              <a:gd name="connsiteX6" fmla="*/ 304800 w 361950"/>
+              <a:gd name="connsiteY6" fmla="*/ 1666875 h 1857375"/>
+              <a:gd name="connsiteX7" fmla="*/ 271463 w 361950"/>
+              <a:gd name="connsiteY7" fmla="*/ 1790700 h 1857375"/>
+              <a:gd name="connsiteX8" fmla="*/ 271463 w 361950"/>
+              <a:gd name="connsiteY8" fmla="*/ 1857375 h 1857375"/>
+              <a:gd name="connsiteX9" fmla="*/ 14288 w 361950"/>
+              <a:gd name="connsiteY9" fmla="*/ 1852613 h 1857375"/>
+              <a:gd name="connsiteX10" fmla="*/ 0 w 361950"/>
+              <a:gd name="connsiteY10" fmla="*/ 0 h 1857375"/>
+            </a:gdLst>
+            <a:ahLst/>
+            <a:cxnLst>
+              <a:cxn ang="0">
+                <a:pos x="connsiteX0" y="connsiteY0"/>
+              </a:cxn>
+              <a:cxn ang="0">
+                <a:pos x="connsiteX1" y="connsiteY1"/>
+              </a:cxn>
+              <a:cxn ang="0">
+                <a:pos x="connsiteX2" y="connsiteY2"/>
+              </a:cxn>
+              <a:cxn ang="0">
+                <a:pos x="connsiteX3" y="connsiteY3"/>
+              </a:cxn>
+              <a:cxn ang="0">
+                <a:pos x="connsiteX4" y="connsiteY4"/>
+              </a:cxn>
+              <a:cxn ang="0">
+                <a:pos x="connsiteX5" y="connsiteY5"/>
+              </a:cxn>
+              <a:cxn ang="0">
+                <a:pos x="connsiteX6" y="connsiteY6"/>
+              </a:cxn>
+              <a:cxn ang="0">
+                <a:pos x="connsiteX7" y="connsiteY7"/>
+              </a:cxn>
+              <a:cxn ang="0">
+                <a:pos x="connsiteX8" y="connsiteY8"/>
+              </a:cxn>
+              <a:cxn ang="0">
+                <a:pos x="connsiteX9" y="connsiteY9"/>
+              </a:cxn>
+              <a:cxn ang="0">
+                <a:pos x="connsiteX10" y="connsiteY10"/>
+              </a:cxn>
+            </a:cxnLst>
+            <a:rect l="l" t="t" r="r" b="b"/>
+            <a:pathLst>
+              <a:path w="361950" h="1857375">
+                <a:moveTo>
+                  <a:pt x="0" y="0"/>
+                </a:moveTo>
+                <a:cubicBezTo>
+                  <a:pt x="1588" y="382588"/>
+                  <a:pt x="3175" y="765175"/>
+                  <a:pt x="4763" y="1147763"/>
+                </a:cubicBezTo>
+                <a:lnTo>
+                  <a:pt x="114300" y="1119188"/>
+                </a:lnTo>
+                <a:lnTo>
+                  <a:pt x="200025" y="1181100"/>
+                </a:lnTo>
+                <a:lnTo>
+                  <a:pt x="342900" y="1333500"/>
+                </a:lnTo>
+                <a:lnTo>
+                  <a:pt x="361950" y="1528763"/>
+                </a:lnTo>
+                <a:lnTo>
+                  <a:pt x="304800" y="1666875"/>
+                </a:lnTo>
+                <a:lnTo>
+                  <a:pt x="271463" y="1790700"/>
+                </a:lnTo>
+                <a:lnTo>
+                  <a:pt x="271463" y="1857375"/>
+                </a:lnTo>
+                <a:lnTo>
+                  <a:pt x="14288" y="1852613"/>
+                </a:lnTo>
+                <a:lnTo>
+                  <a:pt x="0" y="0"/>
+                </a:lnTo>
+                <a:close/>
+              </a:path>
+            </a:pathLst>
+          </a:custGeom>
+          <a:solidFill>
+            <a:schemeClr val="bg2">
+              <a:lumMod val="50000"/>
+            </a:schemeClr>
+          </a:solidFill>
+          <a:ln w="76200">
+            <a:solidFill>
+              <a:srgbClr val="ED7D31"/>
+            </a:solidFill>
+          </a:ln>
+        </p:spPr>
+        <p:style>
+          <a:lnRef idx="2">
+            <a:schemeClr val="accent1">
+              <a:shade val="50000"/>
+            </a:schemeClr>
+          </a:lnRef>
+          <a:fillRef idx="1">
+            <a:schemeClr val="accent1"/>
+          </a:fillRef>
+          <a:effectRef idx="0">
+            <a:schemeClr val="accent1"/>
+          </a:effectRef>
+          <a:fontRef idx="minor">
+            <a:schemeClr val="lt1"/>
+          </a:fontRef>
+        </p:style>
+        <p:txBody>
+          <a:bodyPr rtlCol="0" anchor="ctr"/>
+          <a:lstStyle/>
+          <a:p>
+            <a:pPr algn="ctr"/>
+            <a:endParaRPr lang="en-US"/>
+          </a:p>
+        </p:txBody>
+      </p:sp>
+      <p:sp>
+        <p:nvSpPr>
+          <p:cNvPr id="75" name="Freeform: Shape 74">
+            <a:extLst>
+              <a:ext uri="{FF2B5EF4-FFF2-40B4-BE49-F238E27FC236}">
+                <a16:creationId xmlns:a16="http://schemas.microsoft.com/office/drawing/2014/main" id="{EFD4DDD6-E401-4428-886B-52650BED7F6F}"/>
+              </a:ext>
+            </a:extLst>
+          </p:cNvPr>
+          <p:cNvSpPr/>
+          <p:nvPr/>
+        </p:nvSpPr>
+        <p:spPr>
+          <a:xfrm>
+            <a:off x="4489394" y="4061030"/>
+            <a:ext cx="177281" cy="245307"/>
+          </a:xfrm>
+          <a:custGeom>
+            <a:avLst/>
+            <a:gdLst>
+              <a:gd name="connsiteX0" fmla="*/ 102636 w 177281"/>
+              <a:gd name="connsiteY0" fmla="*/ 96017 h 245307"/>
+              <a:gd name="connsiteX1" fmla="*/ 55983 w 177281"/>
+              <a:gd name="connsiteY1" fmla="*/ 105348 h 245307"/>
+              <a:gd name="connsiteX2" fmla="*/ 27991 w 177281"/>
+              <a:gd name="connsiteY2" fmla="*/ 170662 h 245307"/>
+              <a:gd name="connsiteX3" fmla="*/ 46653 w 177281"/>
+              <a:gd name="connsiteY3" fmla="*/ 217315 h 245307"/>
+              <a:gd name="connsiteX4" fmla="*/ 130628 w 177281"/>
+              <a:gd name="connsiteY4" fmla="*/ 245307 h 245307"/>
+              <a:gd name="connsiteX5" fmla="*/ 158620 w 177281"/>
+              <a:gd name="connsiteY5" fmla="*/ 207985 h 245307"/>
+              <a:gd name="connsiteX6" fmla="*/ 177281 w 177281"/>
+              <a:gd name="connsiteY6" fmla="*/ 133340 h 245307"/>
+              <a:gd name="connsiteX7" fmla="*/ 158620 w 177281"/>
+              <a:gd name="connsiteY7" fmla="*/ 58695 h 245307"/>
+              <a:gd name="connsiteX8" fmla="*/ 93306 w 177281"/>
+              <a:gd name="connsiteY8" fmla="*/ 2711 h 245307"/>
+              <a:gd name="connsiteX9" fmla="*/ 0 w 177281"/>
+              <a:gd name="connsiteY9" fmla="*/ 2711 h 245307"/>
+            </a:gdLst>
+            <a:ahLst/>
+            <a:cxnLst>
+              <a:cxn ang="0">
+                <a:pos x="connsiteX0" y="connsiteY0"/>
+              </a:cxn>
+              <a:cxn ang="0">
+                <a:pos x="connsiteX1" y="connsiteY1"/>
+              </a:cxn>
+              <a:cxn ang="0">
+                <a:pos x="connsiteX2" y="connsiteY2"/>
+              </a:cxn>
+              <a:cxn ang="0">
+                <a:pos x="connsiteX3" y="connsiteY3"/>
+              </a:cxn>
+              <a:cxn ang="0">
+                <a:pos x="connsiteX4" y="connsiteY4"/>
+              </a:cxn>
+              <a:cxn ang="0">
+                <a:pos x="connsiteX5" y="connsiteY5"/>
+              </a:cxn>
+              <a:cxn ang="0">
+                <a:pos x="connsiteX6" y="connsiteY6"/>
+              </a:cxn>
+              <a:cxn ang="0">
+                <a:pos x="connsiteX7" y="connsiteY7"/>
+              </a:cxn>
+              <a:cxn ang="0">
+                <a:pos x="connsiteX8" y="connsiteY8"/>
+              </a:cxn>
+              <a:cxn ang="0">
+                <a:pos x="connsiteX9" y="connsiteY9"/>
+              </a:cxn>
+            </a:cxnLst>
+            <a:rect l="l" t="t" r="r" b="b"/>
+            <a:pathLst>
+              <a:path w="177281" h="245307">
+                <a:moveTo>
+                  <a:pt x="102636" y="96017"/>
+                </a:moveTo>
+                <a:cubicBezTo>
+                  <a:pt x="87085" y="99127"/>
+                  <a:pt x="69752" y="97480"/>
+                  <a:pt x="55983" y="105348"/>
+                </a:cubicBezTo>
+                <a:cubicBezTo>
+                  <a:pt x="37190" y="116087"/>
+                  <a:pt x="32059" y="154392"/>
+                  <a:pt x="27991" y="170662"/>
+                </a:cubicBezTo>
+                <a:cubicBezTo>
+                  <a:pt x="34212" y="186213"/>
+                  <a:pt x="33107" y="207464"/>
+                  <a:pt x="46653" y="217315"/>
+                </a:cubicBezTo>
+                <a:cubicBezTo>
+                  <a:pt x="70515" y="234669"/>
+                  <a:pt x="130628" y="245307"/>
+                  <a:pt x="130628" y="245307"/>
+                </a:cubicBezTo>
+                <a:cubicBezTo>
+                  <a:pt x="139959" y="232866"/>
+                  <a:pt x="152639" y="222340"/>
+                  <a:pt x="158620" y="207985"/>
+                </a:cubicBezTo>
+                <a:cubicBezTo>
+                  <a:pt x="168484" y="184310"/>
+                  <a:pt x="177281" y="133340"/>
+                  <a:pt x="177281" y="133340"/>
+                </a:cubicBezTo>
+                <a:cubicBezTo>
+                  <a:pt x="171061" y="108458"/>
+                  <a:pt x="167385" y="82798"/>
+                  <a:pt x="158620" y="58695"/>
+                </a:cubicBezTo>
+                <a:cubicBezTo>
+                  <a:pt x="149436" y="33438"/>
+                  <a:pt x="117980" y="7646"/>
+                  <a:pt x="93306" y="2711"/>
+                </a:cubicBezTo>
+                <a:cubicBezTo>
+                  <a:pt x="62808" y="-3389"/>
+                  <a:pt x="31102" y="2711"/>
+                  <a:pt x="0" y="2711"/>
+                </a:cubicBezTo>
+              </a:path>
+            </a:pathLst>
+          </a:custGeom>
+          <a:noFill/>
+          <a:ln w="28575">
+            <a:solidFill>
+              <a:srgbClr val="C00000"/>
+            </a:solidFill>
+            <a:tailEnd type="triangle"/>
+          </a:ln>
+        </p:spPr>
+        <p:style>
+          <a:lnRef idx="2">
+            <a:schemeClr val="accent1">
+              <a:shade val="50000"/>
+            </a:schemeClr>
+          </a:lnRef>
+          <a:fillRef idx="1">
+            <a:schemeClr val="accent1"/>
+          </a:fillRef>
+          <a:effectRef idx="0">
+            <a:schemeClr val="accent1"/>
+          </a:effectRef>
+          <a:fontRef idx="minor">
+            <a:schemeClr val="lt1"/>
+          </a:fontRef>
+        </p:style>
+        <p:txBody>
+          <a:bodyPr rtlCol="0" anchor="ctr"/>
+          <a:lstStyle/>
+          <a:p>
+            <a:pPr algn="ctr"/>
+            <a:endParaRPr lang="en-US"/>
+          </a:p>
+        </p:txBody>
+      </p:sp>
+      <p:cxnSp>
+        <p:nvCxnSpPr>
+          <p:cNvPr id="77" name="Straight Arrow Connector 76">
+            <a:extLst>
+              <a:ext uri="{FF2B5EF4-FFF2-40B4-BE49-F238E27FC236}">
+                <a16:creationId xmlns:a16="http://schemas.microsoft.com/office/drawing/2014/main" id="{739D69F8-A96A-4ED4-80A8-A5B4DF73EDE4}"/>
+              </a:ext>
+            </a:extLst>
+          </p:cNvPr>
+          <p:cNvCxnSpPr/>
+          <p:nvPr/>
+        </p:nvCxnSpPr>
+        <p:spPr>
+          <a:xfrm flipH="1" flipV="1">
+            <a:off x="8531225" y="826927"/>
+            <a:ext cx="123825" cy="552450"/>
+          </a:xfrm>
+          <a:prstGeom prst="straightConnector1">
+            <a:avLst/>
+          </a:prstGeom>
+          <a:ln>
+            <a:solidFill>
+              <a:srgbClr val="ED7D31"/>
+            </a:solidFill>
+            <a:tailEnd type="triangle"/>
+          </a:ln>
+        </p:spPr>
+        <p:style>
+          <a:lnRef idx="1">
+            <a:schemeClr val="accent1"/>
+          </a:lnRef>
+          <a:fillRef idx="0">
+            <a:schemeClr val="accent1"/>
+          </a:fillRef>
+          <a:effectRef idx="0">
+            <a:schemeClr val="accent1"/>
+          </a:effectRef>
+          <a:fontRef idx="minor">
+            <a:schemeClr val="tx1"/>
+          </a:fontRef>
+        </p:style>
+      </p:cxnSp>
+      <p:cxnSp>
+        <p:nvCxnSpPr>
+          <p:cNvPr id="78" name="Straight Arrow Connector 77">
+            <a:extLst>
+              <a:ext uri="{FF2B5EF4-FFF2-40B4-BE49-F238E27FC236}">
+                <a16:creationId xmlns:a16="http://schemas.microsoft.com/office/drawing/2014/main" id="{EF107DE9-EF66-4E68-AC62-44B1D3D104DD}"/>
+              </a:ext>
+            </a:extLst>
+          </p:cNvPr>
+          <p:cNvCxnSpPr>
+            <a:cxnSpLocks/>
+          </p:cNvCxnSpPr>
+          <p:nvPr/>
+        </p:nvCxnSpPr>
+        <p:spPr>
+          <a:xfrm flipH="1" flipV="1">
+            <a:off x="8010525" y="877727"/>
+            <a:ext cx="635001" cy="958851"/>
+          </a:xfrm>
+          <a:prstGeom prst="straightConnector1">
+            <a:avLst/>
+          </a:prstGeom>
+          <a:ln>
+            <a:solidFill>
+              <a:srgbClr val="ED7D31"/>
+            </a:solidFill>
+            <a:tailEnd type="triangle"/>
+          </a:ln>
+        </p:spPr>
+        <p:style>
+          <a:lnRef idx="1">
+            <a:schemeClr val="accent1"/>
+          </a:lnRef>
+          <a:fillRef idx="0">
+            <a:schemeClr val="accent1"/>
+          </a:fillRef>
+          <a:effectRef idx="0">
+            <a:schemeClr val="accent1"/>
+          </a:effectRef>
+          <a:fontRef idx="minor">
+            <a:schemeClr val="tx1"/>
+          </a:fontRef>
+        </p:style>
+      </p:cxnSp>
+      <p:cxnSp>
+        <p:nvCxnSpPr>
+          <p:cNvPr id="80" name="Straight Arrow Connector 79">
+            <a:extLst>
+              <a:ext uri="{FF2B5EF4-FFF2-40B4-BE49-F238E27FC236}">
+                <a16:creationId xmlns:a16="http://schemas.microsoft.com/office/drawing/2014/main" id="{48EECE0B-0FE7-403B-A9B7-48B6CE2B2E70}"/>
+              </a:ext>
+            </a:extLst>
+          </p:cNvPr>
+          <p:cNvCxnSpPr>
+            <a:cxnSpLocks/>
+          </p:cNvCxnSpPr>
+          <p:nvPr/>
+        </p:nvCxnSpPr>
+        <p:spPr>
+          <a:xfrm flipV="1">
+            <a:off x="5597525" y="896777"/>
+            <a:ext cx="336550" cy="482600"/>
+          </a:xfrm>
+          <a:prstGeom prst="straightConnector1">
+            <a:avLst/>
+          </a:prstGeom>
+          <a:ln>
+            <a:solidFill>
+              <a:srgbClr val="ED7D31"/>
+            </a:solidFill>
+            <a:tailEnd type="triangle"/>
+          </a:ln>
+        </p:spPr>
+        <p:style>
+          <a:lnRef idx="1">
+            <a:schemeClr val="accent1"/>
+          </a:lnRef>
+          <a:fillRef idx="0">
+            <a:schemeClr val="accent1"/>
+          </a:fillRef>
+          <a:effectRef idx="0">
+            <a:schemeClr val="accent1"/>
+          </a:effectRef>
+          <a:fontRef idx="minor">
+            <a:schemeClr val="tx1"/>
+          </a:fontRef>
+        </p:style>
+      </p:cxnSp>
+      <p:sp>
+        <p:nvSpPr>
+          <p:cNvPr id="27" name="TextBox 26">
+            <a:extLst>
+              <a:ext uri="{FF2B5EF4-FFF2-40B4-BE49-F238E27FC236}">
+                <a16:creationId xmlns:a16="http://schemas.microsoft.com/office/drawing/2014/main" id="{8A6C58A5-BDBC-41BB-AD50-5CEB197935A6}"/>
+              </a:ext>
+            </a:extLst>
+          </p:cNvPr>
+          <p:cNvSpPr txBox="1"/>
+          <p:nvPr/>
+        </p:nvSpPr>
+        <p:spPr>
+          <a:xfrm>
+            <a:off x="5722265" y="2737617"/>
+            <a:ext cx="3145510" cy="584775"/>
+          </a:xfrm>
+          <a:prstGeom prst="rect">
+            <a:avLst/>
+          </a:prstGeom>
+          <a:noFill/>
+        </p:spPr>
+        <p:txBody>
+          <a:bodyPr wrap="square" rtlCol="0">
+            <a:spAutoFit/>
+          </a:bodyPr>
+          <a:lstStyle/>
+          <a:p>
+            <a:r>
+              <a:rPr lang="en-US" sz="3200" b="1" dirty="0"/>
+              <a:t>Efficient Channel</a:t>
+            </a:r>
+          </a:p>
+        </p:txBody>
+      </p:sp>
+      <p:cxnSp>
+        <p:nvCxnSpPr>
+          <p:cNvPr id="82" name="Straight Arrow Connector 81">
+            <a:extLst>
+              <a:ext uri="{FF2B5EF4-FFF2-40B4-BE49-F238E27FC236}">
+                <a16:creationId xmlns:a16="http://schemas.microsoft.com/office/drawing/2014/main" id="{6E4EBD94-244A-4534-9ABC-E318D5612CDB}"/>
+              </a:ext>
+            </a:extLst>
+          </p:cNvPr>
+          <p:cNvCxnSpPr>
+            <a:cxnSpLocks/>
+            <a:stCxn id="9" idx="3"/>
+          </p:cNvCxnSpPr>
+          <p:nvPr/>
+        </p:nvCxnSpPr>
+        <p:spPr>
+          <a:xfrm flipH="1" flipV="1">
+            <a:off x="10553703" y="4340227"/>
+            <a:ext cx="362384" cy="361584"/>
+          </a:xfrm>
+          <a:prstGeom prst="straightConnector1">
+            <a:avLst/>
+          </a:prstGeom>
+          <a:ln>
+            <a:solidFill>
+              <a:srgbClr val="ED7D31"/>
+            </a:solidFill>
+            <a:tailEnd type="triangle"/>
+          </a:ln>
+        </p:spPr>
+        <p:style>
+          <a:lnRef idx="1">
+            <a:schemeClr val="accent1"/>
+          </a:lnRef>
+          <a:fillRef idx="0">
+            <a:schemeClr val="accent1"/>
+          </a:fillRef>
+          <a:effectRef idx="0">
+            <a:schemeClr val="accent1"/>
+          </a:effectRef>
+          <a:fontRef idx="minor">
+            <a:schemeClr val="tx1"/>
+          </a:fontRef>
+        </p:style>
+      </p:cxnSp>
+      <p:cxnSp>
+        <p:nvCxnSpPr>
+          <p:cNvPr id="87" name="Straight Arrow Connector 86">
+            <a:extLst>
+              <a:ext uri="{FF2B5EF4-FFF2-40B4-BE49-F238E27FC236}">
+                <a16:creationId xmlns:a16="http://schemas.microsoft.com/office/drawing/2014/main" id="{D2A0113B-0A97-4F0B-ACA7-474F2C56B748}"/>
+              </a:ext>
+            </a:extLst>
+          </p:cNvPr>
+          <p:cNvCxnSpPr>
+            <a:cxnSpLocks/>
+          </p:cNvCxnSpPr>
+          <p:nvPr/>
+        </p:nvCxnSpPr>
+        <p:spPr>
+          <a:xfrm flipV="1">
+            <a:off x="8582029" y="4321177"/>
+            <a:ext cx="0" cy="190498"/>
+          </a:xfrm>
+          <a:prstGeom prst="straightConnector1">
+            <a:avLst/>
+          </a:prstGeom>
+          <a:ln>
+            <a:solidFill>
+              <a:srgbClr val="ED7D31"/>
+            </a:solidFill>
+            <a:tailEnd type="triangle"/>
+          </a:ln>
+        </p:spPr>
+        <p:style>
+          <a:lnRef idx="1">
+            <a:schemeClr val="accent1"/>
+          </a:lnRef>
+          <a:fillRef idx="0">
+            <a:schemeClr val="accent1"/>
+          </a:fillRef>
+          <a:effectRef idx="0">
+            <a:schemeClr val="accent1"/>
+          </a:effectRef>
+          <a:fontRef idx="minor">
+            <a:schemeClr val="tx1"/>
+          </a:fontRef>
+        </p:style>
+      </p:cxnSp>
+      <p:cxnSp>
+        <p:nvCxnSpPr>
+          <p:cNvPr id="88" name="Straight Arrow Connector 87">
+            <a:extLst>
+              <a:ext uri="{FF2B5EF4-FFF2-40B4-BE49-F238E27FC236}">
+                <a16:creationId xmlns:a16="http://schemas.microsoft.com/office/drawing/2014/main" id="{6DD88DCF-74E2-43DF-A424-22EADB1FAB29}"/>
+              </a:ext>
+            </a:extLst>
+          </p:cNvPr>
+          <p:cNvCxnSpPr>
+            <a:cxnSpLocks/>
+          </p:cNvCxnSpPr>
+          <p:nvPr/>
+        </p:nvCxnSpPr>
+        <p:spPr>
+          <a:xfrm flipV="1">
+            <a:off x="6276979" y="4349752"/>
+            <a:ext cx="0" cy="952498"/>
+          </a:xfrm>
+          <a:prstGeom prst="straightConnector1">
+            <a:avLst/>
+          </a:prstGeom>
+          <a:ln>
+            <a:solidFill>
+              <a:srgbClr val="ED7D31"/>
+            </a:solidFill>
+            <a:tailEnd type="triangle"/>
+          </a:ln>
+        </p:spPr>
+        <p:style>
+          <a:lnRef idx="1">
+            <a:schemeClr val="accent1"/>
+          </a:lnRef>
+          <a:fillRef idx="0">
+            <a:schemeClr val="accent1"/>
+          </a:fillRef>
+          <a:effectRef idx="0">
+            <a:schemeClr val="accent1"/>
+          </a:effectRef>
+          <a:fontRef idx="minor">
+            <a:schemeClr val="tx1"/>
+          </a:fontRef>
+        </p:style>
+      </p:cxnSp>
+      <p:cxnSp>
+        <p:nvCxnSpPr>
+          <p:cNvPr id="92" name="Straight Arrow Connector 91">
+            <a:extLst>
+              <a:ext uri="{FF2B5EF4-FFF2-40B4-BE49-F238E27FC236}">
+                <a16:creationId xmlns:a16="http://schemas.microsoft.com/office/drawing/2014/main" id="{86EB8504-EA52-464A-8E47-EC7F1CA5E1B4}"/>
+              </a:ext>
+            </a:extLst>
+          </p:cNvPr>
+          <p:cNvCxnSpPr>
+            <a:cxnSpLocks/>
+          </p:cNvCxnSpPr>
+          <p:nvPr/>
+        </p:nvCxnSpPr>
+        <p:spPr>
+          <a:xfrm flipV="1">
+            <a:off x="3886200" y="4419600"/>
+            <a:ext cx="647700" cy="657226"/>
+          </a:xfrm>
+          <a:prstGeom prst="straightConnector1">
+            <a:avLst/>
+          </a:prstGeom>
+          <a:ln>
+            <a:solidFill>
+              <a:srgbClr val="ED7D31"/>
+            </a:solidFill>
+            <a:tailEnd type="triangle"/>
+          </a:ln>
+        </p:spPr>
+        <p:style>
+          <a:lnRef idx="1">
+            <a:schemeClr val="accent1"/>
+          </a:lnRef>
+          <a:fillRef idx="0">
+            <a:schemeClr val="accent1"/>
+          </a:fillRef>
+          <a:effectRef idx="0">
+            <a:schemeClr val="accent1"/>
+          </a:effectRef>
+          <a:fontRef idx="minor">
+            <a:schemeClr val="tx1"/>
+          </a:fontRef>
+        </p:style>
+      </p:cxnSp>
+      <p:cxnSp>
+        <p:nvCxnSpPr>
+          <p:cNvPr id="94" name="Straight Arrow Connector 93">
+            <a:extLst>
+              <a:ext uri="{FF2B5EF4-FFF2-40B4-BE49-F238E27FC236}">
+                <a16:creationId xmlns:a16="http://schemas.microsoft.com/office/drawing/2014/main" id="{5F181127-A1EF-4B66-8776-B104254821D9}"/>
+              </a:ext>
+            </a:extLst>
+          </p:cNvPr>
+          <p:cNvCxnSpPr>
+            <a:cxnSpLocks/>
+          </p:cNvCxnSpPr>
+          <p:nvPr/>
+        </p:nvCxnSpPr>
+        <p:spPr>
+          <a:xfrm flipV="1">
+            <a:off x="3819525" y="4368803"/>
+            <a:ext cx="219079" cy="165097"/>
+          </a:xfrm>
+          <a:prstGeom prst="straightConnector1">
+            <a:avLst/>
+          </a:prstGeom>
+          <a:ln>
+            <a:solidFill>
+              <a:srgbClr val="ED7D31"/>
+            </a:solidFill>
+            <a:tailEnd type="triangle"/>
+          </a:ln>
+        </p:spPr>
+        <p:style>
+          <a:lnRef idx="1">
+            <a:schemeClr val="accent1"/>
+          </a:lnRef>
+          <a:fillRef idx="0">
+            <a:schemeClr val="accent1"/>
+          </a:fillRef>
+          <a:effectRef idx="0">
+            <a:schemeClr val="accent1"/>
+          </a:effectRef>
+          <a:fontRef idx="minor">
+            <a:schemeClr val="tx1"/>
+          </a:fontRef>
+        </p:style>
+      </p:cxnSp>
+      <p:cxnSp>
+        <p:nvCxnSpPr>
+          <p:cNvPr id="100" name="Straight Arrow Connector 99">
+            <a:extLst>
+              <a:ext uri="{FF2B5EF4-FFF2-40B4-BE49-F238E27FC236}">
+                <a16:creationId xmlns:a16="http://schemas.microsoft.com/office/drawing/2014/main" id="{64337B26-D84F-4C14-86A9-4229EFA19DA5}"/>
+              </a:ext>
+            </a:extLst>
+          </p:cNvPr>
+          <p:cNvCxnSpPr>
+            <a:cxnSpLocks/>
+          </p:cNvCxnSpPr>
+          <p:nvPr/>
+        </p:nvCxnSpPr>
+        <p:spPr>
+          <a:xfrm flipV="1">
+            <a:off x="7667629" y="4340227"/>
+            <a:ext cx="0" cy="962023"/>
+          </a:xfrm>
+          <a:prstGeom prst="straightConnector1">
+            <a:avLst/>
+          </a:prstGeom>
+          <a:ln>
+            <a:solidFill>
+              <a:srgbClr val="ED7D31"/>
+            </a:solidFill>
+            <a:tailEnd type="triangle"/>
+          </a:ln>
+        </p:spPr>
+        <p:style>
+          <a:lnRef idx="1">
+            <a:schemeClr val="accent1"/>
+          </a:lnRef>
+          <a:fillRef idx="0">
+            <a:schemeClr val="accent1"/>
+          </a:fillRef>
+          <a:effectRef idx="0">
+            <a:schemeClr val="accent1"/>
+          </a:effectRef>
+          <a:fontRef idx="minor">
+            <a:schemeClr val="tx1"/>
+          </a:fontRef>
+        </p:style>
+      </p:cxnSp>
+      <p:sp>
+        <p:nvSpPr>
+          <p:cNvPr id="13" name="TextBox 12">
+            <a:extLst>
+              <a:ext uri="{FF2B5EF4-FFF2-40B4-BE49-F238E27FC236}">
+                <a16:creationId xmlns:a16="http://schemas.microsoft.com/office/drawing/2014/main" id="{C569C12B-34A2-412B-A5C0-2DE95D043B57}"/>
+              </a:ext>
+            </a:extLst>
+          </p:cNvPr>
+          <p:cNvSpPr txBox="1"/>
+          <p:nvPr/>
+        </p:nvSpPr>
+        <p:spPr>
+          <a:xfrm>
+            <a:off x="5578475" y="5613515"/>
+            <a:ext cx="3609975" cy="584775"/>
+          </a:xfrm>
+          <a:prstGeom prst="rect">
+            <a:avLst/>
+          </a:prstGeom>
+          <a:noFill/>
+        </p:spPr>
+        <p:txBody>
+          <a:bodyPr wrap="square" rtlCol="0">
+            <a:spAutoFit/>
+          </a:bodyPr>
+          <a:lstStyle/>
+          <a:p>
+            <a:r>
+              <a:rPr lang="en-US" sz="3200" b="1" dirty="0"/>
+              <a:t>Inefficient Channel</a:t>
+            </a:r>
+          </a:p>
+        </p:txBody>
+      </p:sp>
+      <mc:AlternateContent xmlns:mc="http://schemas.openxmlformats.org/markup-compatibility/2006">
+        <mc:Choice xmlns:a14="http://schemas.microsoft.com/office/drawing/2010/main" Requires="a14">
+          <p:sp>
+            <p:nvSpPr>
+              <p:cNvPr id="103" name="TextBox 102">
+                <a:extLst>
+                  <a:ext uri="{FF2B5EF4-FFF2-40B4-BE49-F238E27FC236}">
+                    <a16:creationId xmlns:a16="http://schemas.microsoft.com/office/drawing/2014/main" id="{4B9951FB-9403-456D-801C-2E9A875FDB7D}"/>
+                  </a:ext>
+                </a:extLst>
+              </p:cNvPr>
+              <p:cNvSpPr txBox="1"/>
+              <p:nvPr/>
+            </p:nvSpPr>
+            <p:spPr>
+              <a:xfrm>
+                <a:off x="6239364" y="3040331"/>
+                <a:ext cx="2085584" cy="523220"/>
+              </a:xfrm>
+              <a:prstGeom prst="rect">
+                <a:avLst/>
+              </a:prstGeom>
+              <a:noFill/>
+            </p:spPr>
+            <p:txBody>
+              <a:bodyPr wrap="square" rtlCol="0">
+                <a:spAutoFit/>
+              </a:bodyPr>
+              <a:lstStyle/>
+              <a:p>
+                <a:r>
+                  <a:rPr lang="en-US" sz="2800" b="1" dirty="0"/>
+                  <a:t>(</a:t>
+                </a:r>
+                <a14:m>
+                  <m:oMath xmlns:m="http://schemas.openxmlformats.org/officeDocument/2006/math">
+                    <m:sSub>
+                      <m:sSubPr>
+                        <m:ctrlPr>
+                          <a:rPr lang="en-US" sz="2800" b="1" i="1" smtClean="0">
+                            <a:solidFill>
+                              <a:srgbClr val="C00000"/>
+                            </a:solidFill>
+                            <a:latin typeface="Cambria Math" panose="02040503050406030204" pitchFamily="18" charset="0"/>
+                            <a:ea typeface="Cambria Math" panose="02040503050406030204" pitchFamily="18" charset="0"/>
+                          </a:rPr>
+                        </m:ctrlPr>
+                      </m:sSubPr>
+                      <m:e>
+                        <m:r>
+                          <a:rPr lang="en-US" sz="2800" b="1" i="1" smtClean="0">
+                            <a:solidFill>
+                              <a:srgbClr val="C00000"/>
+                            </a:solidFill>
+                            <a:latin typeface="Cambria Math" panose="02040503050406030204" pitchFamily="18" charset="0"/>
+                            <a:ea typeface="Cambria Math" panose="02040503050406030204" pitchFamily="18" charset="0"/>
+                          </a:rPr>
+                          <m:t>𝜺</m:t>
+                        </m:r>
+                      </m:e>
+                      <m:sub>
+                        <m:r>
+                          <a:rPr lang="en-US" sz="2800" b="1" i="1" smtClean="0">
+                            <a:solidFill>
+                              <a:srgbClr val="C00000"/>
+                            </a:solidFill>
+                            <a:latin typeface="Cambria Math" panose="02040503050406030204" pitchFamily="18" charset="0"/>
+                            <a:ea typeface="Cambria Math" panose="02040503050406030204" pitchFamily="18" charset="0"/>
+                          </a:rPr>
+                          <m:t>𝑺</m:t>
+                        </m:r>
+                      </m:sub>
+                    </m:sSub>
+                    <m:r>
+                      <a:rPr lang="en-US" sz="2800" b="1" i="1" smtClean="0">
+                        <a:solidFill>
+                          <a:srgbClr val="C00000"/>
+                        </a:solidFill>
+                        <a:latin typeface="Cambria Math" panose="02040503050406030204" pitchFamily="18" charset="0"/>
+                        <a:ea typeface="Cambria Math" panose="02040503050406030204" pitchFamily="18" charset="0"/>
+                      </a:rPr>
+                      <m:t> </m:t>
+                    </m:r>
+                    <m:r>
+                      <a:rPr lang="en-US" sz="2800" b="1" i="1" smtClean="0">
+                        <a:latin typeface="Cambria Math" panose="02040503050406030204" pitchFamily="18" charset="0"/>
+                        <a:ea typeface="Cambria Math" panose="02040503050406030204" pitchFamily="18" charset="0"/>
+                      </a:rPr>
+                      <m:t>≠ </m:t>
+                    </m:r>
+                    <m:sSub>
+                      <m:sSubPr>
+                        <m:ctrlPr>
+                          <a:rPr lang="en-US" sz="2800" b="1" i="1" smtClean="0">
+                            <a:solidFill>
+                              <a:srgbClr val="ED7D31"/>
+                            </a:solidFill>
+                            <a:latin typeface="Cambria Math" panose="02040503050406030204" pitchFamily="18" charset="0"/>
+                            <a:ea typeface="Cambria Math" panose="02040503050406030204" pitchFamily="18" charset="0"/>
+                          </a:rPr>
+                        </m:ctrlPr>
+                      </m:sSubPr>
+                      <m:e>
+                        <m:r>
+                          <a:rPr lang="en-US" sz="2800" b="1" i="1" smtClean="0">
+                            <a:solidFill>
+                              <a:srgbClr val="ED7D31"/>
+                            </a:solidFill>
+                            <a:latin typeface="Cambria Math" panose="02040503050406030204" pitchFamily="18" charset="0"/>
+                            <a:ea typeface="Cambria Math" panose="02040503050406030204" pitchFamily="18" charset="0"/>
+                          </a:rPr>
+                          <m:t>𝜺</m:t>
+                        </m:r>
+                      </m:e>
+                      <m:sub>
+                        <m:r>
+                          <a:rPr lang="en-US" sz="2800" b="1" i="1" smtClean="0">
+                            <a:solidFill>
+                              <a:srgbClr val="ED7D31"/>
+                            </a:solidFill>
+                            <a:latin typeface="Cambria Math" panose="02040503050406030204" pitchFamily="18" charset="0"/>
+                            <a:ea typeface="Cambria Math" panose="02040503050406030204" pitchFamily="18" charset="0"/>
+                          </a:rPr>
+                          <m:t>𝑫</m:t>
+                        </m:r>
+                      </m:sub>
+                    </m:sSub>
+                  </m:oMath>
+                </a14:m>
+                <a:r>
+                  <a:rPr lang="en-US" sz="2800" b="1" dirty="0"/>
+                  <a:t>)</a:t>
+                </a:r>
+              </a:p>
+            </p:txBody>
+          </p:sp>
+        </mc:Choice>
+        <mc:Fallback>
+          <p:sp>
+            <p:nvSpPr>
+              <p:cNvPr id="103" name="TextBox 102">
+                <a:extLst>
+                  <a:ext uri="{FF2B5EF4-FFF2-40B4-BE49-F238E27FC236}">
+                    <a16:creationId xmlns:a16="http://schemas.microsoft.com/office/drawing/2014/main" id="{4B9951FB-9403-456D-801C-2E9A875FDB7D}"/>
+                  </a:ext>
+                </a:extLst>
+              </p:cNvPr>
+              <p:cNvSpPr txBox="1">
+                <a:spLocks noRot="1" noChangeAspect="1" noMove="1" noResize="1" noEditPoints="1" noAdjustHandles="1" noChangeArrowheads="1" noChangeShapeType="1" noTextEdit="1"/>
+              </p:cNvSpPr>
+              <p:nvPr/>
+            </p:nvSpPr>
+            <p:spPr>
+              <a:xfrm>
+                <a:off x="6239364" y="3040331"/>
+                <a:ext cx="2085584" cy="523220"/>
+              </a:xfrm>
+              <a:prstGeom prst="rect">
+                <a:avLst/>
+              </a:prstGeom>
+              <a:blipFill>
+                <a:blip r:embed="rId2"/>
+                <a:stretch>
+                  <a:fillRect l="-6140" t="-11628" b="-32558"/>
+                </a:stretch>
+              </a:blipFill>
+            </p:spPr>
+            <p:txBody>
+              <a:bodyPr/>
+              <a:lstStyle/>
+              <a:p>
+                <a:r>
+                  <a:rPr lang="en-US">
+                    <a:noFill/>
+                  </a:rPr>
+                  <a:t> </a:t>
+                </a:r>
+              </a:p>
+            </p:txBody>
+          </p:sp>
+        </mc:Fallback>
+      </mc:AlternateContent>
+      <mc:AlternateContent xmlns:mc="http://schemas.openxmlformats.org/markup-compatibility/2006">
+        <mc:Choice xmlns:a14="http://schemas.microsoft.com/office/drawing/2010/main" Requires="a14">
+          <p:sp>
+            <p:nvSpPr>
+              <p:cNvPr id="105" name="TextBox 104">
+                <a:extLst>
+                  <a:ext uri="{FF2B5EF4-FFF2-40B4-BE49-F238E27FC236}">
+                    <a16:creationId xmlns:a16="http://schemas.microsoft.com/office/drawing/2014/main" id="{31510FBA-C121-4774-AAF0-1D1698499CA9}"/>
+                  </a:ext>
+                </a:extLst>
+              </p:cNvPr>
+              <p:cNvSpPr txBox="1"/>
+              <p:nvPr/>
+            </p:nvSpPr>
+            <p:spPr>
+              <a:xfrm>
+                <a:off x="6306039" y="6105954"/>
+                <a:ext cx="1815611" cy="523220"/>
+              </a:xfrm>
+              <a:prstGeom prst="rect">
+                <a:avLst/>
+              </a:prstGeom>
+              <a:noFill/>
+            </p:spPr>
+            <p:txBody>
+              <a:bodyPr wrap="square" rtlCol="0">
+                <a:spAutoFit/>
+              </a:bodyPr>
+              <a:lstStyle/>
+              <a:p>
+                <a:r>
+                  <a:rPr lang="en-US" sz="2800" b="1" dirty="0"/>
+                  <a:t>(</a:t>
+                </a:r>
+                <a14:m>
+                  <m:oMath xmlns:m="http://schemas.openxmlformats.org/officeDocument/2006/math">
+                    <m:sSub>
+                      <m:sSubPr>
+                        <m:ctrlPr>
+                          <a:rPr lang="en-US" sz="2800" b="1" i="1" smtClean="0">
+                            <a:solidFill>
+                              <a:srgbClr val="C00000"/>
+                            </a:solidFill>
+                            <a:latin typeface="Cambria Math" panose="02040503050406030204" pitchFamily="18" charset="0"/>
+                            <a:ea typeface="Cambria Math" panose="02040503050406030204" pitchFamily="18" charset="0"/>
+                          </a:rPr>
+                        </m:ctrlPr>
+                      </m:sSubPr>
+                      <m:e>
+                        <m:r>
+                          <a:rPr lang="en-US" sz="2800" b="1" i="1" smtClean="0">
+                            <a:solidFill>
+                              <a:srgbClr val="C00000"/>
+                            </a:solidFill>
+                            <a:latin typeface="Cambria Math" panose="02040503050406030204" pitchFamily="18" charset="0"/>
+                            <a:ea typeface="Cambria Math" panose="02040503050406030204" pitchFamily="18" charset="0"/>
+                          </a:rPr>
+                          <m:t>𝜺</m:t>
+                        </m:r>
+                      </m:e>
+                      <m:sub>
+                        <m:r>
+                          <a:rPr lang="en-US" sz="2800" b="1" i="1" smtClean="0">
+                            <a:solidFill>
+                              <a:srgbClr val="C00000"/>
+                            </a:solidFill>
+                            <a:latin typeface="Cambria Math" panose="02040503050406030204" pitchFamily="18" charset="0"/>
+                            <a:ea typeface="Cambria Math" panose="02040503050406030204" pitchFamily="18" charset="0"/>
+                          </a:rPr>
+                          <m:t>𝑺</m:t>
+                        </m:r>
+                      </m:sub>
+                    </m:sSub>
+                    <m:r>
+                      <a:rPr lang="en-US" sz="2800" b="1" i="1">
+                        <a:latin typeface="Cambria Math" panose="02040503050406030204" pitchFamily="18" charset="0"/>
+                        <a:ea typeface="Cambria Math" panose="02040503050406030204" pitchFamily="18" charset="0"/>
+                      </a:rPr>
+                      <m:t>≈</m:t>
+                    </m:r>
+                    <m:r>
+                      <a:rPr lang="en-US" sz="2800" b="1" i="1" smtClean="0">
+                        <a:latin typeface="Cambria Math" panose="02040503050406030204" pitchFamily="18" charset="0"/>
+                        <a:ea typeface="Cambria Math" panose="02040503050406030204" pitchFamily="18" charset="0"/>
+                      </a:rPr>
+                      <m:t> </m:t>
+                    </m:r>
+                    <m:sSub>
+                      <m:sSubPr>
+                        <m:ctrlPr>
+                          <a:rPr lang="en-US" sz="2800" b="1" i="1" smtClean="0">
+                            <a:solidFill>
+                              <a:srgbClr val="ED7D31"/>
+                            </a:solidFill>
+                            <a:latin typeface="Cambria Math" panose="02040503050406030204" pitchFamily="18" charset="0"/>
+                            <a:ea typeface="Cambria Math" panose="02040503050406030204" pitchFamily="18" charset="0"/>
+                          </a:rPr>
+                        </m:ctrlPr>
+                      </m:sSubPr>
+                      <m:e>
+                        <m:r>
+                          <a:rPr lang="en-US" sz="2800" b="1" i="1" smtClean="0">
+                            <a:solidFill>
+                              <a:srgbClr val="ED7D31"/>
+                            </a:solidFill>
+                            <a:latin typeface="Cambria Math" panose="02040503050406030204" pitchFamily="18" charset="0"/>
+                            <a:ea typeface="Cambria Math" panose="02040503050406030204" pitchFamily="18" charset="0"/>
+                          </a:rPr>
+                          <m:t>𝜺</m:t>
+                        </m:r>
+                      </m:e>
+                      <m:sub>
+                        <m:r>
+                          <a:rPr lang="en-US" sz="2800" b="1" i="1" smtClean="0">
+                            <a:solidFill>
+                              <a:srgbClr val="ED7D31"/>
+                            </a:solidFill>
+                            <a:latin typeface="Cambria Math" panose="02040503050406030204" pitchFamily="18" charset="0"/>
+                            <a:ea typeface="Cambria Math" panose="02040503050406030204" pitchFamily="18" charset="0"/>
+                          </a:rPr>
+                          <m:t>𝑫</m:t>
+                        </m:r>
+                      </m:sub>
+                    </m:sSub>
+                  </m:oMath>
+                </a14:m>
+                <a:r>
+                  <a:rPr lang="en-US" sz="2800" b="1" dirty="0"/>
+                  <a:t>)</a:t>
+                </a:r>
+              </a:p>
+            </p:txBody>
+          </p:sp>
+        </mc:Choice>
+        <mc:Fallback>
+          <p:sp>
+            <p:nvSpPr>
+              <p:cNvPr id="105" name="TextBox 104">
+                <a:extLst>
+                  <a:ext uri="{FF2B5EF4-FFF2-40B4-BE49-F238E27FC236}">
+                    <a16:creationId xmlns:a16="http://schemas.microsoft.com/office/drawing/2014/main" id="{31510FBA-C121-4774-AAF0-1D1698499CA9}"/>
+                  </a:ext>
+                </a:extLst>
+              </p:cNvPr>
+              <p:cNvSpPr txBox="1">
+                <a:spLocks noRot="1" noChangeAspect="1" noMove="1" noResize="1" noEditPoints="1" noAdjustHandles="1" noChangeArrowheads="1" noChangeShapeType="1" noTextEdit="1"/>
+              </p:cNvSpPr>
+              <p:nvPr/>
+            </p:nvSpPr>
+            <p:spPr>
+              <a:xfrm>
+                <a:off x="6306039" y="6105954"/>
+                <a:ext cx="1815611" cy="523220"/>
+              </a:xfrm>
+              <a:prstGeom prst="rect">
+                <a:avLst/>
+              </a:prstGeom>
+              <a:blipFill>
+                <a:blip r:embed="rId3"/>
+                <a:stretch>
+                  <a:fillRect l="-6711" t="-11765" b="-34118"/>
+                </a:stretch>
+              </a:blipFill>
+            </p:spPr>
+            <p:txBody>
+              <a:bodyPr/>
+              <a:lstStyle/>
+              <a:p>
+                <a:r>
+                  <a:rPr lang="en-US">
+                    <a:noFill/>
+                  </a:rPr>
+                  <a:t> </a:t>
+                </a:r>
+              </a:p>
+            </p:txBody>
+          </p:sp>
+        </mc:Fallback>
+      </mc:AlternateContent>
+      <p:cxnSp>
+        <p:nvCxnSpPr>
+          <p:cNvPr id="109" name="Straight Arrow Connector 108">
+            <a:extLst>
+              <a:ext uri="{FF2B5EF4-FFF2-40B4-BE49-F238E27FC236}">
+                <a16:creationId xmlns:a16="http://schemas.microsoft.com/office/drawing/2014/main" id="{6DE42016-AB76-49DE-B1CF-14BA00ACA88B}"/>
+              </a:ext>
+            </a:extLst>
+          </p:cNvPr>
+          <p:cNvCxnSpPr>
+            <a:cxnSpLocks/>
+          </p:cNvCxnSpPr>
+          <p:nvPr/>
+        </p:nvCxnSpPr>
+        <p:spPr>
+          <a:xfrm flipV="1">
+            <a:off x="7664451" y="1344452"/>
+            <a:ext cx="0" cy="387351"/>
+          </a:xfrm>
+          <a:prstGeom prst="straightConnector1">
+            <a:avLst/>
+          </a:prstGeom>
+          <a:ln>
+            <a:solidFill>
+              <a:srgbClr val="ED7D31"/>
+            </a:solidFill>
+            <a:tailEnd type="triangle"/>
+          </a:ln>
+        </p:spPr>
+        <p:style>
+          <a:lnRef idx="1">
+            <a:schemeClr val="accent1"/>
+          </a:lnRef>
+          <a:fillRef idx="0">
+            <a:schemeClr val="accent1"/>
+          </a:fillRef>
+          <a:effectRef idx="0">
+            <a:schemeClr val="accent1"/>
+          </a:effectRef>
+          <a:fontRef idx="minor">
+            <a:schemeClr val="tx1"/>
+          </a:fontRef>
+        </p:style>
+      </p:cxnSp>
+      <p:cxnSp>
+        <p:nvCxnSpPr>
+          <p:cNvPr id="111" name="Straight Arrow Connector 110">
+            <a:extLst>
+              <a:ext uri="{FF2B5EF4-FFF2-40B4-BE49-F238E27FC236}">
+                <a16:creationId xmlns:a16="http://schemas.microsoft.com/office/drawing/2014/main" id="{13256012-B955-49F6-BF3C-8DA506404AA3}"/>
+              </a:ext>
+            </a:extLst>
+          </p:cNvPr>
+          <p:cNvCxnSpPr>
+            <a:cxnSpLocks/>
+          </p:cNvCxnSpPr>
+          <p:nvPr/>
+        </p:nvCxnSpPr>
+        <p:spPr>
+          <a:xfrm flipV="1">
+            <a:off x="5940425" y="1573052"/>
+            <a:ext cx="355600" cy="282577"/>
+          </a:xfrm>
+          <a:prstGeom prst="straightConnector1">
+            <a:avLst/>
+          </a:prstGeom>
+          <a:ln>
+            <a:solidFill>
+              <a:srgbClr val="ED7D31"/>
+            </a:solidFill>
+            <a:tailEnd type="triangle"/>
+          </a:ln>
+        </p:spPr>
+        <p:style>
+          <a:lnRef idx="1">
+            <a:schemeClr val="accent1"/>
+          </a:lnRef>
+          <a:fillRef idx="0">
+            <a:schemeClr val="accent1"/>
+          </a:fillRef>
+          <a:effectRef idx="0">
+            <a:schemeClr val="accent1"/>
+          </a:effectRef>
+          <a:fontRef idx="minor">
+            <a:schemeClr val="tx1"/>
+          </a:fontRef>
+        </p:style>
+      </p:cxnSp>
+      <p:cxnSp>
+        <p:nvCxnSpPr>
+          <p:cNvPr id="114" name="Straight Arrow Connector 113">
+            <a:extLst>
+              <a:ext uri="{FF2B5EF4-FFF2-40B4-BE49-F238E27FC236}">
+                <a16:creationId xmlns:a16="http://schemas.microsoft.com/office/drawing/2014/main" id="{18A511F7-61DA-4853-92DF-1EC9625CEA4F}"/>
+              </a:ext>
+            </a:extLst>
+          </p:cNvPr>
+          <p:cNvCxnSpPr>
+            <a:cxnSpLocks/>
+          </p:cNvCxnSpPr>
+          <p:nvPr/>
+        </p:nvCxnSpPr>
+        <p:spPr>
+          <a:xfrm flipV="1">
+            <a:off x="8312151" y="1915952"/>
+            <a:ext cx="0" cy="301625"/>
+          </a:xfrm>
+          <a:prstGeom prst="straightConnector1">
+            <a:avLst/>
+          </a:prstGeom>
+          <a:ln>
+            <a:solidFill>
+              <a:srgbClr val="ED7D31"/>
+            </a:solidFill>
+            <a:tailEnd type="triangle"/>
+          </a:ln>
+        </p:spPr>
+        <p:style>
+          <a:lnRef idx="1">
+            <a:schemeClr val="accent1"/>
+          </a:lnRef>
+          <a:fillRef idx="0">
+            <a:schemeClr val="accent1"/>
+          </a:fillRef>
+          <a:effectRef idx="0">
+            <a:schemeClr val="accent1"/>
+          </a:effectRef>
+          <a:fontRef idx="minor">
+            <a:schemeClr val="tx1"/>
+          </a:fontRef>
+        </p:style>
+      </p:cxnSp>
+      <p:cxnSp>
+        <p:nvCxnSpPr>
+          <p:cNvPr id="116" name="Straight Arrow Connector 115">
+            <a:extLst>
+              <a:ext uri="{FF2B5EF4-FFF2-40B4-BE49-F238E27FC236}">
+                <a16:creationId xmlns:a16="http://schemas.microsoft.com/office/drawing/2014/main" id="{8261C166-ED7D-479C-A370-5F400EFC7B6F}"/>
+              </a:ext>
+            </a:extLst>
+          </p:cNvPr>
+          <p:cNvCxnSpPr>
+            <a:cxnSpLocks/>
+          </p:cNvCxnSpPr>
+          <p:nvPr/>
+        </p:nvCxnSpPr>
+        <p:spPr>
+          <a:xfrm flipV="1">
+            <a:off x="6931026" y="1696877"/>
+            <a:ext cx="0" cy="520700"/>
+          </a:xfrm>
+          <a:prstGeom prst="straightConnector1">
+            <a:avLst/>
+          </a:prstGeom>
+          <a:ln>
+            <a:solidFill>
+              <a:srgbClr val="ED7D31"/>
+            </a:solidFill>
+            <a:tailEnd type="triangle"/>
+          </a:ln>
+        </p:spPr>
+        <p:style>
+          <a:lnRef idx="1">
+            <a:schemeClr val="accent1"/>
+          </a:lnRef>
+          <a:fillRef idx="0">
+            <a:schemeClr val="accent1"/>
+          </a:fillRef>
+          <a:effectRef idx="0">
+            <a:schemeClr val="accent1"/>
+          </a:effectRef>
+          <a:fontRef idx="minor">
+            <a:schemeClr val="tx1"/>
+          </a:fontRef>
+        </p:style>
+      </p:cxnSp>
+      <p:sp>
+        <p:nvSpPr>
+          <p:cNvPr id="127" name="Freeform: Shape 126">
+            <a:extLst>
+              <a:ext uri="{FF2B5EF4-FFF2-40B4-BE49-F238E27FC236}">
+                <a16:creationId xmlns:a16="http://schemas.microsoft.com/office/drawing/2014/main" id="{A9D96082-5DF0-42A2-B315-0A24E2DCE3A9}"/>
+              </a:ext>
+            </a:extLst>
+          </p:cNvPr>
+          <p:cNvSpPr/>
+          <p:nvPr/>
+        </p:nvSpPr>
+        <p:spPr>
+          <a:xfrm rot="16200000">
+            <a:off x="8143604" y="4406046"/>
+            <a:ext cx="839378" cy="1088736"/>
+          </a:xfrm>
+          <a:custGeom>
+            <a:avLst/>
+            <a:gdLst>
+              <a:gd name="connsiteX0" fmla="*/ 0 w 485192"/>
+              <a:gd name="connsiteY0" fmla="*/ 27991 h 802432"/>
+              <a:gd name="connsiteX1" fmla="*/ 0 w 485192"/>
+              <a:gd name="connsiteY1" fmla="*/ 783771 h 802432"/>
+              <a:gd name="connsiteX2" fmla="*/ 298580 w 485192"/>
+              <a:gd name="connsiteY2" fmla="*/ 802432 h 802432"/>
+              <a:gd name="connsiteX3" fmla="*/ 419878 w 485192"/>
+              <a:gd name="connsiteY3" fmla="*/ 699795 h 802432"/>
+              <a:gd name="connsiteX4" fmla="*/ 485192 w 485192"/>
+              <a:gd name="connsiteY4" fmla="*/ 513183 h 802432"/>
+              <a:gd name="connsiteX5" fmla="*/ 401217 w 485192"/>
+              <a:gd name="connsiteY5" fmla="*/ 307910 h 802432"/>
+              <a:gd name="connsiteX6" fmla="*/ 289249 w 485192"/>
+              <a:gd name="connsiteY6" fmla="*/ 65314 h 802432"/>
+              <a:gd name="connsiteX7" fmla="*/ 177282 w 485192"/>
+              <a:gd name="connsiteY7" fmla="*/ 0 h 802432"/>
+              <a:gd name="connsiteX8" fmla="*/ 0 w 485192"/>
+              <a:gd name="connsiteY8" fmla="*/ 27991 h 802432"/>
+            </a:gdLst>
+            <a:ahLst/>
+            <a:cxnLst>
+              <a:cxn ang="0">
+                <a:pos x="connsiteX0" y="connsiteY0"/>
+              </a:cxn>
+              <a:cxn ang="0">
+                <a:pos x="connsiteX1" y="connsiteY1"/>
+              </a:cxn>
+              <a:cxn ang="0">
+                <a:pos x="connsiteX2" y="connsiteY2"/>
+              </a:cxn>
+              <a:cxn ang="0">
+                <a:pos x="connsiteX3" y="connsiteY3"/>
+              </a:cxn>
+              <a:cxn ang="0">
+                <a:pos x="connsiteX4" y="connsiteY4"/>
+              </a:cxn>
+              <a:cxn ang="0">
+                <a:pos x="connsiteX5" y="connsiteY5"/>
+              </a:cxn>
+              <a:cxn ang="0">
+                <a:pos x="connsiteX6" y="connsiteY6"/>
+              </a:cxn>
+              <a:cxn ang="0">
+                <a:pos x="connsiteX7" y="connsiteY7"/>
+              </a:cxn>
+              <a:cxn ang="0">
+                <a:pos x="connsiteX8" y="connsiteY8"/>
+              </a:cxn>
+            </a:cxnLst>
+            <a:rect l="l" t="t" r="r" b="b"/>
+            <a:pathLst>
+              <a:path w="485192" h="802432">
+                <a:moveTo>
+                  <a:pt x="0" y="27991"/>
+                </a:moveTo>
+                <a:lnTo>
+                  <a:pt x="0" y="783771"/>
+                </a:lnTo>
+                <a:lnTo>
+                  <a:pt x="298580" y="802432"/>
+                </a:lnTo>
+                <a:lnTo>
+                  <a:pt x="419878" y="699795"/>
+                </a:lnTo>
+                <a:lnTo>
+                  <a:pt x="485192" y="513183"/>
+                </a:lnTo>
+                <a:lnTo>
+                  <a:pt x="401217" y="307910"/>
+                </a:lnTo>
+                <a:lnTo>
+                  <a:pt x="289249" y="65314"/>
+                </a:lnTo>
+                <a:lnTo>
+                  <a:pt x="177282" y="0"/>
+                </a:lnTo>
+                <a:lnTo>
+                  <a:pt x="0" y="27991"/>
+                </a:lnTo>
+                <a:close/>
+              </a:path>
+            </a:pathLst>
+          </a:custGeom>
+          <a:solidFill>
+            <a:schemeClr val="bg2">
+              <a:lumMod val="50000"/>
+            </a:schemeClr>
+          </a:solidFill>
+          <a:ln w="76200">
+            <a:solidFill>
+              <a:schemeClr val="accent2"/>
+            </a:solidFill>
+          </a:ln>
+        </p:spPr>
+        <p:style>
+          <a:lnRef idx="2">
+            <a:schemeClr val="accent1">
+              <a:shade val="50000"/>
+            </a:schemeClr>
+          </a:lnRef>
+          <a:fillRef idx="1">
+            <a:schemeClr val="accent1"/>
+          </a:fillRef>
+          <a:effectRef idx="0">
+            <a:schemeClr val="accent1"/>
+          </a:effectRef>
+          <a:fontRef idx="minor">
+            <a:schemeClr val="lt1"/>
+          </a:fontRef>
+        </p:style>
+        <p:txBody>
+          <a:bodyPr rtlCol="0" anchor="ctr"/>
+          <a:lstStyle/>
+          <a:p>
+            <a:pPr algn="ctr"/>
+            <a:endParaRPr lang="en-US"/>
+          </a:p>
+        </p:txBody>
+      </p:sp>
+      <p:sp>
+        <p:nvSpPr>
+          <p:cNvPr id="129" name="Freeform: Shape 128">
+            <a:extLst>
+              <a:ext uri="{FF2B5EF4-FFF2-40B4-BE49-F238E27FC236}">
+                <a16:creationId xmlns:a16="http://schemas.microsoft.com/office/drawing/2014/main" id="{0A0F74FD-DAC0-4A6E-AC34-AB007545E342}"/>
+              </a:ext>
+            </a:extLst>
+          </p:cNvPr>
+          <p:cNvSpPr/>
+          <p:nvPr/>
+        </p:nvSpPr>
+        <p:spPr>
+          <a:xfrm rot="16200000">
+            <a:off x="7448988" y="1793739"/>
+            <a:ext cx="467903" cy="496428"/>
+          </a:xfrm>
+          <a:custGeom>
+            <a:avLst/>
+            <a:gdLst>
+              <a:gd name="connsiteX0" fmla="*/ 0 w 485192"/>
+              <a:gd name="connsiteY0" fmla="*/ 27991 h 802432"/>
+              <a:gd name="connsiteX1" fmla="*/ 0 w 485192"/>
+              <a:gd name="connsiteY1" fmla="*/ 783771 h 802432"/>
+              <a:gd name="connsiteX2" fmla="*/ 298580 w 485192"/>
+              <a:gd name="connsiteY2" fmla="*/ 802432 h 802432"/>
+              <a:gd name="connsiteX3" fmla="*/ 419878 w 485192"/>
+              <a:gd name="connsiteY3" fmla="*/ 699795 h 802432"/>
+              <a:gd name="connsiteX4" fmla="*/ 485192 w 485192"/>
+              <a:gd name="connsiteY4" fmla="*/ 513183 h 802432"/>
+              <a:gd name="connsiteX5" fmla="*/ 401217 w 485192"/>
+              <a:gd name="connsiteY5" fmla="*/ 307910 h 802432"/>
+              <a:gd name="connsiteX6" fmla="*/ 289249 w 485192"/>
+              <a:gd name="connsiteY6" fmla="*/ 65314 h 802432"/>
+              <a:gd name="connsiteX7" fmla="*/ 177282 w 485192"/>
+              <a:gd name="connsiteY7" fmla="*/ 0 h 802432"/>
+              <a:gd name="connsiteX8" fmla="*/ 0 w 485192"/>
+              <a:gd name="connsiteY8" fmla="*/ 27991 h 802432"/>
+            </a:gdLst>
+            <a:ahLst/>
+            <a:cxnLst>
+              <a:cxn ang="0">
+                <a:pos x="connsiteX0" y="connsiteY0"/>
+              </a:cxn>
+              <a:cxn ang="0">
+                <a:pos x="connsiteX1" y="connsiteY1"/>
+              </a:cxn>
+              <a:cxn ang="0">
+                <a:pos x="connsiteX2" y="connsiteY2"/>
+              </a:cxn>
+              <a:cxn ang="0">
+                <a:pos x="connsiteX3" y="connsiteY3"/>
+              </a:cxn>
+              <a:cxn ang="0">
+                <a:pos x="connsiteX4" y="connsiteY4"/>
+              </a:cxn>
+              <a:cxn ang="0">
+                <a:pos x="connsiteX5" y="connsiteY5"/>
+              </a:cxn>
+              <a:cxn ang="0">
+                <a:pos x="connsiteX6" y="connsiteY6"/>
+              </a:cxn>
+              <a:cxn ang="0">
+                <a:pos x="connsiteX7" y="connsiteY7"/>
+              </a:cxn>
+              <a:cxn ang="0">
+                <a:pos x="connsiteX8" y="connsiteY8"/>
+              </a:cxn>
+            </a:cxnLst>
+            <a:rect l="l" t="t" r="r" b="b"/>
+            <a:pathLst>
+              <a:path w="485192" h="802432">
+                <a:moveTo>
+                  <a:pt x="0" y="27991"/>
+                </a:moveTo>
+                <a:lnTo>
+                  <a:pt x="0" y="783771"/>
+                </a:lnTo>
+                <a:lnTo>
+                  <a:pt x="298580" y="802432"/>
+                </a:lnTo>
+                <a:lnTo>
+                  <a:pt x="419878" y="699795"/>
+                </a:lnTo>
+                <a:lnTo>
+                  <a:pt x="485192" y="513183"/>
+                </a:lnTo>
+                <a:lnTo>
+                  <a:pt x="401217" y="307910"/>
+                </a:lnTo>
+                <a:lnTo>
+                  <a:pt x="289249" y="65314"/>
+                </a:lnTo>
+                <a:lnTo>
+                  <a:pt x="177282" y="0"/>
+                </a:lnTo>
+                <a:lnTo>
+                  <a:pt x="0" y="27991"/>
+                </a:lnTo>
+                <a:close/>
+              </a:path>
+            </a:pathLst>
+          </a:custGeom>
+          <a:solidFill>
+            <a:schemeClr val="bg2">
+              <a:lumMod val="50000"/>
+            </a:schemeClr>
+          </a:solidFill>
+          <a:ln w="76200">
+            <a:solidFill>
+              <a:schemeClr val="accent2"/>
+            </a:solidFill>
+          </a:ln>
+        </p:spPr>
+        <p:style>
+          <a:lnRef idx="2">
+            <a:schemeClr val="accent1">
+              <a:shade val="50000"/>
+            </a:schemeClr>
+          </a:lnRef>
+          <a:fillRef idx="1">
+            <a:schemeClr val="accent1"/>
+          </a:fillRef>
+          <a:effectRef idx="0">
+            <a:schemeClr val="accent1"/>
+          </a:effectRef>
+          <a:fontRef idx="minor">
+            <a:schemeClr val="lt1"/>
+          </a:fontRef>
+        </p:style>
+        <p:txBody>
+          <a:bodyPr rtlCol="0" anchor="ctr"/>
+          <a:lstStyle/>
+          <a:p>
+            <a:pPr algn="ctr"/>
+            <a:endParaRPr lang="en-US"/>
+          </a:p>
+        </p:txBody>
+      </p:sp>
+      <p:sp>
+        <p:nvSpPr>
+          <p:cNvPr id="134" name="Freeform: Shape 133">
+            <a:extLst>
+              <a:ext uri="{FF2B5EF4-FFF2-40B4-BE49-F238E27FC236}">
+                <a16:creationId xmlns:a16="http://schemas.microsoft.com/office/drawing/2014/main" id="{738E065F-E0A8-4EF6-917B-27F99B187A0C}"/>
+              </a:ext>
+            </a:extLst>
+          </p:cNvPr>
+          <p:cNvSpPr/>
+          <p:nvPr/>
+        </p:nvSpPr>
+        <p:spPr>
+          <a:xfrm>
+            <a:off x="1124585" y="1886585"/>
+            <a:ext cx="2148840" cy="253365"/>
+          </a:xfrm>
+          <a:custGeom>
+            <a:avLst/>
+            <a:gdLst>
+              <a:gd name="connsiteX0" fmla="*/ 0 w 1127760"/>
+              <a:gd name="connsiteY0" fmla="*/ 0 h 434340"/>
+              <a:gd name="connsiteX1" fmla="*/ 1127760 w 1127760"/>
+              <a:gd name="connsiteY1" fmla="*/ 0 h 434340"/>
+              <a:gd name="connsiteX2" fmla="*/ 1120140 w 1127760"/>
+              <a:gd name="connsiteY2" fmla="*/ 68580 h 434340"/>
+              <a:gd name="connsiteX3" fmla="*/ 1074420 w 1127760"/>
+              <a:gd name="connsiteY3" fmla="*/ 152400 h 434340"/>
+              <a:gd name="connsiteX4" fmla="*/ 1028700 w 1127760"/>
+              <a:gd name="connsiteY4" fmla="*/ 251460 h 434340"/>
+              <a:gd name="connsiteX5" fmla="*/ 891540 w 1127760"/>
+              <a:gd name="connsiteY5" fmla="*/ 358140 h 434340"/>
+              <a:gd name="connsiteX6" fmla="*/ 777240 w 1127760"/>
+              <a:gd name="connsiteY6" fmla="*/ 403860 h 434340"/>
+              <a:gd name="connsiteX7" fmla="*/ 624840 w 1127760"/>
+              <a:gd name="connsiteY7" fmla="*/ 419100 h 434340"/>
+              <a:gd name="connsiteX8" fmla="*/ 472440 w 1127760"/>
+              <a:gd name="connsiteY8" fmla="*/ 434340 h 434340"/>
+              <a:gd name="connsiteX9" fmla="*/ 327660 w 1127760"/>
+              <a:gd name="connsiteY9" fmla="*/ 426720 h 434340"/>
+              <a:gd name="connsiteX10" fmla="*/ 190500 w 1127760"/>
+              <a:gd name="connsiteY10" fmla="*/ 388620 h 434340"/>
+              <a:gd name="connsiteX11" fmla="*/ 121920 w 1127760"/>
+              <a:gd name="connsiteY11" fmla="*/ 320040 h 434340"/>
+              <a:gd name="connsiteX12" fmla="*/ 68580 w 1127760"/>
+              <a:gd name="connsiteY12" fmla="*/ 228600 h 434340"/>
+              <a:gd name="connsiteX13" fmla="*/ 38100 w 1127760"/>
+              <a:gd name="connsiteY13" fmla="*/ 121920 h 434340"/>
+              <a:gd name="connsiteX14" fmla="*/ 30480 w 1127760"/>
+              <a:gd name="connsiteY14" fmla="*/ 45720 h 434340"/>
+              <a:gd name="connsiteX15" fmla="*/ 0 w 1127760"/>
+              <a:gd name="connsiteY15" fmla="*/ 0 h 434340"/>
+            </a:gdLst>
+            <a:ahLst/>
+            <a:cxnLst>
+              <a:cxn ang="0">
+                <a:pos x="connsiteX0" y="connsiteY0"/>
+              </a:cxn>
+              <a:cxn ang="0">
+                <a:pos x="connsiteX1" y="connsiteY1"/>
+              </a:cxn>
+              <a:cxn ang="0">
+                <a:pos x="connsiteX2" y="connsiteY2"/>
+              </a:cxn>
+              <a:cxn ang="0">
+                <a:pos x="connsiteX3" y="connsiteY3"/>
+              </a:cxn>
+              <a:cxn ang="0">
+                <a:pos x="connsiteX4" y="connsiteY4"/>
+              </a:cxn>
+              <a:cxn ang="0">
+                <a:pos x="connsiteX5" y="connsiteY5"/>
+              </a:cxn>
+              <a:cxn ang="0">
+                <a:pos x="connsiteX6" y="connsiteY6"/>
+              </a:cxn>
+              <a:cxn ang="0">
+                <a:pos x="connsiteX7" y="connsiteY7"/>
+              </a:cxn>
+              <a:cxn ang="0">
+                <a:pos x="connsiteX8" y="connsiteY8"/>
+              </a:cxn>
+              <a:cxn ang="0">
+                <a:pos x="connsiteX9" y="connsiteY9"/>
+              </a:cxn>
+              <a:cxn ang="0">
+                <a:pos x="connsiteX10" y="connsiteY10"/>
+              </a:cxn>
+              <a:cxn ang="0">
+                <a:pos x="connsiteX11" y="connsiteY11"/>
+              </a:cxn>
+              <a:cxn ang="0">
+                <a:pos x="connsiteX12" y="connsiteY12"/>
+              </a:cxn>
+              <a:cxn ang="0">
+                <a:pos x="connsiteX13" y="connsiteY13"/>
+              </a:cxn>
+              <a:cxn ang="0">
+                <a:pos x="connsiteX14" y="connsiteY14"/>
+              </a:cxn>
+              <a:cxn ang="0">
+                <a:pos x="connsiteX15" y="connsiteY15"/>
+              </a:cxn>
+            </a:cxnLst>
+            <a:rect l="l" t="t" r="r" b="b"/>
+            <a:pathLst>
+              <a:path w="1127760" h="434340">
+                <a:moveTo>
+                  <a:pt x="0" y="0"/>
+                </a:moveTo>
+                <a:lnTo>
+                  <a:pt x="1127760" y="0"/>
+                </a:lnTo>
+                <a:lnTo>
+                  <a:pt x="1120140" y="68580"/>
+                </a:lnTo>
+                <a:lnTo>
+                  <a:pt x="1074420" y="152400"/>
+                </a:lnTo>
+                <a:lnTo>
+                  <a:pt x="1028700" y="251460"/>
+                </a:lnTo>
+                <a:lnTo>
+                  <a:pt x="891540" y="358140"/>
+                </a:lnTo>
+                <a:lnTo>
+                  <a:pt x="777240" y="403860"/>
+                </a:lnTo>
+                <a:lnTo>
+                  <a:pt x="624840" y="419100"/>
+                </a:lnTo>
+                <a:lnTo>
+                  <a:pt x="472440" y="434340"/>
+                </a:lnTo>
+                <a:lnTo>
+                  <a:pt x="327660" y="426720"/>
+                </a:lnTo>
+                <a:lnTo>
+                  <a:pt x="190500" y="388620"/>
+                </a:lnTo>
+                <a:lnTo>
+                  <a:pt x="121920" y="320040"/>
+                </a:lnTo>
+                <a:lnTo>
+                  <a:pt x="68580" y="228600"/>
+                </a:lnTo>
+                <a:lnTo>
+                  <a:pt x="38100" y="121920"/>
+                </a:lnTo>
+                <a:lnTo>
+                  <a:pt x="30480" y="45720"/>
+                </a:lnTo>
+                <a:lnTo>
+                  <a:pt x="0" y="0"/>
+                </a:lnTo>
+                <a:close/>
+              </a:path>
+            </a:pathLst>
+          </a:custGeom>
+          <a:solidFill>
+            <a:schemeClr val="accent5">
+              <a:lumMod val="60000"/>
+              <a:lumOff val="40000"/>
+            </a:schemeClr>
+          </a:solidFill>
+        </p:spPr>
+        <p:style>
+          <a:lnRef idx="2">
+            <a:schemeClr val="accent1">
+              <a:shade val="50000"/>
+            </a:schemeClr>
+          </a:lnRef>
+          <a:fillRef idx="1">
+            <a:schemeClr val="accent1"/>
+          </a:fillRef>
+          <a:effectRef idx="0">
+            <a:schemeClr val="accent1"/>
+          </a:effectRef>
+          <a:fontRef idx="minor">
+            <a:schemeClr val="lt1"/>
+          </a:fontRef>
+        </p:style>
+        <p:txBody>
+          <a:bodyPr rtlCol="0" anchor="ctr"/>
+          <a:lstStyle/>
+          <a:p>
+            <a:pPr algn="ctr"/>
+            <a:endParaRPr lang="en-US"/>
+          </a:p>
+        </p:txBody>
+      </p:sp>
+      <p:sp>
+        <p:nvSpPr>
+          <p:cNvPr id="142" name="Freeform: Shape 141">
+            <a:extLst>
+              <a:ext uri="{FF2B5EF4-FFF2-40B4-BE49-F238E27FC236}">
+                <a16:creationId xmlns:a16="http://schemas.microsoft.com/office/drawing/2014/main" id="{8115D634-024F-45B5-A0AB-02BFEFCC0FFE}"/>
+              </a:ext>
+            </a:extLst>
+          </p:cNvPr>
+          <p:cNvSpPr/>
+          <p:nvPr/>
+        </p:nvSpPr>
+        <p:spPr>
+          <a:xfrm>
+            <a:off x="234950" y="244475"/>
+            <a:ext cx="933450" cy="1638300"/>
+          </a:xfrm>
+          <a:custGeom>
+            <a:avLst/>
+            <a:gdLst>
+              <a:gd name="connsiteX0" fmla="*/ 933450 w 933450"/>
+              <a:gd name="connsiteY0" fmla="*/ 1638300 h 1638300"/>
+              <a:gd name="connsiteX1" fmla="*/ 371475 w 933450"/>
+              <a:gd name="connsiteY1" fmla="*/ 1228725 h 1638300"/>
+              <a:gd name="connsiteX2" fmla="*/ 514350 w 933450"/>
+              <a:gd name="connsiteY2" fmla="*/ 381000 h 1638300"/>
+              <a:gd name="connsiteX3" fmla="*/ 0 w 933450"/>
+              <a:gd name="connsiteY3" fmla="*/ 0 h 1638300"/>
+            </a:gdLst>
+            <a:ahLst/>
+            <a:cxnLst>
+              <a:cxn ang="0">
+                <a:pos x="connsiteX0" y="connsiteY0"/>
+              </a:cxn>
+              <a:cxn ang="0">
+                <a:pos x="connsiteX1" y="connsiteY1"/>
+              </a:cxn>
+              <a:cxn ang="0">
+                <a:pos x="connsiteX2" y="connsiteY2"/>
+              </a:cxn>
+              <a:cxn ang="0">
+                <a:pos x="connsiteX3" y="connsiteY3"/>
+              </a:cxn>
+            </a:cxnLst>
+            <a:rect l="l" t="t" r="r" b="b"/>
+            <a:pathLst>
+              <a:path w="933450" h="1638300">
+                <a:moveTo>
+                  <a:pt x="933450" y="1638300"/>
+                </a:moveTo>
+                <a:cubicBezTo>
+                  <a:pt x="687387" y="1538287"/>
+                  <a:pt x="441325" y="1438275"/>
+                  <a:pt x="371475" y="1228725"/>
+                </a:cubicBezTo>
+                <a:cubicBezTo>
+                  <a:pt x="301625" y="1019175"/>
+                  <a:pt x="576262" y="585787"/>
+                  <a:pt x="514350" y="381000"/>
+                </a:cubicBezTo>
+                <a:cubicBezTo>
+                  <a:pt x="452438" y="176213"/>
+                  <a:pt x="226219" y="88106"/>
+                  <a:pt x="0" y="0"/>
+                </a:cubicBezTo>
+              </a:path>
+            </a:pathLst>
+          </a:custGeom>
+          <a:noFill/>
+        </p:spPr>
+        <p:style>
+          <a:lnRef idx="2">
+            <a:schemeClr val="accent1">
+              <a:shade val="50000"/>
+            </a:schemeClr>
+          </a:lnRef>
+          <a:fillRef idx="1">
+            <a:schemeClr val="accent1"/>
+          </a:fillRef>
+          <a:effectRef idx="0">
+            <a:schemeClr val="accent1"/>
+          </a:effectRef>
+          <a:fontRef idx="minor">
+            <a:schemeClr val="lt1"/>
+          </a:fontRef>
+        </p:style>
+        <p:txBody>
+          <a:bodyPr rtlCol="0" anchor="ctr"/>
+          <a:lstStyle/>
+          <a:p>
+            <a:pPr algn="ctr"/>
+            <a:endParaRPr lang="en-US"/>
+          </a:p>
+        </p:txBody>
+      </p:sp>
+      <p:sp>
+        <p:nvSpPr>
+          <p:cNvPr id="143" name="Freeform: Shape 142">
+            <a:extLst>
+              <a:ext uri="{FF2B5EF4-FFF2-40B4-BE49-F238E27FC236}">
+                <a16:creationId xmlns:a16="http://schemas.microsoft.com/office/drawing/2014/main" id="{358ADD2A-D36E-4F1C-A569-1B4054484F43}"/>
+              </a:ext>
+            </a:extLst>
+          </p:cNvPr>
+          <p:cNvSpPr/>
+          <p:nvPr/>
+        </p:nvSpPr>
+        <p:spPr>
+          <a:xfrm>
+            <a:off x="473075" y="206375"/>
+            <a:ext cx="2790825" cy="1666875"/>
+          </a:xfrm>
+          <a:custGeom>
+            <a:avLst/>
+            <a:gdLst>
+              <a:gd name="connsiteX0" fmla="*/ 2790825 w 2790825"/>
+              <a:gd name="connsiteY0" fmla="*/ 1666875 h 1666875"/>
+              <a:gd name="connsiteX1" fmla="*/ 1123950 w 2790825"/>
+              <a:gd name="connsiteY1" fmla="*/ 1190625 h 1666875"/>
+              <a:gd name="connsiteX2" fmla="*/ 742950 w 2790825"/>
+              <a:gd name="connsiteY2" fmla="*/ 381000 h 1666875"/>
+              <a:gd name="connsiteX3" fmla="*/ 0 w 2790825"/>
+              <a:gd name="connsiteY3" fmla="*/ 0 h 1666875"/>
+            </a:gdLst>
+            <a:ahLst/>
+            <a:cxnLst>
+              <a:cxn ang="0">
+                <a:pos x="connsiteX0" y="connsiteY0"/>
+              </a:cxn>
+              <a:cxn ang="0">
+                <a:pos x="connsiteX1" y="connsiteY1"/>
+              </a:cxn>
+              <a:cxn ang="0">
+                <a:pos x="connsiteX2" y="connsiteY2"/>
+              </a:cxn>
+              <a:cxn ang="0">
+                <a:pos x="connsiteX3" y="connsiteY3"/>
+              </a:cxn>
+            </a:cxnLst>
+            <a:rect l="l" t="t" r="r" b="b"/>
+            <a:pathLst>
+              <a:path w="2790825" h="1666875">
+                <a:moveTo>
+                  <a:pt x="2790825" y="1666875"/>
+                </a:moveTo>
+                <a:cubicBezTo>
+                  <a:pt x="2128043" y="1535906"/>
+                  <a:pt x="1465262" y="1404937"/>
+                  <a:pt x="1123950" y="1190625"/>
+                </a:cubicBezTo>
+                <a:cubicBezTo>
+                  <a:pt x="782638" y="976313"/>
+                  <a:pt x="930275" y="579437"/>
+                  <a:pt x="742950" y="381000"/>
+                </a:cubicBezTo>
+                <a:cubicBezTo>
+                  <a:pt x="555625" y="182562"/>
+                  <a:pt x="277812" y="91281"/>
+                  <a:pt x="0" y="0"/>
+                </a:cubicBezTo>
+              </a:path>
+            </a:pathLst>
+          </a:custGeom>
+          <a:noFill/>
+        </p:spPr>
+        <p:style>
+          <a:lnRef idx="2">
+            <a:schemeClr val="accent1">
+              <a:shade val="50000"/>
+            </a:schemeClr>
+          </a:lnRef>
+          <a:fillRef idx="1">
+            <a:schemeClr val="accent1"/>
+          </a:fillRef>
+          <a:effectRef idx="0">
+            <a:schemeClr val="accent1"/>
+          </a:effectRef>
+          <a:fontRef idx="minor">
+            <a:schemeClr val="lt1"/>
+          </a:fontRef>
+        </p:style>
+        <p:txBody>
+          <a:bodyPr rtlCol="0" anchor="ctr"/>
+          <a:lstStyle/>
+          <a:p>
+            <a:pPr algn="ctr"/>
+            <a:endParaRPr lang="en-US"/>
+          </a:p>
+        </p:txBody>
+      </p:sp>
+      <p:sp>
+        <p:nvSpPr>
+          <p:cNvPr id="144" name="Isosceles Triangle 143">
+            <a:extLst>
+              <a:ext uri="{FF2B5EF4-FFF2-40B4-BE49-F238E27FC236}">
+                <a16:creationId xmlns:a16="http://schemas.microsoft.com/office/drawing/2014/main" id="{A2003994-C81E-4C25-998E-98DC7263BF93}"/>
+              </a:ext>
+            </a:extLst>
+          </p:cNvPr>
+          <p:cNvSpPr/>
+          <p:nvPr/>
+        </p:nvSpPr>
+        <p:spPr>
+          <a:xfrm rot="10800000">
+            <a:off x="1950696" y="1693863"/>
+            <a:ext cx="176554" cy="189276"/>
+          </a:xfrm>
+          <a:prstGeom prst="triangle">
+            <a:avLst/>
+          </a:prstGeom>
+          <a:solidFill>
+            <a:schemeClr val="tx1"/>
+          </a:solidFill>
+          <a:ln>
+            <a:noFill/>
+          </a:ln>
+        </p:spPr>
+        <p:style>
+          <a:lnRef idx="2">
+            <a:schemeClr val="accent1">
+              <a:shade val="50000"/>
+            </a:schemeClr>
+          </a:lnRef>
+          <a:fillRef idx="1">
+            <a:schemeClr val="accent1"/>
+          </a:fillRef>
+          <a:effectRef idx="0">
+            <a:schemeClr val="accent1"/>
+          </a:effectRef>
+          <a:fontRef idx="minor">
+            <a:schemeClr val="lt1"/>
+          </a:fontRef>
+        </p:style>
+        <p:txBody>
+          <a:bodyPr rtlCol="0" anchor="ctr"/>
+          <a:lstStyle/>
+          <a:p>
+            <a:pPr algn="ctr"/>
+            <a:endParaRPr lang="en-US"/>
+          </a:p>
+        </p:txBody>
+      </p:sp>
+      <p:cxnSp>
+        <p:nvCxnSpPr>
+          <p:cNvPr id="149" name="Straight Arrow Connector 148">
+            <a:extLst>
+              <a:ext uri="{FF2B5EF4-FFF2-40B4-BE49-F238E27FC236}">
+                <a16:creationId xmlns:a16="http://schemas.microsoft.com/office/drawing/2014/main" id="{1E6087D7-558A-4490-905D-A0596CB1957F}"/>
+              </a:ext>
+            </a:extLst>
+          </p:cNvPr>
+          <p:cNvCxnSpPr>
+            <a:cxnSpLocks/>
+            <a:endCxn id="182" idx="1"/>
+          </p:cNvCxnSpPr>
+          <p:nvPr/>
+        </p:nvCxnSpPr>
+        <p:spPr>
+          <a:xfrm>
+            <a:off x="1047750" y="352425"/>
+            <a:ext cx="3790950" cy="1462801"/>
+          </a:xfrm>
+          <a:prstGeom prst="bentConnector3">
+            <a:avLst>
+              <a:gd name="adj1" fmla="val 76131"/>
+            </a:avLst>
+          </a:prstGeom>
+          <a:ln w="38100">
+            <a:tailEnd type="triangle"/>
+          </a:ln>
+        </p:spPr>
+        <p:style>
+          <a:lnRef idx="1">
+            <a:schemeClr val="dk1"/>
+          </a:lnRef>
+          <a:fillRef idx="0">
+            <a:schemeClr val="dk1"/>
+          </a:fillRef>
+          <a:effectRef idx="0">
+            <a:schemeClr val="dk1"/>
+          </a:effectRef>
+          <a:fontRef idx="minor">
+            <a:schemeClr val="tx1"/>
+          </a:fontRef>
+        </p:style>
+      </p:cxnSp>
+      <p:cxnSp>
+        <p:nvCxnSpPr>
+          <p:cNvPr id="156" name="Connector: Elbow 155">
+            <a:extLst>
+              <a:ext uri="{FF2B5EF4-FFF2-40B4-BE49-F238E27FC236}">
+                <a16:creationId xmlns:a16="http://schemas.microsoft.com/office/drawing/2014/main" id="{8A481A49-9611-4697-9651-02666260A58C}"/>
+              </a:ext>
+            </a:extLst>
+          </p:cNvPr>
+          <p:cNvCxnSpPr>
+            <a:cxnSpLocks/>
+            <a:endCxn id="180" idx="1"/>
+          </p:cNvCxnSpPr>
+          <p:nvPr/>
+        </p:nvCxnSpPr>
+        <p:spPr>
+          <a:xfrm rot="16200000" flipH="1">
+            <a:off x="1062831" y="3267869"/>
+            <a:ext cx="2890838" cy="927100"/>
+          </a:xfrm>
+          <a:prstGeom prst="bentConnector2">
+            <a:avLst/>
+          </a:prstGeom>
+          <a:ln w="38100">
+            <a:solidFill>
+              <a:schemeClr val="tx1"/>
+            </a:solidFill>
+            <a:tailEnd type="triangle"/>
+          </a:ln>
+        </p:spPr>
+        <p:style>
+          <a:lnRef idx="1">
+            <a:schemeClr val="accent1"/>
+          </a:lnRef>
+          <a:fillRef idx="0">
+            <a:schemeClr val="accent1"/>
+          </a:fillRef>
+          <a:effectRef idx="0">
+            <a:schemeClr val="accent1"/>
+          </a:effectRef>
+          <a:fontRef idx="minor">
+            <a:schemeClr val="tx1"/>
+          </a:fontRef>
+        </p:style>
+      </p:cxnSp>
+      <p:sp>
+        <p:nvSpPr>
+          <p:cNvPr id="160" name="Freeform: Shape 159">
+            <a:extLst>
+              <a:ext uri="{FF2B5EF4-FFF2-40B4-BE49-F238E27FC236}">
+                <a16:creationId xmlns:a16="http://schemas.microsoft.com/office/drawing/2014/main" id="{96DE6908-0E6C-4A94-B88E-8A00337FA60C}"/>
+              </a:ext>
+            </a:extLst>
+          </p:cNvPr>
+          <p:cNvSpPr/>
+          <p:nvPr/>
+        </p:nvSpPr>
+        <p:spPr>
+          <a:xfrm>
+            <a:off x="6364509" y="575193"/>
+            <a:ext cx="177281" cy="245307"/>
+          </a:xfrm>
+          <a:custGeom>
+            <a:avLst/>
+            <a:gdLst>
+              <a:gd name="connsiteX0" fmla="*/ 102636 w 177281"/>
+              <a:gd name="connsiteY0" fmla="*/ 96017 h 245307"/>
+              <a:gd name="connsiteX1" fmla="*/ 55983 w 177281"/>
+              <a:gd name="connsiteY1" fmla="*/ 105348 h 245307"/>
+              <a:gd name="connsiteX2" fmla="*/ 27991 w 177281"/>
+              <a:gd name="connsiteY2" fmla="*/ 170662 h 245307"/>
+              <a:gd name="connsiteX3" fmla="*/ 46653 w 177281"/>
+              <a:gd name="connsiteY3" fmla="*/ 217315 h 245307"/>
+              <a:gd name="connsiteX4" fmla="*/ 130628 w 177281"/>
+              <a:gd name="connsiteY4" fmla="*/ 245307 h 245307"/>
+              <a:gd name="connsiteX5" fmla="*/ 158620 w 177281"/>
+              <a:gd name="connsiteY5" fmla="*/ 207985 h 245307"/>
+              <a:gd name="connsiteX6" fmla="*/ 177281 w 177281"/>
+              <a:gd name="connsiteY6" fmla="*/ 133340 h 245307"/>
+              <a:gd name="connsiteX7" fmla="*/ 158620 w 177281"/>
+              <a:gd name="connsiteY7" fmla="*/ 58695 h 245307"/>
+              <a:gd name="connsiteX8" fmla="*/ 93306 w 177281"/>
+              <a:gd name="connsiteY8" fmla="*/ 2711 h 245307"/>
+              <a:gd name="connsiteX9" fmla="*/ 0 w 177281"/>
+              <a:gd name="connsiteY9" fmla="*/ 2711 h 245307"/>
+            </a:gdLst>
+            <a:ahLst/>
+            <a:cxnLst>
+              <a:cxn ang="0">
+                <a:pos x="connsiteX0" y="connsiteY0"/>
+              </a:cxn>
+              <a:cxn ang="0">
+                <a:pos x="connsiteX1" y="connsiteY1"/>
+              </a:cxn>
+              <a:cxn ang="0">
+                <a:pos x="connsiteX2" y="connsiteY2"/>
+              </a:cxn>
+              <a:cxn ang="0">
+                <a:pos x="connsiteX3" y="connsiteY3"/>
+              </a:cxn>
+              <a:cxn ang="0">
+                <a:pos x="connsiteX4" y="connsiteY4"/>
+              </a:cxn>
+              <a:cxn ang="0">
+                <a:pos x="connsiteX5" y="connsiteY5"/>
+              </a:cxn>
+              <a:cxn ang="0">
+                <a:pos x="connsiteX6" y="connsiteY6"/>
+              </a:cxn>
+              <a:cxn ang="0">
+                <a:pos x="connsiteX7" y="connsiteY7"/>
+              </a:cxn>
+              <a:cxn ang="0">
+                <a:pos x="connsiteX8" y="connsiteY8"/>
+              </a:cxn>
+              <a:cxn ang="0">
+                <a:pos x="connsiteX9" y="connsiteY9"/>
+              </a:cxn>
+            </a:cxnLst>
+            <a:rect l="l" t="t" r="r" b="b"/>
+            <a:pathLst>
+              <a:path w="177281" h="245307">
+                <a:moveTo>
+                  <a:pt x="102636" y="96017"/>
+                </a:moveTo>
+                <a:cubicBezTo>
+                  <a:pt x="87085" y="99127"/>
+                  <a:pt x="69752" y="97480"/>
+                  <a:pt x="55983" y="105348"/>
+                </a:cubicBezTo>
+                <a:cubicBezTo>
+                  <a:pt x="37190" y="116087"/>
+                  <a:pt x="32059" y="154392"/>
+                  <a:pt x="27991" y="170662"/>
+                </a:cubicBezTo>
+                <a:cubicBezTo>
+                  <a:pt x="34212" y="186213"/>
+                  <a:pt x="33107" y="207464"/>
+                  <a:pt x="46653" y="217315"/>
+                </a:cubicBezTo>
+                <a:cubicBezTo>
+                  <a:pt x="70515" y="234669"/>
+                  <a:pt x="130628" y="245307"/>
+                  <a:pt x="130628" y="245307"/>
+                </a:cubicBezTo>
+                <a:cubicBezTo>
+                  <a:pt x="139959" y="232866"/>
+                  <a:pt x="152639" y="222340"/>
+                  <a:pt x="158620" y="207985"/>
+                </a:cubicBezTo>
+                <a:cubicBezTo>
+                  <a:pt x="168484" y="184310"/>
+                  <a:pt x="177281" y="133340"/>
+                  <a:pt x="177281" y="133340"/>
+                </a:cubicBezTo>
+                <a:cubicBezTo>
+                  <a:pt x="171061" y="108458"/>
+                  <a:pt x="167385" y="82798"/>
+                  <a:pt x="158620" y="58695"/>
+                </a:cubicBezTo>
+                <a:cubicBezTo>
+                  <a:pt x="149436" y="33438"/>
+                  <a:pt x="117980" y="7646"/>
+                  <a:pt x="93306" y="2711"/>
+                </a:cubicBezTo>
+                <a:cubicBezTo>
+                  <a:pt x="62808" y="-3389"/>
+                  <a:pt x="31102" y="2711"/>
+                  <a:pt x="0" y="2711"/>
+                </a:cubicBezTo>
+              </a:path>
+            </a:pathLst>
+          </a:custGeom>
+          <a:noFill/>
+          <a:ln w="28575">
+            <a:solidFill>
+              <a:srgbClr val="C00000"/>
+            </a:solidFill>
+            <a:tailEnd type="triangle"/>
+          </a:ln>
+        </p:spPr>
+        <p:style>
+          <a:lnRef idx="2">
+            <a:schemeClr val="accent1">
+              <a:shade val="50000"/>
+            </a:schemeClr>
+          </a:lnRef>
+          <a:fillRef idx="1">
+            <a:schemeClr val="accent1"/>
+          </a:fillRef>
+          <a:effectRef idx="0">
+            <a:schemeClr val="accent1"/>
+          </a:effectRef>
+          <a:fontRef idx="minor">
+            <a:schemeClr val="lt1"/>
+          </a:fontRef>
+        </p:style>
+        <p:txBody>
+          <a:bodyPr rtlCol="0" anchor="ctr"/>
+          <a:lstStyle/>
+          <a:p>
+            <a:pPr algn="ctr"/>
+            <a:endParaRPr lang="en-US"/>
+          </a:p>
+        </p:txBody>
+      </p:sp>
+      <p:sp>
+        <p:nvSpPr>
+          <p:cNvPr id="161" name="Freeform: Shape 160">
+            <a:extLst>
+              <a:ext uri="{FF2B5EF4-FFF2-40B4-BE49-F238E27FC236}">
+                <a16:creationId xmlns:a16="http://schemas.microsoft.com/office/drawing/2014/main" id="{AD9C2769-C0CB-46ED-87BF-C5CB5658D7B3}"/>
+              </a:ext>
+            </a:extLst>
+          </p:cNvPr>
+          <p:cNvSpPr/>
+          <p:nvPr/>
+        </p:nvSpPr>
+        <p:spPr>
+          <a:xfrm>
+            <a:off x="7472584" y="562493"/>
+            <a:ext cx="177281" cy="245307"/>
+          </a:xfrm>
+          <a:custGeom>
+            <a:avLst/>
+            <a:gdLst>
+              <a:gd name="connsiteX0" fmla="*/ 102636 w 177281"/>
+              <a:gd name="connsiteY0" fmla="*/ 96017 h 245307"/>
+              <a:gd name="connsiteX1" fmla="*/ 55983 w 177281"/>
+              <a:gd name="connsiteY1" fmla="*/ 105348 h 245307"/>
+              <a:gd name="connsiteX2" fmla="*/ 27991 w 177281"/>
+              <a:gd name="connsiteY2" fmla="*/ 170662 h 245307"/>
+              <a:gd name="connsiteX3" fmla="*/ 46653 w 177281"/>
+              <a:gd name="connsiteY3" fmla="*/ 217315 h 245307"/>
+              <a:gd name="connsiteX4" fmla="*/ 130628 w 177281"/>
+              <a:gd name="connsiteY4" fmla="*/ 245307 h 245307"/>
+              <a:gd name="connsiteX5" fmla="*/ 158620 w 177281"/>
+              <a:gd name="connsiteY5" fmla="*/ 207985 h 245307"/>
+              <a:gd name="connsiteX6" fmla="*/ 177281 w 177281"/>
+              <a:gd name="connsiteY6" fmla="*/ 133340 h 245307"/>
+              <a:gd name="connsiteX7" fmla="*/ 158620 w 177281"/>
+              <a:gd name="connsiteY7" fmla="*/ 58695 h 245307"/>
+              <a:gd name="connsiteX8" fmla="*/ 93306 w 177281"/>
+              <a:gd name="connsiteY8" fmla="*/ 2711 h 245307"/>
+              <a:gd name="connsiteX9" fmla="*/ 0 w 177281"/>
+              <a:gd name="connsiteY9" fmla="*/ 2711 h 245307"/>
+            </a:gdLst>
+            <a:ahLst/>
+            <a:cxnLst>
+              <a:cxn ang="0">
+                <a:pos x="connsiteX0" y="connsiteY0"/>
+              </a:cxn>
+              <a:cxn ang="0">
+                <a:pos x="connsiteX1" y="connsiteY1"/>
+              </a:cxn>
+              <a:cxn ang="0">
+                <a:pos x="connsiteX2" y="connsiteY2"/>
+              </a:cxn>
+              <a:cxn ang="0">
+                <a:pos x="connsiteX3" y="connsiteY3"/>
+              </a:cxn>
+              <a:cxn ang="0">
+                <a:pos x="connsiteX4" y="connsiteY4"/>
+              </a:cxn>
+              <a:cxn ang="0">
+                <a:pos x="connsiteX5" y="connsiteY5"/>
+              </a:cxn>
+              <a:cxn ang="0">
+                <a:pos x="connsiteX6" y="connsiteY6"/>
+              </a:cxn>
+              <a:cxn ang="0">
+                <a:pos x="connsiteX7" y="connsiteY7"/>
+              </a:cxn>
+              <a:cxn ang="0">
+                <a:pos x="connsiteX8" y="connsiteY8"/>
+              </a:cxn>
+              <a:cxn ang="0">
+                <a:pos x="connsiteX9" y="connsiteY9"/>
+              </a:cxn>
+            </a:cxnLst>
+            <a:rect l="l" t="t" r="r" b="b"/>
+            <a:pathLst>
+              <a:path w="177281" h="245307">
+                <a:moveTo>
+                  <a:pt x="102636" y="96017"/>
+                </a:moveTo>
+                <a:cubicBezTo>
+                  <a:pt x="87085" y="99127"/>
+                  <a:pt x="69752" y="97480"/>
+                  <a:pt x="55983" y="105348"/>
+                </a:cubicBezTo>
+                <a:cubicBezTo>
+                  <a:pt x="37190" y="116087"/>
+                  <a:pt x="32059" y="154392"/>
+                  <a:pt x="27991" y="170662"/>
+                </a:cubicBezTo>
+                <a:cubicBezTo>
+                  <a:pt x="34212" y="186213"/>
+                  <a:pt x="33107" y="207464"/>
+                  <a:pt x="46653" y="217315"/>
+                </a:cubicBezTo>
+                <a:cubicBezTo>
+                  <a:pt x="70515" y="234669"/>
+                  <a:pt x="130628" y="245307"/>
+                  <a:pt x="130628" y="245307"/>
+                </a:cubicBezTo>
+                <a:cubicBezTo>
+                  <a:pt x="139959" y="232866"/>
+                  <a:pt x="152639" y="222340"/>
+                  <a:pt x="158620" y="207985"/>
+                </a:cubicBezTo>
+                <a:cubicBezTo>
+                  <a:pt x="168484" y="184310"/>
+                  <a:pt x="177281" y="133340"/>
+                  <a:pt x="177281" y="133340"/>
+                </a:cubicBezTo>
+                <a:cubicBezTo>
+                  <a:pt x="171061" y="108458"/>
+                  <a:pt x="167385" y="82798"/>
+                  <a:pt x="158620" y="58695"/>
+                </a:cubicBezTo>
+                <a:cubicBezTo>
+                  <a:pt x="149436" y="33438"/>
+                  <a:pt x="117980" y="7646"/>
+                  <a:pt x="93306" y="2711"/>
+                </a:cubicBezTo>
+                <a:cubicBezTo>
+                  <a:pt x="62808" y="-3389"/>
+                  <a:pt x="31102" y="2711"/>
+                  <a:pt x="0" y="2711"/>
+                </a:cubicBezTo>
+              </a:path>
+            </a:pathLst>
+          </a:custGeom>
+          <a:noFill/>
+          <a:ln w="28575">
+            <a:solidFill>
+              <a:srgbClr val="C00000"/>
+            </a:solidFill>
+            <a:tailEnd type="triangle"/>
+          </a:ln>
+        </p:spPr>
+        <p:style>
+          <a:lnRef idx="2">
+            <a:schemeClr val="accent1">
+              <a:shade val="50000"/>
+            </a:schemeClr>
+          </a:lnRef>
+          <a:fillRef idx="1">
+            <a:schemeClr val="accent1"/>
+          </a:fillRef>
+          <a:effectRef idx="0">
+            <a:schemeClr val="accent1"/>
+          </a:effectRef>
+          <a:fontRef idx="minor">
+            <a:schemeClr val="lt1"/>
+          </a:fontRef>
+        </p:style>
+        <p:txBody>
+          <a:bodyPr rtlCol="0" anchor="ctr"/>
+          <a:lstStyle/>
+          <a:p>
+            <a:pPr algn="ctr"/>
+            <a:endParaRPr lang="en-US"/>
+          </a:p>
+        </p:txBody>
+      </p:sp>
+      <p:sp>
+        <p:nvSpPr>
+          <p:cNvPr id="167" name="Freeform: Shape 166">
+            <a:extLst>
+              <a:ext uri="{FF2B5EF4-FFF2-40B4-BE49-F238E27FC236}">
+                <a16:creationId xmlns:a16="http://schemas.microsoft.com/office/drawing/2014/main" id="{6E0654C1-1858-430A-8453-4F24532FDA7C}"/>
+              </a:ext>
+            </a:extLst>
+          </p:cNvPr>
+          <p:cNvSpPr/>
+          <p:nvPr/>
+        </p:nvSpPr>
+        <p:spPr>
+          <a:xfrm>
+            <a:off x="6697884" y="603768"/>
+            <a:ext cx="177281" cy="245307"/>
+          </a:xfrm>
+          <a:custGeom>
+            <a:avLst/>
+            <a:gdLst>
+              <a:gd name="connsiteX0" fmla="*/ 102636 w 177281"/>
+              <a:gd name="connsiteY0" fmla="*/ 96017 h 245307"/>
+              <a:gd name="connsiteX1" fmla="*/ 55983 w 177281"/>
+              <a:gd name="connsiteY1" fmla="*/ 105348 h 245307"/>
+              <a:gd name="connsiteX2" fmla="*/ 27991 w 177281"/>
+              <a:gd name="connsiteY2" fmla="*/ 170662 h 245307"/>
+              <a:gd name="connsiteX3" fmla="*/ 46653 w 177281"/>
+              <a:gd name="connsiteY3" fmla="*/ 217315 h 245307"/>
+              <a:gd name="connsiteX4" fmla="*/ 130628 w 177281"/>
+              <a:gd name="connsiteY4" fmla="*/ 245307 h 245307"/>
+              <a:gd name="connsiteX5" fmla="*/ 158620 w 177281"/>
+              <a:gd name="connsiteY5" fmla="*/ 207985 h 245307"/>
+              <a:gd name="connsiteX6" fmla="*/ 177281 w 177281"/>
+              <a:gd name="connsiteY6" fmla="*/ 133340 h 245307"/>
+              <a:gd name="connsiteX7" fmla="*/ 158620 w 177281"/>
+              <a:gd name="connsiteY7" fmla="*/ 58695 h 245307"/>
+              <a:gd name="connsiteX8" fmla="*/ 93306 w 177281"/>
+              <a:gd name="connsiteY8" fmla="*/ 2711 h 245307"/>
+              <a:gd name="connsiteX9" fmla="*/ 0 w 177281"/>
+              <a:gd name="connsiteY9" fmla="*/ 2711 h 245307"/>
+            </a:gdLst>
+            <a:ahLst/>
+            <a:cxnLst>
+              <a:cxn ang="0">
+                <a:pos x="connsiteX0" y="connsiteY0"/>
+              </a:cxn>
+              <a:cxn ang="0">
+                <a:pos x="connsiteX1" y="connsiteY1"/>
+              </a:cxn>
+              <a:cxn ang="0">
+                <a:pos x="connsiteX2" y="connsiteY2"/>
+              </a:cxn>
+              <a:cxn ang="0">
+                <a:pos x="connsiteX3" y="connsiteY3"/>
+              </a:cxn>
+              <a:cxn ang="0">
+                <a:pos x="connsiteX4" y="connsiteY4"/>
+              </a:cxn>
+              <a:cxn ang="0">
+                <a:pos x="connsiteX5" y="connsiteY5"/>
+              </a:cxn>
+              <a:cxn ang="0">
+                <a:pos x="connsiteX6" y="connsiteY6"/>
+              </a:cxn>
+              <a:cxn ang="0">
+                <a:pos x="connsiteX7" y="connsiteY7"/>
+              </a:cxn>
+              <a:cxn ang="0">
+                <a:pos x="connsiteX8" y="connsiteY8"/>
+              </a:cxn>
+              <a:cxn ang="0">
+                <a:pos x="connsiteX9" y="connsiteY9"/>
+              </a:cxn>
+            </a:cxnLst>
+            <a:rect l="l" t="t" r="r" b="b"/>
+            <a:pathLst>
+              <a:path w="177281" h="245307">
+                <a:moveTo>
+                  <a:pt x="102636" y="96017"/>
+                </a:moveTo>
+                <a:cubicBezTo>
+                  <a:pt x="87085" y="99127"/>
+                  <a:pt x="69752" y="97480"/>
+                  <a:pt x="55983" y="105348"/>
+                </a:cubicBezTo>
+                <a:cubicBezTo>
+                  <a:pt x="37190" y="116087"/>
+                  <a:pt x="32059" y="154392"/>
+                  <a:pt x="27991" y="170662"/>
+                </a:cubicBezTo>
+                <a:cubicBezTo>
+                  <a:pt x="34212" y="186213"/>
+                  <a:pt x="33107" y="207464"/>
+                  <a:pt x="46653" y="217315"/>
+                </a:cubicBezTo>
+                <a:cubicBezTo>
+                  <a:pt x="70515" y="234669"/>
+                  <a:pt x="130628" y="245307"/>
+                  <a:pt x="130628" y="245307"/>
+                </a:cubicBezTo>
+                <a:cubicBezTo>
+                  <a:pt x="139959" y="232866"/>
+                  <a:pt x="152639" y="222340"/>
+                  <a:pt x="158620" y="207985"/>
+                </a:cubicBezTo>
+                <a:cubicBezTo>
+                  <a:pt x="168484" y="184310"/>
+                  <a:pt x="177281" y="133340"/>
+                  <a:pt x="177281" y="133340"/>
+                </a:cubicBezTo>
+                <a:cubicBezTo>
+                  <a:pt x="171061" y="108458"/>
+                  <a:pt x="167385" y="82798"/>
+                  <a:pt x="158620" y="58695"/>
+                </a:cubicBezTo>
+                <a:cubicBezTo>
+                  <a:pt x="149436" y="33438"/>
+                  <a:pt x="117980" y="7646"/>
+                  <a:pt x="93306" y="2711"/>
+                </a:cubicBezTo>
+                <a:cubicBezTo>
+                  <a:pt x="62808" y="-3389"/>
+                  <a:pt x="31102" y="2711"/>
+                  <a:pt x="0" y="2711"/>
+                </a:cubicBezTo>
+              </a:path>
+            </a:pathLst>
+          </a:custGeom>
+          <a:noFill/>
+          <a:ln w="28575">
+            <a:solidFill>
+              <a:srgbClr val="C00000"/>
+            </a:solidFill>
+            <a:tailEnd type="triangle"/>
+          </a:ln>
+        </p:spPr>
+        <p:style>
+          <a:lnRef idx="2">
+            <a:schemeClr val="accent1">
+              <a:shade val="50000"/>
+            </a:schemeClr>
+          </a:lnRef>
+          <a:fillRef idx="1">
+            <a:schemeClr val="accent1"/>
+          </a:fillRef>
+          <a:effectRef idx="0">
+            <a:schemeClr val="accent1"/>
+          </a:effectRef>
+          <a:fontRef idx="minor">
+            <a:schemeClr val="lt1"/>
+          </a:fontRef>
+        </p:style>
+        <p:txBody>
+          <a:bodyPr rtlCol="0" anchor="ctr"/>
+          <a:lstStyle/>
+          <a:p>
+            <a:pPr algn="ctr"/>
+            <a:endParaRPr lang="en-US"/>
+          </a:p>
+        </p:txBody>
+      </p:sp>
+      <p:cxnSp>
+        <p:nvCxnSpPr>
+          <p:cNvPr id="168" name="Straight Arrow Connector 167">
+            <a:extLst>
+              <a:ext uri="{FF2B5EF4-FFF2-40B4-BE49-F238E27FC236}">
+                <a16:creationId xmlns:a16="http://schemas.microsoft.com/office/drawing/2014/main" id="{59325C68-BBD6-4B15-9123-8E375C4E6DCC}"/>
+              </a:ext>
+            </a:extLst>
+          </p:cNvPr>
+          <p:cNvCxnSpPr>
+            <a:cxnSpLocks/>
+          </p:cNvCxnSpPr>
+          <p:nvPr/>
+        </p:nvCxnSpPr>
+        <p:spPr>
+          <a:xfrm flipH="1" flipV="1">
+            <a:off x="9991725" y="4362450"/>
+            <a:ext cx="809626" cy="742952"/>
+          </a:xfrm>
+          <a:prstGeom prst="straightConnector1">
+            <a:avLst/>
+          </a:prstGeom>
+          <a:ln>
+            <a:solidFill>
+              <a:srgbClr val="ED7D31"/>
+            </a:solidFill>
+            <a:tailEnd type="triangle"/>
+          </a:ln>
+        </p:spPr>
+        <p:style>
+          <a:lnRef idx="1">
+            <a:schemeClr val="accent1"/>
+          </a:lnRef>
+          <a:fillRef idx="0">
+            <a:schemeClr val="accent1"/>
+          </a:fillRef>
+          <a:effectRef idx="0">
+            <a:schemeClr val="accent1"/>
+          </a:effectRef>
+          <a:fontRef idx="minor">
+            <a:schemeClr val="tx1"/>
+          </a:fontRef>
+        </p:style>
+      </p:cxnSp>
+      <p:sp>
+        <p:nvSpPr>
+          <p:cNvPr id="172" name="Freeform: Shape 171">
+            <a:extLst>
+              <a:ext uri="{FF2B5EF4-FFF2-40B4-BE49-F238E27FC236}">
+                <a16:creationId xmlns:a16="http://schemas.microsoft.com/office/drawing/2014/main" id="{E3337E59-9ABB-4873-A721-E1C11F0677BD}"/>
+              </a:ext>
+            </a:extLst>
+          </p:cNvPr>
+          <p:cNvSpPr/>
+          <p:nvPr/>
+        </p:nvSpPr>
+        <p:spPr>
+          <a:xfrm>
+            <a:off x="9870349" y="4051620"/>
+            <a:ext cx="177281" cy="245307"/>
+          </a:xfrm>
+          <a:custGeom>
+            <a:avLst/>
+            <a:gdLst>
+              <a:gd name="connsiteX0" fmla="*/ 102636 w 177281"/>
+              <a:gd name="connsiteY0" fmla="*/ 96017 h 245307"/>
+              <a:gd name="connsiteX1" fmla="*/ 55983 w 177281"/>
+              <a:gd name="connsiteY1" fmla="*/ 105348 h 245307"/>
+              <a:gd name="connsiteX2" fmla="*/ 27991 w 177281"/>
+              <a:gd name="connsiteY2" fmla="*/ 170662 h 245307"/>
+              <a:gd name="connsiteX3" fmla="*/ 46653 w 177281"/>
+              <a:gd name="connsiteY3" fmla="*/ 217315 h 245307"/>
+              <a:gd name="connsiteX4" fmla="*/ 130628 w 177281"/>
+              <a:gd name="connsiteY4" fmla="*/ 245307 h 245307"/>
+              <a:gd name="connsiteX5" fmla="*/ 158620 w 177281"/>
+              <a:gd name="connsiteY5" fmla="*/ 207985 h 245307"/>
+              <a:gd name="connsiteX6" fmla="*/ 177281 w 177281"/>
+              <a:gd name="connsiteY6" fmla="*/ 133340 h 245307"/>
+              <a:gd name="connsiteX7" fmla="*/ 158620 w 177281"/>
+              <a:gd name="connsiteY7" fmla="*/ 58695 h 245307"/>
+              <a:gd name="connsiteX8" fmla="*/ 93306 w 177281"/>
+              <a:gd name="connsiteY8" fmla="*/ 2711 h 245307"/>
+              <a:gd name="connsiteX9" fmla="*/ 0 w 177281"/>
+              <a:gd name="connsiteY9" fmla="*/ 2711 h 245307"/>
+            </a:gdLst>
+            <a:ahLst/>
+            <a:cxnLst>
+              <a:cxn ang="0">
+                <a:pos x="connsiteX0" y="connsiteY0"/>
+              </a:cxn>
+              <a:cxn ang="0">
+                <a:pos x="connsiteX1" y="connsiteY1"/>
+              </a:cxn>
+              <a:cxn ang="0">
+                <a:pos x="connsiteX2" y="connsiteY2"/>
+              </a:cxn>
+              <a:cxn ang="0">
+                <a:pos x="connsiteX3" y="connsiteY3"/>
+              </a:cxn>
+              <a:cxn ang="0">
+                <a:pos x="connsiteX4" y="connsiteY4"/>
+              </a:cxn>
+              <a:cxn ang="0">
+                <a:pos x="connsiteX5" y="connsiteY5"/>
+              </a:cxn>
+              <a:cxn ang="0">
+                <a:pos x="connsiteX6" y="connsiteY6"/>
+              </a:cxn>
+              <a:cxn ang="0">
+                <a:pos x="connsiteX7" y="connsiteY7"/>
+              </a:cxn>
+              <a:cxn ang="0">
+                <a:pos x="connsiteX8" y="connsiteY8"/>
+              </a:cxn>
+              <a:cxn ang="0">
+                <a:pos x="connsiteX9" y="connsiteY9"/>
+              </a:cxn>
+            </a:cxnLst>
+            <a:rect l="l" t="t" r="r" b="b"/>
+            <a:pathLst>
+              <a:path w="177281" h="245307">
+                <a:moveTo>
+                  <a:pt x="102636" y="96017"/>
+                </a:moveTo>
+                <a:cubicBezTo>
+                  <a:pt x="87085" y="99127"/>
+                  <a:pt x="69752" y="97480"/>
+                  <a:pt x="55983" y="105348"/>
+                </a:cubicBezTo>
+                <a:cubicBezTo>
+                  <a:pt x="37190" y="116087"/>
+                  <a:pt x="32059" y="154392"/>
+                  <a:pt x="27991" y="170662"/>
+                </a:cubicBezTo>
+                <a:cubicBezTo>
+                  <a:pt x="34212" y="186213"/>
+                  <a:pt x="33107" y="207464"/>
+                  <a:pt x="46653" y="217315"/>
+                </a:cubicBezTo>
+                <a:cubicBezTo>
+                  <a:pt x="70515" y="234669"/>
+                  <a:pt x="130628" y="245307"/>
+                  <a:pt x="130628" y="245307"/>
+                </a:cubicBezTo>
+                <a:cubicBezTo>
+                  <a:pt x="139959" y="232866"/>
+                  <a:pt x="152639" y="222340"/>
+                  <a:pt x="158620" y="207985"/>
+                </a:cubicBezTo>
+                <a:cubicBezTo>
+                  <a:pt x="168484" y="184310"/>
+                  <a:pt x="177281" y="133340"/>
+                  <a:pt x="177281" y="133340"/>
+                </a:cubicBezTo>
+                <a:cubicBezTo>
+                  <a:pt x="171061" y="108458"/>
+                  <a:pt x="167385" y="82798"/>
+                  <a:pt x="158620" y="58695"/>
+                </a:cubicBezTo>
+                <a:cubicBezTo>
+                  <a:pt x="149436" y="33438"/>
+                  <a:pt x="117980" y="7646"/>
+                  <a:pt x="93306" y="2711"/>
+                </a:cubicBezTo>
+                <a:cubicBezTo>
+                  <a:pt x="62808" y="-3389"/>
+                  <a:pt x="31102" y="2711"/>
+                  <a:pt x="0" y="2711"/>
+                </a:cubicBezTo>
+              </a:path>
+            </a:pathLst>
+          </a:custGeom>
+          <a:noFill/>
+          <a:ln w="28575">
+            <a:solidFill>
+              <a:srgbClr val="C00000"/>
+            </a:solidFill>
+            <a:tailEnd type="triangle"/>
+          </a:ln>
+        </p:spPr>
+        <p:style>
+          <a:lnRef idx="2">
+            <a:schemeClr val="accent1">
+              <a:shade val="50000"/>
+            </a:schemeClr>
+          </a:lnRef>
+          <a:fillRef idx="1">
+            <a:schemeClr val="accent1"/>
+          </a:fillRef>
+          <a:effectRef idx="0">
+            <a:schemeClr val="accent1"/>
+          </a:effectRef>
+          <a:fontRef idx="minor">
+            <a:schemeClr val="lt1"/>
+          </a:fontRef>
+        </p:style>
+        <p:txBody>
+          <a:bodyPr rtlCol="0" anchor="ctr"/>
+          <a:lstStyle/>
+          <a:p>
+            <a:pPr algn="ctr"/>
+            <a:endParaRPr lang="en-US"/>
+          </a:p>
+        </p:txBody>
+      </p:sp>
+      <p:sp>
+        <p:nvSpPr>
+          <p:cNvPr id="180" name="Rectangle 179">
+            <a:extLst>
+              <a:ext uri="{FF2B5EF4-FFF2-40B4-BE49-F238E27FC236}">
+                <a16:creationId xmlns:a16="http://schemas.microsoft.com/office/drawing/2014/main" id="{86908028-5DC9-473F-8748-6FC770B4D3BF}"/>
+              </a:ext>
+            </a:extLst>
+          </p:cNvPr>
+          <p:cNvSpPr/>
+          <p:nvPr/>
+        </p:nvSpPr>
+        <p:spPr>
+          <a:xfrm>
+            <a:off x="2971800" y="3676650"/>
+            <a:ext cx="8858250" cy="3000375"/>
+          </a:xfrm>
+          <a:prstGeom prst="rect">
+            <a:avLst/>
+          </a:prstGeom>
+          <a:noFill/>
+          <a:ln w="28575">
+            <a:solidFill>
+              <a:schemeClr val="tx1"/>
+            </a:solidFill>
+            <a:prstDash val="sysDash"/>
+          </a:ln>
+        </p:spPr>
+        <p:style>
+          <a:lnRef idx="2">
+            <a:schemeClr val="accent1">
+              <a:shade val="50000"/>
+            </a:schemeClr>
+          </a:lnRef>
+          <a:fillRef idx="1">
+            <a:schemeClr val="accent1"/>
+          </a:fillRef>
+          <a:effectRef idx="0">
+            <a:schemeClr val="accent1"/>
+          </a:effectRef>
+          <a:fontRef idx="minor">
+            <a:schemeClr val="lt1"/>
+          </a:fontRef>
+        </p:style>
+        <p:txBody>
+          <a:bodyPr rtlCol="0" anchor="ctr"/>
+          <a:lstStyle/>
+          <a:p>
+            <a:pPr algn="ctr"/>
+            <a:endParaRPr lang="en-US"/>
+          </a:p>
+        </p:txBody>
+      </p:sp>
+      <p:sp>
+        <p:nvSpPr>
+          <p:cNvPr id="182" name="Rectangle 181">
+            <a:extLst>
+              <a:ext uri="{FF2B5EF4-FFF2-40B4-BE49-F238E27FC236}">
+                <a16:creationId xmlns:a16="http://schemas.microsoft.com/office/drawing/2014/main" id="{2FC61F30-D78D-4343-8876-CB040AEB779B}"/>
+              </a:ext>
+            </a:extLst>
+          </p:cNvPr>
+          <p:cNvSpPr/>
+          <p:nvPr/>
+        </p:nvSpPr>
+        <p:spPr>
+          <a:xfrm>
+            <a:off x="4838700" y="77627"/>
+            <a:ext cx="4495800" cy="3475198"/>
+          </a:xfrm>
+          <a:prstGeom prst="rect">
+            <a:avLst/>
+          </a:prstGeom>
+          <a:noFill/>
+          <a:ln w="28575">
+            <a:solidFill>
+              <a:schemeClr val="tx1"/>
+            </a:solidFill>
+            <a:prstDash val="sysDash"/>
+          </a:ln>
+        </p:spPr>
+        <p:style>
+          <a:lnRef idx="2">
+            <a:schemeClr val="accent1">
+              <a:shade val="50000"/>
+            </a:schemeClr>
+          </a:lnRef>
+          <a:fillRef idx="1">
+            <a:schemeClr val="accent1"/>
+          </a:fillRef>
+          <a:effectRef idx="0">
+            <a:schemeClr val="accent1"/>
+          </a:effectRef>
+          <a:fontRef idx="minor">
+            <a:schemeClr val="lt1"/>
+          </a:fontRef>
+        </p:style>
+        <p:txBody>
+          <a:bodyPr rtlCol="0" anchor="ctr"/>
+          <a:lstStyle/>
+          <a:p>
+            <a:pPr algn="ctr"/>
+            <a:endParaRPr lang="en-US"/>
+          </a:p>
+        </p:txBody>
+      </p:sp>
+      <p:cxnSp>
+        <p:nvCxnSpPr>
+          <p:cNvPr id="190" name="Straight Connector 189">
+            <a:extLst>
+              <a:ext uri="{FF2B5EF4-FFF2-40B4-BE49-F238E27FC236}">
+                <a16:creationId xmlns:a16="http://schemas.microsoft.com/office/drawing/2014/main" id="{52D8227C-7D18-4AA1-99F6-0EBED43A53AF}"/>
+              </a:ext>
+            </a:extLst>
+          </p:cNvPr>
+          <p:cNvCxnSpPr>
+            <a:cxnSpLocks/>
+          </p:cNvCxnSpPr>
+          <p:nvPr/>
+        </p:nvCxnSpPr>
+        <p:spPr>
+          <a:xfrm>
+            <a:off x="1938626" y="1963976"/>
+            <a:ext cx="204499" cy="0"/>
+          </a:xfrm>
+          <a:prstGeom prst="line">
+            <a:avLst/>
+          </a:prstGeom>
+          <a:ln w="38100">
+            <a:solidFill>
+              <a:schemeClr val="tx1"/>
+            </a:solidFill>
+          </a:ln>
+        </p:spPr>
+        <p:style>
+          <a:lnRef idx="1">
+            <a:schemeClr val="accent1"/>
+          </a:lnRef>
+          <a:fillRef idx="0">
+            <a:schemeClr val="accent1"/>
+          </a:fillRef>
+          <a:effectRef idx="0">
+            <a:schemeClr val="accent1"/>
+          </a:effectRef>
+          <a:fontRef idx="minor">
+            <a:schemeClr val="tx1"/>
+          </a:fontRef>
+        </p:style>
+      </p:cxnSp>
+    </p:spTree>
+    <p:extLst>
+      <p:ext uri="{BB962C8B-B14F-4D97-AF65-F5344CB8AC3E}">
+        <p14:creationId xmlns:p14="http://schemas.microsoft.com/office/powerpoint/2010/main" val="2783147980"/>
+      </p:ext>
+    </p:extLst>
+  </p:cSld>
+  <p:clrMapOvr>
+    <a:masterClrMapping/>
+  </p:clrMapOvr>
+</p:sld>
+</file>
+
 <file path=ppt/theme/theme1.xml><?xml version="1.0" encoding="utf-8"?>
 <a:theme xmlns:a="http://schemas.openxmlformats.org/drawingml/2006/main" name="Office Theme">
   <a:themeElements>
